--- a/Entrevista/user-xp-simulator.pptx
+++ b/Entrevista/user-xp-simulator.pptx
@@ -5,18 +5,21 @@
     <p:sldMasterId id="2147483648" r:id="rId4"/>
   </p:sldMasterIdLst>
   <p:notesMasterIdLst>
-    <p:notesMasterId r:id="rId11"/>
+    <p:notesMasterId r:id="rId14"/>
   </p:notesMasterIdLst>
   <p:handoutMasterIdLst>
-    <p:handoutMasterId r:id="rId12"/>
+    <p:handoutMasterId r:id="rId15"/>
   </p:handoutMasterIdLst>
   <p:sldIdLst>
     <p:sldId id="256" r:id="rId5"/>
     <p:sldId id="260" r:id="rId6"/>
     <p:sldId id="261" r:id="rId7"/>
     <p:sldId id="258" r:id="rId8"/>
-    <p:sldId id="257" r:id="rId9"/>
-    <p:sldId id="259" r:id="rId10"/>
+    <p:sldId id="262" r:id="rId9"/>
+    <p:sldId id="264" r:id="rId10"/>
+    <p:sldId id="263" r:id="rId11"/>
+    <p:sldId id="257" r:id="rId12"/>
+    <p:sldId id="259" r:id="rId13"/>
   </p:sldIdLst>
   <p:sldSz cx="10058400" cy="7772400"/>
   <p:notesSz cx="6858000" cy="9144000"/>
@@ -124,6 +127,1139 @@
     </p:ext>
   </p:extLst>
 </p:presentation>
+</file>
+
+<file path=ppt/charts/chart1.xml><?xml version="1.0" encoding="utf-8"?>
+<c:chartSpace xmlns:c="http://schemas.openxmlformats.org/drawingml/2006/chart" xmlns:a="http://schemas.openxmlformats.org/drawingml/2006/main" xmlns:r="http://schemas.openxmlformats.org/officeDocument/2006/relationships" xmlns:c16r2="http://schemas.microsoft.com/office/drawing/2015/06/chart">
+  <c:date1904 val="0"/>
+  <c:lang val="pt-BR"/>
+  <c:roundedCorners val="0"/>
+  <mc:AlternateContent xmlns:mc="http://schemas.openxmlformats.org/markup-compatibility/2006">
+    <mc:Choice xmlns:c14="http://schemas.microsoft.com/office/drawing/2007/8/2/chart" Requires="c14">
+      <c14:style val="102"/>
+    </mc:Choice>
+    <mc:Fallback>
+      <c:style val="2"/>
+    </mc:Fallback>
+  </mc:AlternateContent>
+  <c:chart>
+    <c:title>
+      <c:overlay val="0"/>
+      <c:spPr>
+        <a:noFill/>
+        <a:ln>
+          <a:noFill/>
+        </a:ln>
+        <a:effectLst/>
+      </c:spPr>
+      <c:txPr>
+        <a:bodyPr rot="0" spcFirstLastPara="1" vertOverflow="ellipsis" vert="horz" wrap="square" anchor="ctr" anchorCtr="1"/>
+        <a:lstStyle/>
+        <a:p>
+          <a:pPr>
+            <a:defRPr sz="1862" b="1" i="0" u="none" strike="noStrike" kern="1200" cap="none" baseline="0">
+              <a:solidFill>
+                <a:schemeClr val="lt1">
+                  <a:lumMod val="85000"/>
+                </a:schemeClr>
+              </a:solidFill>
+              <a:latin typeface="+mn-lt"/>
+              <a:ea typeface="+mn-ea"/>
+              <a:cs typeface="+mn-cs"/>
+            </a:defRPr>
+          </a:pPr>
+          <a:endParaRPr lang="pt-BR"/>
+        </a:p>
+      </c:txPr>
+    </c:title>
+    <c:autoTitleDeleted val="0"/>
+    <c:plotArea>
+      <c:layout/>
+      <c:barChart>
+        <c:barDir val="col"/>
+        <c:grouping val="clustered"/>
+        <c:varyColors val="0"/>
+        <c:ser>
+          <c:idx val="0"/>
+          <c:order val="0"/>
+          <c:tx>
+            <c:strRef>
+              <c:f>Planilha1!$B$1</c:f>
+              <c:strCache>
+                <c:ptCount val="1"/>
+                <c:pt idx="0">
+                  <c:v>Série 1</c:v>
+                </c:pt>
+              </c:strCache>
+            </c:strRef>
+          </c:tx>
+          <c:spPr>
+            <a:noFill/>
+            <a:ln w="9525" cap="flat" cmpd="sng" algn="ctr">
+              <a:solidFill>
+                <a:schemeClr val="accent1"/>
+              </a:solidFill>
+              <a:miter lim="800000"/>
+            </a:ln>
+            <a:effectLst>
+              <a:glow rad="63500">
+                <a:schemeClr val="accent1">
+                  <a:satMod val="175000"/>
+                  <a:alpha val="25000"/>
+                </a:schemeClr>
+              </a:glow>
+            </a:effectLst>
+          </c:spPr>
+          <c:invertIfNegative val="0"/>
+          <c:cat>
+            <c:strRef>
+              <c:f>Planilha1!$A$2:$A$8</c:f>
+              <c:strCache>
+                <c:ptCount val="7"/>
+                <c:pt idx="0">
+                  <c:v>DIA 1</c:v>
+                </c:pt>
+                <c:pt idx="1">
+                  <c:v>DIA 2</c:v>
+                </c:pt>
+                <c:pt idx="2">
+                  <c:v>DIA 3</c:v>
+                </c:pt>
+                <c:pt idx="3">
+                  <c:v>DIA 4</c:v>
+                </c:pt>
+                <c:pt idx="4">
+                  <c:v>DIA 5</c:v>
+                </c:pt>
+                <c:pt idx="5">
+                  <c:v>DIA 6</c:v>
+                </c:pt>
+                <c:pt idx="6">
+                  <c:v>DIA 7</c:v>
+                </c:pt>
+              </c:strCache>
+            </c:strRef>
+          </c:cat>
+          <c:val>
+            <c:numRef>
+              <c:f>Planilha1!$B$2:$B$8</c:f>
+              <c:numCache>
+                <c:formatCode>General</c:formatCode>
+                <c:ptCount val="7"/>
+                <c:pt idx="0">
+                  <c:v>4.3</c:v>
+                </c:pt>
+                <c:pt idx="1">
+                  <c:v>2.5</c:v>
+                </c:pt>
+                <c:pt idx="2">
+                  <c:v>3.5</c:v>
+                </c:pt>
+                <c:pt idx="3">
+                  <c:v>4.5</c:v>
+                </c:pt>
+              </c:numCache>
+            </c:numRef>
+          </c:val>
+          <c:extLst>
+            <c:ext xmlns:c16="http://schemas.microsoft.com/office/drawing/2014/chart" uri="{C3380CC4-5D6E-409C-BE32-E72D297353CC}">
+              <c16:uniqueId val="{00000000-0725-4DF9-8DF8-2FBF255FF7C0}"/>
+            </c:ext>
+          </c:extLst>
+        </c:ser>
+        <c:ser>
+          <c:idx val="1"/>
+          <c:order val="1"/>
+          <c:tx>
+            <c:strRef>
+              <c:f>Planilha1!$C$1</c:f>
+              <c:strCache>
+                <c:ptCount val="1"/>
+                <c:pt idx="0">
+                  <c:v>Série 2</c:v>
+                </c:pt>
+              </c:strCache>
+            </c:strRef>
+          </c:tx>
+          <c:spPr>
+            <a:noFill/>
+            <a:ln w="9525" cap="flat" cmpd="sng" algn="ctr">
+              <a:solidFill>
+                <a:schemeClr val="accent2"/>
+              </a:solidFill>
+              <a:miter lim="800000"/>
+            </a:ln>
+            <a:effectLst>
+              <a:glow rad="63500">
+                <a:schemeClr val="accent2">
+                  <a:satMod val="175000"/>
+                  <a:alpha val="25000"/>
+                </a:schemeClr>
+              </a:glow>
+            </a:effectLst>
+          </c:spPr>
+          <c:invertIfNegative val="0"/>
+          <c:cat>
+            <c:strRef>
+              <c:f>Planilha1!$A$2:$A$8</c:f>
+              <c:strCache>
+                <c:ptCount val="7"/>
+                <c:pt idx="0">
+                  <c:v>DIA 1</c:v>
+                </c:pt>
+                <c:pt idx="1">
+                  <c:v>DIA 2</c:v>
+                </c:pt>
+                <c:pt idx="2">
+                  <c:v>DIA 3</c:v>
+                </c:pt>
+                <c:pt idx="3">
+                  <c:v>DIA 4</c:v>
+                </c:pt>
+                <c:pt idx="4">
+                  <c:v>DIA 5</c:v>
+                </c:pt>
+                <c:pt idx="5">
+                  <c:v>DIA 6</c:v>
+                </c:pt>
+                <c:pt idx="6">
+                  <c:v>DIA 7</c:v>
+                </c:pt>
+              </c:strCache>
+            </c:strRef>
+          </c:cat>
+          <c:val>
+            <c:numRef>
+              <c:f>Planilha1!$C$2:$C$8</c:f>
+              <c:numCache>
+                <c:formatCode>General</c:formatCode>
+                <c:ptCount val="7"/>
+                <c:pt idx="0">
+                  <c:v>2.4</c:v>
+                </c:pt>
+                <c:pt idx="1">
+                  <c:v>4.4000000000000004</c:v>
+                </c:pt>
+                <c:pt idx="2">
+                  <c:v>1.8</c:v>
+                </c:pt>
+                <c:pt idx="3">
+                  <c:v>2.8</c:v>
+                </c:pt>
+              </c:numCache>
+            </c:numRef>
+          </c:val>
+          <c:extLst>
+            <c:ext xmlns:c16="http://schemas.microsoft.com/office/drawing/2014/chart" uri="{C3380CC4-5D6E-409C-BE32-E72D297353CC}">
+              <c16:uniqueId val="{00000001-0725-4DF9-8DF8-2FBF255FF7C0}"/>
+            </c:ext>
+          </c:extLst>
+        </c:ser>
+        <c:ser>
+          <c:idx val="2"/>
+          <c:order val="2"/>
+          <c:tx>
+            <c:strRef>
+              <c:f>Planilha1!$D$1</c:f>
+              <c:strCache>
+                <c:ptCount val="1"/>
+                <c:pt idx="0">
+                  <c:v>Série 3</c:v>
+                </c:pt>
+              </c:strCache>
+            </c:strRef>
+          </c:tx>
+          <c:spPr>
+            <a:noFill/>
+            <a:ln w="9525" cap="flat" cmpd="sng" algn="ctr">
+              <a:solidFill>
+                <a:schemeClr val="accent3"/>
+              </a:solidFill>
+              <a:miter lim="800000"/>
+            </a:ln>
+            <a:effectLst>
+              <a:glow rad="63500">
+                <a:schemeClr val="accent3">
+                  <a:satMod val="175000"/>
+                  <a:alpha val="25000"/>
+                </a:schemeClr>
+              </a:glow>
+            </a:effectLst>
+          </c:spPr>
+          <c:invertIfNegative val="0"/>
+          <c:cat>
+            <c:strRef>
+              <c:f>Planilha1!$A$2:$A$8</c:f>
+              <c:strCache>
+                <c:ptCount val="7"/>
+                <c:pt idx="0">
+                  <c:v>DIA 1</c:v>
+                </c:pt>
+                <c:pt idx="1">
+                  <c:v>DIA 2</c:v>
+                </c:pt>
+                <c:pt idx="2">
+                  <c:v>DIA 3</c:v>
+                </c:pt>
+                <c:pt idx="3">
+                  <c:v>DIA 4</c:v>
+                </c:pt>
+                <c:pt idx="4">
+                  <c:v>DIA 5</c:v>
+                </c:pt>
+                <c:pt idx="5">
+                  <c:v>DIA 6</c:v>
+                </c:pt>
+                <c:pt idx="6">
+                  <c:v>DIA 7</c:v>
+                </c:pt>
+              </c:strCache>
+            </c:strRef>
+          </c:cat>
+          <c:val>
+            <c:numRef>
+              <c:f>Planilha1!$D$2:$D$8</c:f>
+              <c:numCache>
+                <c:formatCode>General</c:formatCode>
+                <c:ptCount val="7"/>
+                <c:pt idx="0">
+                  <c:v>2</c:v>
+                </c:pt>
+                <c:pt idx="1">
+                  <c:v>2</c:v>
+                </c:pt>
+                <c:pt idx="2">
+                  <c:v>3</c:v>
+                </c:pt>
+                <c:pt idx="3">
+                  <c:v>5</c:v>
+                </c:pt>
+              </c:numCache>
+            </c:numRef>
+          </c:val>
+          <c:extLst>
+            <c:ext xmlns:c16="http://schemas.microsoft.com/office/drawing/2014/chart" uri="{C3380CC4-5D6E-409C-BE32-E72D297353CC}">
+              <c16:uniqueId val="{00000002-0725-4DF9-8DF8-2FBF255FF7C0}"/>
+            </c:ext>
+          </c:extLst>
+        </c:ser>
+        <c:dLbls>
+          <c:showLegendKey val="0"/>
+          <c:showVal val="0"/>
+          <c:showCatName val="0"/>
+          <c:showSerName val="0"/>
+          <c:showPercent val="0"/>
+          <c:showBubbleSize val="0"/>
+        </c:dLbls>
+        <c:gapWidth val="315"/>
+        <c:axId val="1607862864"/>
+        <c:axId val="1786093456"/>
+      </c:barChart>
+      <c:catAx>
+        <c:axId val="1607862864"/>
+        <c:scaling>
+          <c:orientation val="minMax"/>
+        </c:scaling>
+        <c:delete val="0"/>
+        <c:axPos val="b"/>
+        <c:majorGridlines>
+          <c:spPr>
+            <a:ln w="9525" cap="flat" cmpd="sng" algn="ctr">
+              <a:gradFill>
+                <a:gsLst>
+                  <a:gs pos="100000">
+                    <a:schemeClr val="dk1">
+                      <a:lumMod val="75000"/>
+                      <a:lumOff val="25000"/>
+                    </a:schemeClr>
+                  </a:gs>
+                  <a:gs pos="0">
+                    <a:schemeClr val="dk1">
+                      <a:lumMod val="65000"/>
+                      <a:lumOff val="35000"/>
+                    </a:schemeClr>
+                  </a:gs>
+                </a:gsLst>
+                <a:lin ang="5400000" scaled="0"/>
+              </a:gradFill>
+              <a:round/>
+            </a:ln>
+            <a:effectLst/>
+          </c:spPr>
+        </c:majorGridlines>
+        <c:numFmt formatCode="General" sourceLinked="1"/>
+        <c:majorTickMark val="none"/>
+        <c:minorTickMark val="none"/>
+        <c:tickLblPos val="nextTo"/>
+        <c:spPr>
+          <a:noFill/>
+          <a:ln>
+            <a:noFill/>
+          </a:ln>
+          <a:effectLst/>
+        </c:spPr>
+        <c:txPr>
+          <a:bodyPr rot="-60000000" spcFirstLastPara="1" vertOverflow="ellipsis" vert="horz" wrap="square" anchor="ctr" anchorCtr="1"/>
+          <a:lstStyle/>
+          <a:p>
+            <a:pPr>
+              <a:defRPr sz="1197" b="0" i="0" u="none" strike="noStrike" kern="1200" baseline="0">
+                <a:solidFill>
+                  <a:schemeClr val="lt1">
+                    <a:lumMod val="75000"/>
+                  </a:schemeClr>
+                </a:solidFill>
+                <a:latin typeface="+mn-lt"/>
+                <a:ea typeface="+mn-ea"/>
+                <a:cs typeface="+mn-cs"/>
+              </a:defRPr>
+            </a:pPr>
+            <a:endParaRPr lang="pt-BR"/>
+          </a:p>
+        </c:txPr>
+        <c:crossAx val="1786093456"/>
+        <c:crosses val="autoZero"/>
+        <c:auto val="1"/>
+        <c:lblAlgn val="ctr"/>
+        <c:lblOffset val="100"/>
+        <c:noMultiLvlLbl val="0"/>
+      </c:catAx>
+      <c:valAx>
+        <c:axId val="1786093456"/>
+        <c:scaling>
+          <c:orientation val="minMax"/>
+        </c:scaling>
+        <c:delete val="0"/>
+        <c:axPos val="l"/>
+        <c:majorGridlines>
+          <c:spPr>
+            <a:ln w="9525" cap="flat" cmpd="sng" algn="ctr">
+              <a:gradFill>
+                <a:gsLst>
+                  <a:gs pos="100000">
+                    <a:schemeClr val="dk1">
+                      <a:lumMod val="75000"/>
+                      <a:lumOff val="25000"/>
+                    </a:schemeClr>
+                  </a:gs>
+                  <a:gs pos="0">
+                    <a:schemeClr val="dk1">
+                      <a:lumMod val="65000"/>
+                      <a:lumOff val="35000"/>
+                    </a:schemeClr>
+                  </a:gs>
+                </a:gsLst>
+                <a:lin ang="5400000" scaled="0"/>
+              </a:gradFill>
+              <a:round/>
+            </a:ln>
+            <a:effectLst/>
+          </c:spPr>
+        </c:majorGridlines>
+        <c:numFmt formatCode="General" sourceLinked="1"/>
+        <c:majorTickMark val="none"/>
+        <c:minorTickMark val="none"/>
+        <c:tickLblPos val="nextTo"/>
+        <c:spPr>
+          <a:noFill/>
+          <a:ln>
+            <a:noFill/>
+          </a:ln>
+          <a:effectLst/>
+        </c:spPr>
+        <c:txPr>
+          <a:bodyPr rot="-60000000" spcFirstLastPara="1" vertOverflow="ellipsis" vert="horz" wrap="square" anchor="ctr" anchorCtr="1"/>
+          <a:lstStyle/>
+          <a:p>
+            <a:pPr>
+              <a:defRPr sz="1197" b="0" i="0" u="none" strike="noStrike" kern="1200" baseline="0">
+                <a:solidFill>
+                  <a:schemeClr val="lt1">
+                    <a:lumMod val="75000"/>
+                  </a:schemeClr>
+                </a:solidFill>
+                <a:latin typeface="+mn-lt"/>
+                <a:ea typeface="+mn-ea"/>
+                <a:cs typeface="+mn-cs"/>
+              </a:defRPr>
+            </a:pPr>
+            <a:endParaRPr lang="pt-BR"/>
+          </a:p>
+        </c:txPr>
+        <c:crossAx val="1607862864"/>
+        <c:crosses val="autoZero"/>
+        <c:crossBetween val="between"/>
+      </c:valAx>
+      <c:spPr>
+        <a:noFill/>
+        <a:ln>
+          <a:noFill/>
+        </a:ln>
+        <a:effectLst/>
+      </c:spPr>
+    </c:plotArea>
+    <c:legend>
+      <c:legendPos val="t"/>
+      <c:overlay val="0"/>
+      <c:spPr>
+        <a:noFill/>
+        <a:ln>
+          <a:noFill/>
+        </a:ln>
+        <a:effectLst/>
+      </c:spPr>
+      <c:txPr>
+        <a:bodyPr rot="0" spcFirstLastPara="1" vertOverflow="ellipsis" vert="horz" wrap="square" anchor="ctr" anchorCtr="1"/>
+        <a:lstStyle/>
+        <a:p>
+          <a:pPr>
+            <a:defRPr sz="1197" b="0" i="0" u="none" strike="noStrike" kern="1200" baseline="0">
+              <a:solidFill>
+                <a:schemeClr val="lt1">
+                  <a:lumMod val="75000"/>
+                </a:schemeClr>
+              </a:solidFill>
+              <a:latin typeface="+mn-lt"/>
+              <a:ea typeface="+mn-ea"/>
+              <a:cs typeface="+mn-cs"/>
+            </a:defRPr>
+          </a:pPr>
+          <a:endParaRPr lang="pt-BR"/>
+        </a:p>
+      </c:txPr>
+    </c:legend>
+    <c:plotVisOnly val="1"/>
+    <c:dispBlanksAs val="gap"/>
+    <c:extLst>
+      <c:ext xmlns:c16r3="http://schemas.microsoft.com/office/drawing/2017/03/chart" uri="{56B9EC1D-385E-4148-901F-78D8002777C0}">
+        <c16r3:dataDisplayOptions16>
+          <c16r3:dispNaAsBlank val="1"/>
+        </c16r3:dataDisplayOptions16>
+      </c:ext>
+    </c:extLst>
+    <c:showDLblsOverMax val="0"/>
+  </c:chart>
+  <c:spPr>
+    <a:solidFill>
+      <a:schemeClr val="dk1">
+        <a:lumMod val="75000"/>
+        <a:lumOff val="25000"/>
+      </a:schemeClr>
+    </a:solidFill>
+    <a:ln w="9525" cap="flat" cmpd="sng" algn="ctr">
+      <a:solidFill>
+        <a:schemeClr val="dk1">
+          <a:lumMod val="15000"/>
+          <a:lumOff val="85000"/>
+        </a:schemeClr>
+      </a:solidFill>
+      <a:round/>
+    </a:ln>
+    <a:effectLst/>
+  </c:spPr>
+  <c:txPr>
+    <a:bodyPr/>
+    <a:lstStyle/>
+    <a:p>
+      <a:pPr>
+        <a:defRPr/>
+      </a:pPr>
+      <a:endParaRPr lang="pt-BR"/>
+    </a:p>
+  </c:txPr>
+  <c:externalData r:id="rId3">
+    <c:autoUpdate val="0"/>
+  </c:externalData>
+</c:chartSpace>
+</file>
+
+<file path=ppt/charts/colors1.xml><?xml version="1.0" encoding="utf-8"?>
+<cs:colorStyle xmlns:cs="http://schemas.microsoft.com/office/drawing/2012/chartStyle" xmlns:a="http://schemas.openxmlformats.org/drawingml/2006/main" meth="cycle" id="10">
+  <a:schemeClr val="accent1"/>
+  <a:schemeClr val="accent2"/>
+  <a:schemeClr val="accent3"/>
+  <a:schemeClr val="accent4"/>
+  <a:schemeClr val="accent5"/>
+  <a:schemeClr val="accent6"/>
+  <cs:variation/>
+  <cs:variation>
+    <a:lumMod val="60000"/>
+  </cs:variation>
+  <cs:variation>
+    <a:lumMod val="80000"/>
+    <a:lumOff val="20000"/>
+  </cs:variation>
+  <cs:variation>
+    <a:lumMod val="80000"/>
+  </cs:variation>
+  <cs:variation>
+    <a:lumMod val="60000"/>
+    <a:lumOff val="40000"/>
+  </cs:variation>
+  <cs:variation>
+    <a:lumMod val="50000"/>
+  </cs:variation>
+  <cs:variation>
+    <a:lumMod val="70000"/>
+    <a:lumOff val="30000"/>
+  </cs:variation>
+  <cs:variation>
+    <a:lumMod val="70000"/>
+  </cs:variation>
+  <cs:variation>
+    <a:lumMod val="50000"/>
+    <a:lumOff val="50000"/>
+  </cs:variation>
+</cs:colorStyle>
+</file>
+
+<file path=ppt/charts/style1.xml><?xml version="1.0" encoding="utf-8"?>
+<cs:chartStyle xmlns:cs="http://schemas.microsoft.com/office/drawing/2012/chartStyle" xmlns:a="http://schemas.openxmlformats.org/drawingml/2006/main" id="236">
+  <cs:axisTitle>
+    <cs:lnRef idx="0"/>
+    <cs:fillRef idx="0"/>
+    <cs:effectRef idx="0"/>
+    <cs:fontRef idx="minor">
+      <a:schemeClr val="lt1">
+        <a:lumMod val="75000"/>
+      </a:schemeClr>
+    </cs:fontRef>
+    <cs:defRPr sz="1197" b="1" kern="1200"/>
+  </cs:axisTitle>
+  <cs:categoryAxis>
+    <cs:lnRef idx="0"/>
+    <cs:fillRef idx="0"/>
+    <cs:effectRef idx="0"/>
+    <cs:fontRef idx="minor">
+      <a:schemeClr val="lt1">
+        <a:lumMod val="75000"/>
+      </a:schemeClr>
+    </cs:fontRef>
+    <cs:defRPr sz="1197" kern="1200"/>
+  </cs:categoryAxis>
+  <cs:chartArea>
+    <cs:lnRef idx="0"/>
+    <cs:fillRef idx="0"/>
+    <cs:effectRef idx="0"/>
+    <cs:fontRef idx="minor">
+      <a:schemeClr val="dk1"/>
+    </cs:fontRef>
+    <cs:spPr>
+      <a:solidFill>
+        <a:schemeClr val="dk1">
+          <a:lumMod val="75000"/>
+          <a:lumOff val="25000"/>
+        </a:schemeClr>
+      </a:solidFill>
+      <a:ln w="9525" cap="flat" cmpd="sng" algn="ctr">
+        <a:solidFill>
+          <a:schemeClr val="dk1">
+            <a:lumMod val="15000"/>
+            <a:lumOff val="85000"/>
+          </a:schemeClr>
+        </a:solidFill>
+        <a:round/>
+      </a:ln>
+    </cs:spPr>
+    <cs:defRPr sz="1197" kern="1200"/>
+  </cs:chartArea>
+  <cs:dataLabel>
+    <cs:lnRef idx="0"/>
+    <cs:fillRef idx="0"/>
+    <cs:effectRef idx="0"/>
+    <cs:fontRef idx="minor">
+      <a:schemeClr val="lt1">
+        <a:lumMod val="75000"/>
+      </a:schemeClr>
+    </cs:fontRef>
+    <cs:defRPr sz="1197" kern="1200"/>
+  </cs:dataLabel>
+  <cs:dataLabelCallout>
+    <cs:lnRef idx="0"/>
+    <cs:fillRef idx="0"/>
+    <cs:effectRef idx="0"/>
+    <cs:fontRef idx="minor">
+      <a:schemeClr val="lt1">
+        <a:lumMod val="15000"/>
+        <a:lumOff val="85000"/>
+      </a:schemeClr>
+    </cs:fontRef>
+    <cs:spPr>
+      <a:solidFill>
+        <a:schemeClr val="dk1">
+          <a:lumMod val="65000"/>
+          <a:lumOff val="35000"/>
+        </a:schemeClr>
+      </a:solidFill>
+    </cs:spPr>
+    <cs:defRPr sz="1197" kern="1200"/>
+    <cs:bodyPr rot="0" spcFirstLastPara="1" vertOverflow="clip" horzOverflow="clip" vert="horz" wrap="square" lIns="36576" tIns="18288" rIns="36576" bIns="18288" anchor="ctr" anchorCtr="1">
+      <a:spAutoFit/>
+    </cs:bodyPr>
+  </cs:dataLabelCallout>
+  <cs:dataPoint>
+    <cs:lnRef idx="0">
+      <cs:styleClr val="auto"/>
+    </cs:lnRef>
+    <cs:fillRef idx="0"/>
+    <cs:effectRef idx="0">
+      <cs:styleClr val="auto"/>
+    </cs:effectRef>
+    <cs:fontRef idx="minor">
+      <a:schemeClr val="dk1"/>
+    </cs:fontRef>
+    <cs:spPr>
+      <a:ln w="9525" cap="flat" cmpd="sng" algn="ctr">
+        <a:solidFill>
+          <a:schemeClr val="phClr"/>
+        </a:solidFill>
+        <a:miter lim="800000"/>
+      </a:ln>
+      <a:effectLst>
+        <a:glow rad="63500">
+          <a:schemeClr val="phClr">
+            <a:satMod val="175000"/>
+            <a:alpha val="25000"/>
+          </a:schemeClr>
+        </a:glow>
+      </a:effectLst>
+    </cs:spPr>
+  </cs:dataPoint>
+  <cs:dataPoint3D>
+    <cs:lnRef idx="0">
+      <cs:styleClr val="auto"/>
+    </cs:lnRef>
+    <cs:fillRef idx="0">
+      <cs:styleClr val="auto"/>
+    </cs:fillRef>
+    <cs:effectRef idx="0">
+      <cs:styleClr val="auto"/>
+    </cs:effectRef>
+    <cs:fontRef idx="minor">
+      <a:schemeClr val="dk1"/>
+    </cs:fontRef>
+    <cs:spPr>
+      <a:ln w="9525" cap="flat" cmpd="sng" algn="ctr">
+        <a:solidFill>
+          <a:schemeClr val="phClr"/>
+        </a:solidFill>
+        <a:miter lim="800000"/>
+      </a:ln>
+      <a:effectLst>
+        <a:glow rad="63500">
+          <a:schemeClr val="phClr">
+            <a:satMod val="175000"/>
+            <a:alpha val="25000"/>
+          </a:schemeClr>
+        </a:glow>
+      </a:effectLst>
+    </cs:spPr>
+  </cs:dataPoint3D>
+  <cs:dataPointLine>
+    <cs:lnRef idx="0">
+      <cs:styleClr val="auto"/>
+    </cs:lnRef>
+    <cs:fillRef idx="0">
+      <cs:styleClr val="auto"/>
+    </cs:fillRef>
+    <cs:effectRef idx="0">
+      <cs:styleClr val="auto"/>
+    </cs:effectRef>
+    <cs:fontRef idx="minor">
+      <a:schemeClr val="dk1"/>
+    </cs:fontRef>
+    <cs:spPr>
+      <a:ln w="22225" cap="rnd">
+        <a:solidFill>
+          <a:schemeClr val="phClr"/>
+        </a:solidFill>
+      </a:ln>
+      <a:effectLst>
+        <a:glow rad="139700">
+          <a:schemeClr val="phClr">
+            <a:satMod val="175000"/>
+            <a:alpha val="14000"/>
+          </a:schemeClr>
+        </a:glow>
+      </a:effectLst>
+    </cs:spPr>
+  </cs:dataPointLine>
+  <cs:dataPointMarker>
+    <cs:lnRef idx="0">
+      <cs:styleClr val="auto"/>
+    </cs:lnRef>
+    <cs:fillRef idx="0">
+      <cs:styleClr val="auto"/>
+    </cs:fillRef>
+    <cs:effectRef idx="0">
+      <cs:styleClr val="auto"/>
+    </cs:effectRef>
+    <cs:fontRef idx="minor">
+      <a:schemeClr val="dk1"/>
+    </cs:fontRef>
+    <cs:spPr>
+      <a:solidFill>
+        <a:schemeClr val="phClr">
+          <a:lumMod val="60000"/>
+          <a:lumOff val="40000"/>
+        </a:schemeClr>
+      </a:solidFill>
+      <a:effectLst>
+        <a:glow rad="63500">
+          <a:schemeClr val="phClr">
+            <a:satMod val="175000"/>
+            <a:alpha val="25000"/>
+          </a:schemeClr>
+        </a:glow>
+      </a:effectLst>
+    </cs:spPr>
+  </cs:dataPointMarker>
+  <cs:dataPointMarkerLayout symbol="circle" size="4"/>
+  <cs:dataPointWireframe>
+    <cs:lnRef idx="0">
+      <cs:styleClr val="auto"/>
+    </cs:lnRef>
+    <cs:fillRef idx="0"/>
+    <cs:effectRef idx="0"/>
+    <cs:fontRef idx="minor">
+      <a:schemeClr val="dk1"/>
+    </cs:fontRef>
+    <cs:spPr>
+      <a:ln w="9525" cap="rnd">
+        <a:solidFill>
+          <a:schemeClr val="phClr"/>
+        </a:solidFill>
+        <a:round/>
+      </a:ln>
+    </cs:spPr>
+  </cs:dataPointWireframe>
+  <cs:dataTable>
+    <cs:lnRef idx="0"/>
+    <cs:fillRef idx="0"/>
+    <cs:effectRef idx="0"/>
+    <cs:fontRef idx="minor">
+      <a:schemeClr val="lt1">
+        <a:lumMod val="75000"/>
+      </a:schemeClr>
+    </cs:fontRef>
+    <cs:spPr>
+      <a:ln w="9525">
+        <a:solidFill>
+          <a:schemeClr val="dk1">
+            <a:lumMod val="50000"/>
+            <a:lumOff val="50000"/>
+          </a:schemeClr>
+        </a:solidFill>
+      </a:ln>
+    </cs:spPr>
+    <cs:defRPr sz="1197" kern="1200"/>
+  </cs:dataTable>
+  <cs:downBar>
+    <cs:lnRef idx="0"/>
+    <cs:fillRef idx="0"/>
+    <cs:effectRef idx="0"/>
+    <cs:fontRef idx="minor">
+      <a:schemeClr val="lt1"/>
+    </cs:fontRef>
+    <cs:spPr>
+      <a:solidFill>
+        <a:schemeClr val="dk1">
+          <a:lumMod val="50000"/>
+          <a:lumOff val="50000"/>
+        </a:schemeClr>
+      </a:solidFill>
+      <a:ln w="9525">
+        <a:solidFill>
+          <a:schemeClr val="dk1">
+            <a:lumMod val="75000"/>
+          </a:schemeClr>
+        </a:solidFill>
+        <a:round/>
+      </a:ln>
+    </cs:spPr>
+  </cs:downBar>
+  <cs:dropLine>
+    <cs:lnRef idx="0"/>
+    <cs:fillRef idx="0"/>
+    <cs:effectRef idx="0"/>
+    <cs:fontRef idx="minor">
+      <a:schemeClr val="dk1"/>
+    </cs:fontRef>
+    <cs:spPr>
+      <a:ln w="9525">
+        <a:solidFill>
+          <a:schemeClr val="lt1">
+            <a:lumMod val="50000"/>
+          </a:schemeClr>
+        </a:solidFill>
+        <a:round/>
+      </a:ln>
+    </cs:spPr>
+  </cs:dropLine>
+  <cs:errorBar>
+    <cs:lnRef idx="0"/>
+    <cs:fillRef idx="0"/>
+    <cs:effectRef idx="0"/>
+    <cs:fontRef idx="minor">
+      <a:schemeClr val="dk1"/>
+    </cs:fontRef>
+    <cs:spPr>
+      <a:ln w="9525">
+        <a:solidFill>
+          <a:schemeClr val="lt1">
+            <a:lumMod val="50000"/>
+          </a:schemeClr>
+        </a:solidFill>
+        <a:round/>
+      </a:ln>
+    </cs:spPr>
+  </cs:errorBar>
+  <cs:floor>
+    <cs:lnRef idx="0"/>
+    <cs:fillRef idx="0"/>
+    <cs:effectRef idx="0"/>
+    <cs:fontRef idx="minor">
+      <a:schemeClr val="dk1"/>
+    </cs:fontRef>
+  </cs:floor>
+  <cs:gridlineMajor>
+    <cs:lnRef idx="0"/>
+    <cs:fillRef idx="0"/>
+    <cs:effectRef idx="0"/>
+    <cs:fontRef idx="minor">
+      <a:schemeClr val="dk1"/>
+    </cs:fontRef>
+    <cs:spPr>
+      <a:ln w="9525" cap="flat" cmpd="sng" algn="ctr">
+        <a:gradFill>
+          <a:gsLst>
+            <a:gs pos="100000">
+              <a:schemeClr val="dk1">
+                <a:lumMod val="75000"/>
+                <a:lumOff val="25000"/>
+              </a:schemeClr>
+            </a:gs>
+            <a:gs pos="0">
+              <a:schemeClr val="dk1">
+                <a:lumMod val="65000"/>
+                <a:lumOff val="35000"/>
+              </a:schemeClr>
+            </a:gs>
+          </a:gsLst>
+          <a:lin ang="5400000" scaled="0"/>
+        </a:gradFill>
+        <a:round/>
+      </a:ln>
+    </cs:spPr>
+  </cs:gridlineMajor>
+  <cs:gridlineMinor>
+    <cs:lnRef idx="0"/>
+    <cs:fillRef idx="0"/>
+    <cs:effectRef idx="0"/>
+    <cs:fontRef idx="minor">
+      <a:schemeClr val="dk1"/>
+    </cs:fontRef>
+    <cs:spPr>
+      <a:ln w="9525" cap="flat" cmpd="sng" algn="ctr">
+        <a:gradFill>
+          <a:gsLst>
+            <a:gs pos="100000">
+              <a:schemeClr val="dk1">
+                <a:lumMod val="75000"/>
+                <a:lumOff val="25000"/>
+                <a:alpha val="25000"/>
+              </a:schemeClr>
+            </a:gs>
+            <a:gs pos="0">
+              <a:schemeClr val="dk1">
+                <a:lumMod val="65000"/>
+                <a:lumOff val="35000"/>
+                <a:alpha val="25000"/>
+              </a:schemeClr>
+            </a:gs>
+          </a:gsLst>
+          <a:lin ang="5400000" scaled="0"/>
+        </a:gradFill>
+        <a:round/>
+      </a:ln>
+    </cs:spPr>
+  </cs:gridlineMinor>
+  <cs:hiLoLine>
+    <cs:lnRef idx="0"/>
+    <cs:fillRef idx="0"/>
+    <cs:effectRef idx="0"/>
+    <cs:fontRef idx="minor">
+      <a:schemeClr val="dk1"/>
+    </cs:fontRef>
+    <cs:spPr>
+      <a:ln w="9525">
+        <a:solidFill>
+          <a:schemeClr val="lt1">
+            <a:lumMod val="50000"/>
+          </a:schemeClr>
+        </a:solidFill>
+        <a:round/>
+      </a:ln>
+    </cs:spPr>
+  </cs:hiLoLine>
+  <cs:leaderLine>
+    <cs:lnRef idx="0"/>
+    <cs:fillRef idx="0"/>
+    <cs:effectRef idx="0"/>
+    <cs:fontRef idx="minor">
+      <a:schemeClr val="dk1"/>
+    </cs:fontRef>
+    <cs:spPr>
+      <a:ln w="9525">
+        <a:solidFill>
+          <a:schemeClr val="lt1">
+            <a:lumMod val="50000"/>
+          </a:schemeClr>
+        </a:solidFill>
+        <a:round/>
+      </a:ln>
+    </cs:spPr>
+  </cs:leaderLine>
+  <cs:legend>
+    <cs:lnRef idx="0"/>
+    <cs:fillRef idx="0"/>
+    <cs:effectRef idx="0"/>
+    <cs:fontRef idx="minor">
+      <a:schemeClr val="lt1">
+        <a:lumMod val="75000"/>
+      </a:schemeClr>
+    </cs:fontRef>
+    <cs:defRPr sz="1197" kern="1200"/>
+  </cs:legend>
+  <cs:plotArea>
+    <cs:lnRef idx="0"/>
+    <cs:fillRef idx="0"/>
+    <cs:effectRef idx="0"/>
+    <cs:fontRef idx="minor">
+      <a:schemeClr val="dk1"/>
+    </cs:fontRef>
+  </cs:plotArea>
+  <cs:plotArea3D>
+    <cs:lnRef idx="0"/>
+    <cs:fillRef idx="0"/>
+    <cs:effectRef idx="0"/>
+    <cs:fontRef idx="minor">
+      <a:schemeClr val="dk1"/>
+    </cs:fontRef>
+  </cs:plotArea3D>
+  <cs:seriesAxis>
+    <cs:lnRef idx="0"/>
+    <cs:fillRef idx="0"/>
+    <cs:effectRef idx="0"/>
+    <cs:fontRef idx="minor">
+      <a:schemeClr val="lt1">
+        <a:lumMod val="75000"/>
+      </a:schemeClr>
+    </cs:fontRef>
+    <cs:defRPr sz="1197" kern="1200"/>
+  </cs:seriesAxis>
+  <cs:seriesLine>
+    <cs:lnRef idx="0"/>
+    <cs:fillRef idx="0"/>
+    <cs:effectRef idx="0"/>
+    <cs:fontRef idx="minor">
+      <a:schemeClr val="dk1"/>
+    </cs:fontRef>
+    <cs:spPr>
+      <a:ln w="9525">
+        <a:solidFill>
+          <a:schemeClr val="lt1">
+            <a:lumMod val="50000"/>
+          </a:schemeClr>
+        </a:solidFill>
+        <a:round/>
+      </a:ln>
+    </cs:spPr>
+  </cs:seriesLine>
+  <cs:title>
+    <cs:lnRef idx="0"/>
+    <cs:fillRef idx="0"/>
+    <cs:effectRef idx="0"/>
+    <cs:fontRef idx="minor">
+      <a:schemeClr val="lt1">
+        <a:lumMod val="85000"/>
+      </a:schemeClr>
+    </cs:fontRef>
+    <cs:defRPr sz="1862" b="1" kern="1200" cap="none" baseline="0"/>
+  </cs:title>
+  <cs:trendline>
+    <cs:lnRef idx="0">
+      <cs:styleClr val="auto"/>
+    </cs:lnRef>
+    <cs:fillRef idx="0"/>
+    <cs:effectRef idx="0"/>
+    <cs:fontRef idx="minor">
+      <a:schemeClr val="lt1"/>
+    </cs:fontRef>
+    <cs:spPr>
+      <a:ln w="25400" cap="rnd">
+        <a:solidFill>
+          <a:schemeClr val="phClr">
+            <a:alpha val="50000"/>
+          </a:schemeClr>
+        </a:solidFill>
+      </a:ln>
+    </cs:spPr>
+  </cs:trendline>
+  <cs:trendlineLabel>
+    <cs:lnRef idx="0"/>
+    <cs:fillRef idx="0"/>
+    <cs:effectRef idx="0"/>
+    <cs:fontRef idx="minor">
+      <a:schemeClr val="lt1">
+        <a:lumMod val="75000"/>
+      </a:schemeClr>
+    </cs:fontRef>
+    <cs:defRPr sz="1197" kern="1200"/>
+  </cs:trendlineLabel>
+  <cs:upBar>
+    <cs:lnRef idx="0"/>
+    <cs:fillRef idx="0"/>
+    <cs:effectRef idx="0"/>
+    <cs:fontRef idx="minor">
+      <a:schemeClr val="dk1"/>
+    </cs:fontRef>
+    <cs:spPr>
+      <a:solidFill>
+        <a:schemeClr val="lt1">
+          <a:lumMod val="85000"/>
+        </a:schemeClr>
+      </a:solidFill>
+      <a:ln w="9525">
+        <a:solidFill>
+          <a:schemeClr val="dk1">
+            <a:lumMod val="50000"/>
+          </a:schemeClr>
+        </a:solidFill>
+        <a:round/>
+      </a:ln>
+    </cs:spPr>
+  </cs:upBar>
+  <cs:valueAxis>
+    <cs:lnRef idx="0"/>
+    <cs:fillRef idx="0"/>
+    <cs:effectRef idx="0"/>
+    <cs:fontRef idx="minor">
+      <a:schemeClr val="lt1">
+        <a:lumMod val="75000"/>
+      </a:schemeClr>
+    </cs:fontRef>
+    <cs:defRPr sz="1197" kern="1200"/>
+  </cs:valueAxis>
+  <cs:wall>
+    <cs:lnRef idx="0"/>
+    <cs:fillRef idx="0"/>
+    <cs:effectRef idx="0"/>
+    <cs:fontRef idx="minor">
+      <a:schemeClr val="dk1"/>
+    </cs:fontRef>
+  </cs:wall>
+</cs:chartStyle>
 </file>
 
 <file path=ppt/handoutMasters/handoutMaster1.xml><?xml version="1.0" encoding="utf-8"?>
@@ -1009,7 +2145,7 @@
     </p:spTree>
     <p:extLst>
       <p:ext uri="{BB962C8B-B14F-4D97-AF65-F5344CB8AC3E}">
-        <p14:creationId xmlns:p14="http://schemas.microsoft.com/office/powerpoint/2010/main" val="3896959856"/>
+        <p14:creationId xmlns:p14="http://schemas.microsoft.com/office/powerpoint/2010/main" val="275090606"/>
       </p:ext>
     </p:extLst>
   </p:cSld>
@@ -1087,6 +2223,264 @@
             <a:fld id="{6454C807-4EFD-4C8E-92F4-98955E8B1619}" type="slidenum">
               <a:rPr lang="pt-BR" smtClean="0"/>
               <a:t>6</a:t>
+            </a:fld>
+            <a:endParaRPr lang="pt-BR"/>
+          </a:p>
+        </p:txBody>
+      </p:sp>
+    </p:spTree>
+    <p:extLst>
+      <p:ext uri="{BB962C8B-B14F-4D97-AF65-F5344CB8AC3E}">
+        <p14:creationId xmlns:p14="http://schemas.microsoft.com/office/powerpoint/2010/main" val="3950540157"/>
+      </p:ext>
+    </p:extLst>
+  </p:cSld>
+  <p:clrMapOvr>
+    <a:masterClrMapping/>
+  </p:clrMapOvr>
+</p:notes>
+</file>
+
+<file path=ppt/notesSlides/notesSlide6.xml><?xml version="1.0" encoding="utf-8"?>
+<p:notes xmlns:a="http://schemas.openxmlformats.org/drawingml/2006/main" xmlns:r="http://schemas.openxmlformats.org/officeDocument/2006/relationships" xmlns:p="http://schemas.openxmlformats.org/presentationml/2006/main">
+  <p:cSld>
+    <p:spTree>
+      <p:nvGrpSpPr>
+        <p:cNvPr id="1" name=""/>
+        <p:cNvGrpSpPr/>
+        <p:nvPr/>
+      </p:nvGrpSpPr>
+      <p:grpSpPr>
+        <a:xfrm>
+          <a:off x="0" y="0"/>
+          <a:ext cx="0" cy="0"/>
+          <a:chOff x="0" y="0"/>
+          <a:chExt cx="0" cy="0"/>
+        </a:xfrm>
+      </p:grpSpPr>
+      <p:sp>
+        <p:nvSpPr>
+          <p:cNvPr id="2" name="Espaço reservado para a imagem do slide 1"/>
+          <p:cNvSpPr>
+            <a:spLocks noGrp="1" noRot="1" noChangeAspect="1"/>
+          </p:cNvSpPr>
+          <p:nvPr>
+            <p:ph type="sldImg"/>
+          </p:nvPr>
+        </p:nvSpPr>
+        <p:spPr/>
+      </p:sp>
+      <p:sp>
+        <p:nvSpPr>
+          <p:cNvPr id="3" name="Espaço reservado para anotações 2"/>
+          <p:cNvSpPr>
+            <a:spLocks noGrp="1"/>
+          </p:cNvSpPr>
+          <p:nvPr>
+            <p:ph type="body" idx="1"/>
+          </p:nvPr>
+        </p:nvSpPr>
+        <p:spPr/>
+        <p:txBody>
+          <a:bodyPr rtlCol="0"/>
+          <a:lstStyle/>
+          <a:p>
+            <a:pPr rtl="0"/>
+            <a:endParaRPr lang="pt-BR"/>
+          </a:p>
+        </p:txBody>
+      </p:sp>
+      <p:sp>
+        <p:nvSpPr>
+          <p:cNvPr id="4" name="Espaço Reservado para o Número do Slide 3"/>
+          <p:cNvSpPr>
+            <a:spLocks noGrp="1"/>
+          </p:cNvSpPr>
+          <p:nvPr>
+            <p:ph type="sldNum" sz="quarter" idx="5"/>
+          </p:nvPr>
+        </p:nvSpPr>
+        <p:spPr/>
+        <p:txBody>
+          <a:bodyPr rtlCol="0"/>
+          <a:lstStyle/>
+          <a:p>
+            <a:pPr rtl="0"/>
+            <a:fld id="{6454C807-4EFD-4C8E-92F4-98955E8B1619}" type="slidenum">
+              <a:rPr lang="pt-BR" smtClean="0"/>
+              <a:t>7</a:t>
+            </a:fld>
+            <a:endParaRPr lang="pt-BR"/>
+          </a:p>
+        </p:txBody>
+      </p:sp>
+    </p:spTree>
+    <p:extLst>
+      <p:ext uri="{BB962C8B-B14F-4D97-AF65-F5344CB8AC3E}">
+        <p14:creationId xmlns:p14="http://schemas.microsoft.com/office/powerpoint/2010/main" val="3483904648"/>
+      </p:ext>
+    </p:extLst>
+  </p:cSld>
+  <p:clrMapOvr>
+    <a:masterClrMapping/>
+  </p:clrMapOvr>
+</p:notes>
+</file>
+
+<file path=ppt/notesSlides/notesSlide7.xml><?xml version="1.0" encoding="utf-8"?>
+<p:notes xmlns:a="http://schemas.openxmlformats.org/drawingml/2006/main" xmlns:r="http://schemas.openxmlformats.org/officeDocument/2006/relationships" xmlns:p="http://schemas.openxmlformats.org/presentationml/2006/main">
+  <p:cSld>
+    <p:spTree>
+      <p:nvGrpSpPr>
+        <p:cNvPr id="1" name=""/>
+        <p:cNvGrpSpPr/>
+        <p:nvPr/>
+      </p:nvGrpSpPr>
+      <p:grpSpPr>
+        <a:xfrm>
+          <a:off x="0" y="0"/>
+          <a:ext cx="0" cy="0"/>
+          <a:chOff x="0" y="0"/>
+          <a:chExt cx="0" cy="0"/>
+        </a:xfrm>
+      </p:grpSpPr>
+      <p:sp>
+        <p:nvSpPr>
+          <p:cNvPr id="2" name="Espaço reservado para a imagem do slide 1"/>
+          <p:cNvSpPr>
+            <a:spLocks noGrp="1" noRot="1" noChangeAspect="1"/>
+          </p:cNvSpPr>
+          <p:nvPr>
+            <p:ph type="sldImg"/>
+          </p:nvPr>
+        </p:nvSpPr>
+        <p:spPr/>
+      </p:sp>
+      <p:sp>
+        <p:nvSpPr>
+          <p:cNvPr id="3" name="Espaço reservado para anotações 2"/>
+          <p:cNvSpPr>
+            <a:spLocks noGrp="1"/>
+          </p:cNvSpPr>
+          <p:nvPr>
+            <p:ph type="body" idx="1"/>
+          </p:nvPr>
+        </p:nvSpPr>
+        <p:spPr/>
+        <p:txBody>
+          <a:bodyPr rtlCol="0"/>
+          <a:lstStyle/>
+          <a:p>
+            <a:pPr rtl="0"/>
+            <a:endParaRPr lang="pt-BR"/>
+          </a:p>
+        </p:txBody>
+      </p:sp>
+      <p:sp>
+        <p:nvSpPr>
+          <p:cNvPr id="4" name="Espaço Reservado para o Número do Slide 3"/>
+          <p:cNvSpPr>
+            <a:spLocks noGrp="1"/>
+          </p:cNvSpPr>
+          <p:nvPr>
+            <p:ph type="sldNum" sz="quarter" idx="5"/>
+          </p:nvPr>
+        </p:nvSpPr>
+        <p:spPr/>
+        <p:txBody>
+          <a:bodyPr rtlCol="0"/>
+          <a:lstStyle/>
+          <a:p>
+            <a:pPr rtl="0"/>
+            <a:fld id="{6454C807-4EFD-4C8E-92F4-98955E8B1619}" type="slidenum">
+              <a:rPr lang="pt-BR" smtClean="0"/>
+              <a:t>8</a:t>
+            </a:fld>
+            <a:endParaRPr lang="pt-BR"/>
+          </a:p>
+        </p:txBody>
+      </p:sp>
+    </p:spTree>
+    <p:extLst>
+      <p:ext uri="{BB962C8B-B14F-4D97-AF65-F5344CB8AC3E}">
+        <p14:creationId xmlns:p14="http://schemas.microsoft.com/office/powerpoint/2010/main" val="3896959856"/>
+      </p:ext>
+    </p:extLst>
+  </p:cSld>
+  <p:clrMapOvr>
+    <a:masterClrMapping/>
+  </p:clrMapOvr>
+</p:notes>
+</file>
+
+<file path=ppt/notesSlides/notesSlide8.xml><?xml version="1.0" encoding="utf-8"?>
+<p:notes xmlns:a="http://schemas.openxmlformats.org/drawingml/2006/main" xmlns:r="http://schemas.openxmlformats.org/officeDocument/2006/relationships" xmlns:p="http://schemas.openxmlformats.org/presentationml/2006/main">
+  <p:cSld>
+    <p:spTree>
+      <p:nvGrpSpPr>
+        <p:cNvPr id="1" name=""/>
+        <p:cNvGrpSpPr/>
+        <p:nvPr/>
+      </p:nvGrpSpPr>
+      <p:grpSpPr>
+        <a:xfrm>
+          <a:off x="0" y="0"/>
+          <a:ext cx="0" cy="0"/>
+          <a:chOff x="0" y="0"/>
+          <a:chExt cx="0" cy="0"/>
+        </a:xfrm>
+      </p:grpSpPr>
+      <p:sp>
+        <p:nvSpPr>
+          <p:cNvPr id="2" name="Espaço reservado para a imagem do slide 1"/>
+          <p:cNvSpPr>
+            <a:spLocks noGrp="1" noRot="1" noChangeAspect="1"/>
+          </p:cNvSpPr>
+          <p:nvPr>
+            <p:ph type="sldImg"/>
+          </p:nvPr>
+        </p:nvSpPr>
+        <p:spPr/>
+      </p:sp>
+      <p:sp>
+        <p:nvSpPr>
+          <p:cNvPr id="3" name="Espaço reservado para anotações 2"/>
+          <p:cNvSpPr>
+            <a:spLocks noGrp="1"/>
+          </p:cNvSpPr>
+          <p:nvPr>
+            <p:ph type="body" idx="1"/>
+          </p:nvPr>
+        </p:nvSpPr>
+        <p:spPr/>
+        <p:txBody>
+          <a:bodyPr rtlCol="0"/>
+          <a:lstStyle/>
+          <a:p>
+            <a:pPr rtl="0"/>
+            <a:endParaRPr lang="pt-BR"/>
+          </a:p>
+        </p:txBody>
+      </p:sp>
+      <p:sp>
+        <p:nvSpPr>
+          <p:cNvPr id="4" name="Espaço Reservado para o Número do Slide 3"/>
+          <p:cNvSpPr>
+            <a:spLocks noGrp="1"/>
+          </p:cNvSpPr>
+          <p:nvPr>
+            <p:ph type="sldNum" sz="quarter" idx="5"/>
+          </p:nvPr>
+        </p:nvSpPr>
+        <p:spPr/>
+        <p:txBody>
+          <a:bodyPr rtlCol="0"/>
+          <a:lstStyle/>
+          <a:p>
+            <a:pPr rtl="0"/>
+            <a:fld id="{6454C807-4EFD-4C8E-92F4-98955E8B1619}" type="slidenum">
+              <a:rPr lang="pt-BR" smtClean="0"/>
+              <a:t>9</a:t>
             </a:fld>
             <a:endParaRPr lang="pt-BR"/>
           </a:p>
@@ -6484,7 +7878,7 @@
               <a:rPr lang="pt-BR" dirty="0">
                 <a:latin typeface="+mj-lt"/>
               </a:rPr>
-              <a:t>Sign In</a:t>
+              <a:t>...</a:t>
             </a:r>
           </a:p>
         </p:txBody>
@@ -6544,7 +7938,7 @@
               <a:rPr lang="pt-BR" dirty="0">
                 <a:latin typeface="+mj-lt"/>
               </a:rPr>
-              <a:t>Login</a:t>
+              <a:t>Sair</a:t>
             </a:r>
           </a:p>
         </p:txBody>
@@ -7521,7 +8915,7 @@
       <p:sp>
         <p:nvSpPr>
           <p:cNvPr id="13" name="Retângulo 12">
-            <a:hlinkClick r:id="rId6" action="ppaction://hlinksldjump"/>
+            <a:hlinkClick r:id="rId11" action="ppaction://hlinksldjump"/>
             <a:extLst>
               <a:ext uri="{FF2B5EF4-FFF2-40B4-BE49-F238E27FC236}">
                 <a16:creationId xmlns:a16="http://schemas.microsoft.com/office/drawing/2014/main" id="{EC6ABE1D-4A45-44EB-9729-72F28CE6FD56}"/>
@@ -7593,7 +8987,7 @@
           <p:nvPr/>
         </p:nvPicPr>
         <p:blipFill rotWithShape="1">
-          <a:blip r:embed="rId11">
+          <a:blip r:embed="rId12">
             <a:extLst>
               <a:ext uri="{28A0092B-C50C-407E-A947-70E740481C1C}">
                 <a14:useLocalDpi xmlns:a14="http://schemas.microsoft.com/office/drawing/2010/main" val="0"/>
@@ -7626,7 +9020,7 @@
       <p:sp>
         <p:nvSpPr>
           <p:cNvPr id="5" name="Retângulo 4">
-            <a:hlinkClick r:id="rId6" action="ppaction://hlinksldjump"/>
+            <a:hlinkClick r:id="rId13" action="ppaction://hlinksldjump"/>
             <a:extLst>
               <a:ext uri="{FF2B5EF4-FFF2-40B4-BE49-F238E27FC236}">
                 <a16:creationId xmlns:a16="http://schemas.microsoft.com/office/drawing/2014/main" id="{668AC272-BE88-4BA7-8684-8B858E5CF10A}"/>
@@ -7686,7 +9080,7 @@
       <p:sp>
         <p:nvSpPr>
           <p:cNvPr id="15" name="Retângulo 14">
-            <a:hlinkClick r:id="rId6" action="ppaction://hlinksldjump"/>
+            <a:hlinkClick r:id="rId14" action="ppaction://hlinksldjump"/>
             <a:extLst>
               <a:ext uri="{FF2B5EF4-FFF2-40B4-BE49-F238E27FC236}">
                 <a16:creationId xmlns:a16="http://schemas.microsoft.com/office/drawing/2014/main" id="{C3CE869C-41DD-4C75-A61C-989305482D71}"/>
@@ -7824,33 +9218,34 @@
           <a:lstStyle/>
           <a:p>
             <a:pPr rtl="0"/>
-            <a:r>
-              <a:rPr lang="pt-BR"/>
-              <a:t>Lorem ipsum dolor sit amet, consectetuer adipiscing elit. Maecenas porttitor congue massa. Fusce posuere, magna sed pulvinar ultricies, purus lectus malesuada libero, sit amet commodo magna eros quis urna.</a:t>
-            </a:r>
+            <a:endParaRPr lang="pt-BR" dirty="0"/>
           </a:p>
           <a:p>
             <a:pPr rtl="0"/>
-            <a:endParaRPr lang="pt-BR"/>
+            <a:endParaRPr lang="pt-BR" dirty="0"/>
           </a:p>
           <a:p>
             <a:pPr rtl="0"/>
-            <a:r>
-              <a:rPr lang="pt-BR"/>
-              <a:t>Maecenas porttitor congue massa. Fusce posuere, magna sed pulvinar ultricies, purus lectus malesuada libero, sit amet commodo magna eros quis urna.</a:t>
-            </a:r>
+            <a:endParaRPr lang="pt-BR" dirty="0"/>
           </a:p>
           <a:p>
             <a:pPr rtl="0"/>
-            <a:endParaRPr lang="pt-BR"/>
+            <a:r>
+              <a:rPr lang="pt-BR" sz="2400" dirty="0"/>
+              <a:t>NOVIDADES</a:t>
+            </a:r>
           </a:p>
           <a:p>
             <a:pPr rtl="0"/>
-            <a:endParaRPr lang="pt-BR"/>
+            <a:endParaRPr lang="pt-BR" sz="2400" dirty="0"/>
           </a:p>
           <a:p>
             <a:pPr rtl="0"/>
-            <a:endParaRPr lang="pt-BR"/>
+            <a:endParaRPr lang="pt-BR" sz="2400" dirty="0"/>
+          </a:p>
+          <a:p>
+            <a:pPr rtl="0"/>
+            <a:endParaRPr lang="pt-BR" sz="2400" dirty="0"/>
           </a:p>
         </p:txBody>
       </p:sp>
@@ -8911,6 +10306,4870 @@
           <p:cNvPr id="2" name="Título 1">
             <a:extLst>
               <a:ext uri="{FF2B5EF4-FFF2-40B4-BE49-F238E27FC236}">
+                <a16:creationId xmlns:a16="http://schemas.microsoft.com/office/drawing/2014/main" id="{96654D56-652A-487F-B62F-5C8C1E1AEF87}"/>
+              </a:ext>
+            </a:extLst>
+          </p:cNvPr>
+          <p:cNvSpPr>
+            <a:spLocks noGrp="1"/>
+          </p:cNvSpPr>
+          <p:nvPr>
+            <p:ph type="ctrTitle"/>
+          </p:nvPr>
+        </p:nvSpPr>
+        <p:spPr/>
+        <p:txBody>
+          <a:bodyPr rtlCol="0"/>
+          <a:lstStyle/>
+          <a:p>
+            <a:pPr rtl="0"/>
+            <a:r>
+              <a:rPr lang="pt-BR" sz="1600" dirty="0"/>
+              <a:t>CONDICIONAMENTO FÍSICO DE UM MODO SIMPLES </a:t>
+            </a:r>
+          </a:p>
+        </p:txBody>
+      </p:sp>
+      <p:sp>
+        <p:nvSpPr>
+          <p:cNvPr id="4" name="Espaço Reservado para Texto 3">
+            <a:extLst>
+              <a:ext uri="{FF2B5EF4-FFF2-40B4-BE49-F238E27FC236}">
+                <a16:creationId xmlns:a16="http://schemas.microsoft.com/office/drawing/2014/main" id="{45FA45B3-A6AE-402F-B640-75DBE3055542}"/>
+              </a:ext>
+            </a:extLst>
+          </p:cNvPr>
+          <p:cNvSpPr>
+            <a:spLocks noGrp="1"/>
+          </p:cNvSpPr>
+          <p:nvPr>
+            <p:ph type="body" sz="quarter" idx="11"/>
+          </p:nvPr>
+        </p:nvSpPr>
+        <p:spPr/>
+        <p:txBody>
+          <a:bodyPr rtlCol="0"/>
+          <a:lstStyle/>
+          <a:p>
+            <a:pPr rtl="0"/>
+            <a:r>
+              <a:rPr lang="pt-BR"/>
+              <a:t>Lorem ipsum dolor sit amet, consectetuer adipiscing elit. Maecenas porttitor congue massa. Fusce posuere, magna sed pulvinar ultricies, purus lectus malesuada libero, sit amet commodo magna eros quis urna.</a:t>
+            </a:r>
+          </a:p>
+          <a:p>
+            <a:pPr rtl="0"/>
+            <a:endParaRPr lang="pt-BR"/>
+          </a:p>
+          <a:p>
+            <a:pPr rtl="0"/>
+            <a:r>
+              <a:rPr lang="pt-BR"/>
+              <a:t>Maecenas porttitor congue massa. Fusce posuere, magna sed pulvinar ultricies, purus lectus malesuada libero, sit amet commodo magna eros quis urna.</a:t>
+            </a:r>
+          </a:p>
+          <a:p>
+            <a:pPr rtl="0"/>
+            <a:endParaRPr lang="pt-BR"/>
+          </a:p>
+          <a:p>
+            <a:pPr rtl="0"/>
+            <a:endParaRPr lang="pt-BR"/>
+          </a:p>
+          <a:p>
+            <a:pPr rtl="0"/>
+            <a:endParaRPr lang="pt-BR"/>
+          </a:p>
+        </p:txBody>
+      </p:sp>
+      <p:sp>
+        <p:nvSpPr>
+          <p:cNvPr id="5" name="Espaço Reservado para Texto 4">
+            <a:extLst>
+              <a:ext uri="{FF2B5EF4-FFF2-40B4-BE49-F238E27FC236}">
+                <a16:creationId xmlns:a16="http://schemas.microsoft.com/office/drawing/2014/main" id="{A5FC093F-1046-49B5-8901-B8F3A602B922}"/>
+              </a:ext>
+            </a:extLst>
+          </p:cNvPr>
+          <p:cNvSpPr>
+            <a:spLocks noGrp="1"/>
+          </p:cNvSpPr>
+          <p:nvPr>
+            <p:ph type="body" sz="quarter" idx="12"/>
+          </p:nvPr>
+        </p:nvSpPr>
+        <p:spPr>
+          <a:xfrm>
+            <a:off x="3598695" y="5535143"/>
+            <a:ext cx="2898648" cy="1874520"/>
+          </a:xfrm>
+        </p:spPr>
+        <p:style>
+          <a:lnRef idx="2">
+            <a:schemeClr val="accent1"/>
+          </a:lnRef>
+          <a:fillRef idx="1">
+            <a:schemeClr val="lt1"/>
+          </a:fillRef>
+          <a:effectRef idx="0">
+            <a:schemeClr val="accent1"/>
+          </a:effectRef>
+          <a:fontRef idx="minor">
+            <a:schemeClr val="dk1"/>
+          </a:fontRef>
+        </p:style>
+        <p:txBody>
+          <a:bodyPr rtlCol="0"/>
+          <a:lstStyle/>
+          <a:p>
+            <a:pPr rtl="0"/>
+            <a:r>
+              <a:rPr lang="pt-BR">
+                <a:latin typeface="+mj-lt"/>
+              </a:rPr>
+              <a:t>Rua das flores, 567 </a:t>
+            </a:r>
+          </a:p>
+          <a:p>
+            <a:pPr rtl="0"/>
+            <a:r>
+              <a:rPr lang="pt-BR">
+                <a:latin typeface="+mj-lt"/>
+              </a:rPr>
+              <a:t>São Paulo, SP 98052-000</a:t>
+            </a:r>
+          </a:p>
+          <a:p>
+            <a:pPr rtl="0"/>
+            <a:r>
+              <a:rPr lang="pt-BR">
+                <a:latin typeface="+mj-lt"/>
+              </a:rPr>
+              <a:t>555-0100</a:t>
+            </a:r>
+          </a:p>
+          <a:p>
+            <a:pPr rtl="0"/>
+            <a:r>
+              <a:rPr lang="pt-BR">
+                <a:latin typeface="+mj-lt"/>
+              </a:rPr>
+              <a:t>info@adatumfitness.com</a:t>
+            </a:r>
+          </a:p>
+          <a:p>
+            <a:pPr rtl="0"/>
+            <a:r>
+              <a:rPr lang="pt-BR">
+                <a:latin typeface="+mj-lt"/>
+              </a:rPr>
+              <a:t>adatumfitness.com</a:t>
+            </a:r>
+          </a:p>
+          <a:p>
+            <a:pPr rtl="0"/>
+            <a:endParaRPr lang="pt-BR">
+              <a:latin typeface="+mj-lt"/>
+            </a:endParaRPr>
+          </a:p>
+        </p:txBody>
+      </p:sp>
+      <p:pic>
+        <p:nvPicPr>
+          <p:cNvPr id="54" name="Espaço Reservado para Imagem 38" descr="close de pessoas amarrando os calçados">
+            <a:extLst>
+              <a:ext uri="{FF2B5EF4-FFF2-40B4-BE49-F238E27FC236}">
+                <a16:creationId xmlns:a16="http://schemas.microsoft.com/office/drawing/2014/main" id="{A0E064E8-9290-4D43-BBFC-8BED18247AE8}"/>
+              </a:ext>
+            </a:extLst>
+          </p:cNvPr>
+          <p:cNvPicPr>
+            <a:picLocks noGrp="1" noChangeAspect="1"/>
+          </p:cNvPicPr>
+          <p:nvPr>
+            <p:ph type="pic" sz="quarter" idx="13"/>
+          </p:nvPr>
+        </p:nvPicPr>
+        <p:blipFill rotWithShape="1">
+          <a:blip r:embed="rId3" cstate="email">
+            <a:extLst>
+              <a:ext uri="{28A0092B-C50C-407E-A947-70E740481C1C}">
+                <a14:useLocalDpi xmlns:a14="http://schemas.microsoft.com/office/drawing/2010/main"/>
+              </a:ext>
+            </a:extLst>
+          </a:blip>
+          <a:srcRect t="47" b="47"/>
+          <a:stretch/>
+        </p:blipFill>
+        <p:spPr>
+          <a:xfrm flipH="1">
+            <a:off x="0" y="0"/>
+            <a:ext cx="3355848" cy="3886200"/>
+          </a:xfrm>
+        </p:spPr>
+      </p:pic>
+      <p:pic>
+        <p:nvPicPr>
+          <p:cNvPr id="21" name="Espaço Reservado para Imagem 40" descr="par de sapatos">
+            <a:extLst>
+              <a:ext uri="{FF2B5EF4-FFF2-40B4-BE49-F238E27FC236}">
+                <a16:creationId xmlns:a16="http://schemas.microsoft.com/office/drawing/2014/main" id="{B1953C42-CA6D-49EE-B8B1-B2557AB82956}"/>
+              </a:ext>
+            </a:extLst>
+          </p:cNvPr>
+          <p:cNvPicPr>
+            <a:picLocks noGrp="1" noChangeAspect="1"/>
+          </p:cNvPicPr>
+          <p:nvPr>
+            <p:ph type="pic" sz="quarter" idx="14"/>
+          </p:nvPr>
+        </p:nvPicPr>
+        <p:blipFill rotWithShape="1">
+          <a:blip r:embed="rId4" cstate="email">
+            <a:extLst>
+              <a:ext uri="{28A0092B-C50C-407E-A947-70E740481C1C}">
+                <a14:useLocalDpi xmlns:a14="http://schemas.microsoft.com/office/drawing/2010/main"/>
+              </a:ext>
+            </a:extLst>
+          </a:blip>
+          <a:srcRect t="88" b="88"/>
+          <a:stretch/>
+        </p:blipFill>
+        <p:spPr/>
+      </p:pic>
+      <p:sp>
+        <p:nvSpPr>
+          <p:cNvPr id="19" name="Espaço Reservado para Texto 18">
+            <a:extLst>
+              <a:ext uri="{FF2B5EF4-FFF2-40B4-BE49-F238E27FC236}">
+                <a16:creationId xmlns:a16="http://schemas.microsoft.com/office/drawing/2014/main" id="{6F374A01-FD18-413B-A563-0BFF7A173B88}"/>
+              </a:ext>
+            </a:extLst>
+          </p:cNvPr>
+          <p:cNvSpPr>
+            <a:spLocks noGrp="1"/>
+          </p:cNvSpPr>
+          <p:nvPr>
+            <p:ph type="body" sz="quarter" idx="19"/>
+          </p:nvPr>
+        </p:nvSpPr>
+        <p:spPr>
+          <a:xfrm>
+            <a:off x="174055" y="4517136"/>
+            <a:ext cx="2807208" cy="2670048"/>
+          </a:xfrm>
+        </p:spPr>
+        <p:txBody>
+          <a:bodyPr rtlCol="0"/>
+          <a:lstStyle/>
+          <a:p>
+            <a:pPr rtl="0"/>
+            <a:r>
+              <a:rPr lang="pt-BR" dirty="0"/>
+              <a:t>NUNCA É CEDO OU TARDE DEMAIS PARA SE TORNAR A VERSÃO MAIS SAUDÁVEL DE VOCÊ.</a:t>
+            </a:r>
+          </a:p>
+        </p:txBody>
+      </p:sp>
+      <p:sp>
+        <p:nvSpPr>
+          <p:cNvPr id="52" name="Espaço Reservado para Texto 51">
+            <a:extLst>
+              <a:ext uri="{FF2B5EF4-FFF2-40B4-BE49-F238E27FC236}">
+                <a16:creationId xmlns:a16="http://schemas.microsoft.com/office/drawing/2014/main" id="{3B7E76EB-5406-454D-AB0D-16068C1C2060}"/>
+              </a:ext>
+            </a:extLst>
+          </p:cNvPr>
+          <p:cNvSpPr>
+            <a:spLocks noGrp="1"/>
+          </p:cNvSpPr>
+          <p:nvPr>
+            <p:ph type="body" sz="quarter" idx="20"/>
+          </p:nvPr>
+        </p:nvSpPr>
+        <p:spPr/>
+        <p:txBody>
+          <a:bodyPr rtlCol="0"/>
+          <a:lstStyle/>
+          <a:p>
+            <a:pPr algn="l" rtl="0"/>
+            <a:r>
+              <a:rPr lang="pt-BR" dirty="0"/>
+              <a:t>ZEN FITNESS</a:t>
+            </a:r>
+          </a:p>
+        </p:txBody>
+      </p:sp>
+      <p:sp>
+        <p:nvSpPr>
+          <p:cNvPr id="53" name="Espaço Reservado para Texto 52">
+            <a:extLst>
+              <a:ext uri="{FF2B5EF4-FFF2-40B4-BE49-F238E27FC236}">
+                <a16:creationId xmlns:a16="http://schemas.microsoft.com/office/drawing/2014/main" id="{390CC64E-C2D4-474C-BBB9-8F502E406CDF}"/>
+              </a:ext>
+            </a:extLst>
+          </p:cNvPr>
+          <p:cNvSpPr>
+            <a:spLocks noGrp="1"/>
+          </p:cNvSpPr>
+          <p:nvPr>
+            <p:ph type="body" sz="quarter" idx="21"/>
+          </p:nvPr>
+        </p:nvSpPr>
+        <p:spPr/>
+        <p:txBody>
+          <a:bodyPr rtlCol="0"/>
+          <a:lstStyle/>
+          <a:p>
+            <a:pPr algn="l" rtl="0"/>
+            <a:r>
+              <a:rPr lang="pt-BR" dirty="0"/>
+              <a:t>SAÚDE É UMA JORNADA, NÃO UM DESTINO</a:t>
+            </a:r>
+          </a:p>
+        </p:txBody>
+      </p:sp>
+      <p:sp>
+        <p:nvSpPr>
+          <p:cNvPr id="3" name="Espaço Reservado para Texto 2">
+            <a:extLst>
+              <a:ext uri="{FF2B5EF4-FFF2-40B4-BE49-F238E27FC236}">
+                <a16:creationId xmlns:a16="http://schemas.microsoft.com/office/drawing/2014/main" id="{150E8733-C5D2-4742-B883-B899D1F496D1}"/>
+              </a:ext>
+            </a:extLst>
+          </p:cNvPr>
+          <p:cNvSpPr>
+            <a:spLocks noGrp="1"/>
+          </p:cNvSpPr>
+          <p:nvPr>
+            <p:ph type="body" sz="quarter" idx="10"/>
+          </p:nvPr>
+        </p:nvSpPr>
+        <p:spPr>
+          <a:xfrm>
+            <a:off x="3589551" y="5132807"/>
+            <a:ext cx="2907792" cy="365760"/>
+          </a:xfrm>
+        </p:spPr>
+        <p:style>
+          <a:lnRef idx="2">
+            <a:schemeClr val="accent1"/>
+          </a:lnRef>
+          <a:fillRef idx="1">
+            <a:schemeClr val="lt1"/>
+          </a:fillRef>
+          <a:effectRef idx="0">
+            <a:schemeClr val="accent1"/>
+          </a:effectRef>
+          <a:fontRef idx="minor">
+            <a:schemeClr val="dk1"/>
+          </a:fontRef>
+        </p:style>
+        <p:txBody>
+          <a:bodyPr rtlCol="0"/>
+          <a:lstStyle/>
+          <a:p>
+            <a:pPr rtl="0"/>
+            <a:r>
+              <a:rPr lang="pt-BR" sz="1600" dirty="0"/>
+              <a:t>CONTATO</a:t>
+            </a:r>
+          </a:p>
+        </p:txBody>
+      </p:sp>
+      <p:cxnSp>
+        <p:nvCxnSpPr>
+          <p:cNvPr id="56" name="Conector Reto 55">
+            <a:extLst>
+              <a:ext uri="{FF2B5EF4-FFF2-40B4-BE49-F238E27FC236}">
+                <a16:creationId xmlns:a16="http://schemas.microsoft.com/office/drawing/2014/main" id="{603CF212-EDFF-46B6-BDBB-0FFC6EA13453}"/>
+              </a:ext>
+              <a:ext uri="{C183D7F6-B498-43B3-948B-1728B52AA6E4}">
+                <adec:decorative xmlns:adec="http://schemas.microsoft.com/office/drawing/2017/decorative" val="1"/>
+              </a:ext>
+            </a:extLst>
+          </p:cNvPr>
+          <p:cNvCxnSpPr>
+            <a:cxnSpLocks/>
+          </p:cNvCxnSpPr>
+          <p:nvPr/>
+        </p:nvCxnSpPr>
+        <p:spPr>
+          <a:xfrm>
+            <a:off x="7923172" y="6885588"/>
+            <a:ext cx="914400" cy="0"/>
+          </a:xfrm>
+          <a:prstGeom prst="line">
+            <a:avLst/>
+          </a:prstGeom>
+          <a:ln w="60325" cap="rnd">
+            <a:solidFill>
+              <a:schemeClr val="bg1"/>
+            </a:solidFill>
+            <a:prstDash val="sysDot"/>
+          </a:ln>
+        </p:spPr>
+        <p:style>
+          <a:lnRef idx="1">
+            <a:schemeClr val="accent1"/>
+          </a:lnRef>
+          <a:fillRef idx="0">
+            <a:schemeClr val="accent1"/>
+          </a:fillRef>
+          <a:effectRef idx="0">
+            <a:schemeClr val="accent1"/>
+          </a:effectRef>
+          <a:fontRef idx="minor">
+            <a:schemeClr val="tx1"/>
+          </a:fontRef>
+        </p:style>
+      </p:cxnSp>
+      <p:sp>
+        <p:nvSpPr>
+          <p:cNvPr id="58" name="Caixa de texto 57">
+            <a:extLst>
+              <a:ext uri="{FF2B5EF4-FFF2-40B4-BE49-F238E27FC236}">
+                <a16:creationId xmlns:a16="http://schemas.microsoft.com/office/drawing/2014/main" id="{37D9CFA4-6CE5-456F-956D-26B46D6F1146}"/>
+              </a:ext>
+            </a:extLst>
+          </p:cNvPr>
+          <p:cNvSpPr txBox="1"/>
+          <p:nvPr/>
+        </p:nvSpPr>
+        <p:spPr>
+          <a:xfrm>
+            <a:off x="6617324" y="-258759"/>
+            <a:ext cx="3573228" cy="5324535"/>
+          </a:xfrm>
+          <a:prstGeom prst="rect">
+            <a:avLst/>
+          </a:prstGeom>
+          <a:noFill/>
+        </p:spPr>
+        <p:txBody>
+          <a:bodyPr wrap="square" rtlCol="0">
+            <a:spAutoFit/>
+          </a:bodyPr>
+          <a:lstStyle/>
+          <a:p>
+            <a:pPr rtl="0"/>
+            <a:r>
+              <a:rPr lang="pt-BR" sz="34000" b="1" dirty="0">
+                <a:ln w="38100">
+                  <a:solidFill>
+                    <a:schemeClr val="bg1"/>
+                  </a:solidFill>
+                </a:ln>
+                <a:noFill/>
+                <a:latin typeface="+mj-lt"/>
+              </a:rPr>
+              <a:t>z</a:t>
+            </a:r>
+            <a:endParaRPr lang="pt-BR" sz="34000" b="1" dirty="0">
+              <a:ln w="38100">
+                <a:solidFill>
+                  <a:schemeClr val="bg1"/>
+                </a:solidFill>
+              </a:ln>
+              <a:noFill/>
+              <a:effectLst/>
+              <a:latin typeface="+mj-lt"/>
+            </a:endParaRPr>
+          </a:p>
+        </p:txBody>
+      </p:sp>
+      <p:sp>
+        <p:nvSpPr>
+          <p:cNvPr id="60" name="Caixa de texto 59">
+            <a:extLst>
+              <a:ext uri="{FF2B5EF4-FFF2-40B4-BE49-F238E27FC236}">
+                <a16:creationId xmlns:a16="http://schemas.microsoft.com/office/drawing/2014/main" id="{97157405-31F2-4BD7-A2E5-0ADE1F9F0E8F}"/>
+              </a:ext>
+            </a:extLst>
+          </p:cNvPr>
+          <p:cNvSpPr txBox="1"/>
+          <p:nvPr/>
+        </p:nvSpPr>
+        <p:spPr>
+          <a:xfrm>
+            <a:off x="7908925" y="641101"/>
+            <a:ext cx="3352800" cy="5324535"/>
+          </a:xfrm>
+          <a:prstGeom prst="rect">
+            <a:avLst/>
+          </a:prstGeom>
+          <a:noFill/>
+        </p:spPr>
+        <p:txBody>
+          <a:bodyPr wrap="square" rtlCol="0">
+            <a:spAutoFit/>
+          </a:bodyPr>
+          <a:lstStyle/>
+          <a:p>
+            <a:pPr rtl="0"/>
+            <a:r>
+              <a:rPr lang="pt-BR" sz="34000" b="1" dirty="0">
+                <a:ln w="38100">
+                  <a:solidFill>
+                    <a:schemeClr val="bg1"/>
+                  </a:solidFill>
+                </a:ln>
+                <a:noFill/>
+                <a:latin typeface="+mj-lt"/>
+              </a:rPr>
+              <a:t>F</a:t>
+            </a:r>
+          </a:p>
+        </p:txBody>
+      </p:sp>
+      <p:sp>
+        <p:nvSpPr>
+          <p:cNvPr id="14" name="Retângulo 13">
+            <a:extLst>
+              <a:ext uri="{FF2B5EF4-FFF2-40B4-BE49-F238E27FC236}">
+                <a16:creationId xmlns:a16="http://schemas.microsoft.com/office/drawing/2014/main" id="{D69C1BC3-A82D-4C38-ABB5-326A082A0C31}"/>
+              </a:ext>
+            </a:extLst>
+          </p:cNvPr>
+          <p:cNvSpPr/>
+          <p:nvPr/>
+        </p:nvSpPr>
+        <p:spPr>
+          <a:xfrm>
+            <a:off x="0" y="0"/>
+            <a:ext cx="10058400" cy="1554480"/>
+          </a:xfrm>
+          <a:prstGeom prst="rect">
+            <a:avLst/>
+          </a:prstGeom>
+        </p:spPr>
+        <p:style>
+          <a:lnRef idx="2">
+            <a:schemeClr val="dk1">
+              <a:shade val="50000"/>
+            </a:schemeClr>
+          </a:lnRef>
+          <a:fillRef idx="1">
+            <a:schemeClr val="dk1"/>
+          </a:fillRef>
+          <a:effectRef idx="0">
+            <a:schemeClr val="dk1"/>
+          </a:effectRef>
+          <a:fontRef idx="minor">
+            <a:schemeClr val="lt1"/>
+          </a:fontRef>
+        </p:style>
+        <p:txBody>
+          <a:bodyPr rtlCol="0" anchor="ctr"/>
+          <a:lstStyle/>
+          <a:p>
+            <a:pPr algn="ctr"/>
+            <a:endParaRPr lang="pt-BR" dirty="0">
+              <a:latin typeface="+mj-lt"/>
+            </a:endParaRPr>
+          </a:p>
+        </p:txBody>
+      </p:sp>
+      <p:sp>
+        <p:nvSpPr>
+          <p:cNvPr id="15" name="Título 6">
+            <a:extLst>
+              <a:ext uri="{FF2B5EF4-FFF2-40B4-BE49-F238E27FC236}">
+                <a16:creationId xmlns:a16="http://schemas.microsoft.com/office/drawing/2014/main" id="{920795BC-BC02-463D-8615-FE5B0CCD0F29}"/>
+              </a:ext>
+            </a:extLst>
+          </p:cNvPr>
+          <p:cNvSpPr txBox="1">
+            <a:spLocks/>
+          </p:cNvSpPr>
+          <p:nvPr/>
+        </p:nvSpPr>
+        <p:spPr>
+          <a:xfrm>
+            <a:off x="2743200" y="637884"/>
+            <a:ext cx="4257135" cy="365760"/>
+          </a:xfrm>
+          <a:prstGeom prst="rect">
+            <a:avLst/>
+          </a:prstGeom>
+          <a:solidFill>
+            <a:schemeClr val="bg1"/>
+          </a:solidFill>
+          <a:ln>
+            <a:solidFill>
+              <a:schemeClr val="accent5"/>
+            </a:solidFill>
+          </a:ln>
+        </p:spPr>
+        <p:txBody>
+          <a:bodyPr vert="horz" lIns="0" tIns="45720" rIns="0" bIns="45720" rtlCol="0" anchor="ctr">
+            <a:noAutofit/>
+          </a:bodyPr>
+          <a:lstStyle>
+            <a:lvl1pPr algn="l" defTabSz="450430" rtl="0" eaLnBrk="1" latinLnBrk="0" hangingPunct="1">
+              <a:lnSpc>
+                <a:spcPct val="90000"/>
+              </a:lnSpc>
+              <a:spcBef>
+                <a:spcPct val="0"/>
+              </a:spcBef>
+              <a:buNone/>
+              <a:defRPr lang="en-US" sz="2000" b="1" i="0" kern="1200" cap="all" spc="0" baseline="0" dirty="0">
+                <a:solidFill>
+                  <a:schemeClr val="tx2"/>
+                </a:solidFill>
+                <a:latin typeface="+mj-lt"/>
+                <a:ea typeface="+mn-ea"/>
+                <a:cs typeface="+mn-cs"/>
+              </a:defRPr>
+            </a:lvl1pPr>
+          </a:lstStyle>
+          <a:p>
+            <a:r>
+              <a:rPr lang="pt-BR" sz="1600"/>
+              <a:t> </a:t>
+            </a:r>
+            <a:br>
+              <a:rPr lang="pt-BR" sz="1600"/>
+            </a:br>
+            <a:endParaRPr lang="pt-BR" sz="1600"/>
+          </a:p>
+        </p:txBody>
+      </p:sp>
+      <p:sp>
+        <p:nvSpPr>
+          <p:cNvPr id="16" name="Retângulo 15">
+            <a:hlinkClick r:id="rId5" action="ppaction://hlinksldjump"/>
+            <a:extLst>
+              <a:ext uri="{FF2B5EF4-FFF2-40B4-BE49-F238E27FC236}">
+                <a16:creationId xmlns:a16="http://schemas.microsoft.com/office/drawing/2014/main" id="{8F357472-6A69-49AC-B479-6EC6E18F912F}"/>
+              </a:ext>
+            </a:extLst>
+          </p:cNvPr>
+          <p:cNvSpPr/>
+          <p:nvPr/>
+        </p:nvSpPr>
+        <p:spPr>
+          <a:xfrm>
+            <a:off x="8529403" y="116559"/>
+            <a:ext cx="1078992" cy="498273"/>
+          </a:xfrm>
+          <a:prstGeom prst="rect">
+            <a:avLst/>
+          </a:prstGeom>
+          <a:ln>
+            <a:solidFill>
+              <a:schemeClr val="accent6">
+                <a:lumMod val="75000"/>
+                <a:lumOff val="25000"/>
+              </a:schemeClr>
+            </a:solidFill>
+          </a:ln>
+        </p:spPr>
+        <p:style>
+          <a:lnRef idx="2">
+            <a:schemeClr val="dk1">
+              <a:shade val="50000"/>
+            </a:schemeClr>
+          </a:lnRef>
+          <a:fillRef idx="1">
+            <a:schemeClr val="dk1"/>
+          </a:fillRef>
+          <a:effectRef idx="0">
+            <a:schemeClr val="dk1"/>
+          </a:effectRef>
+          <a:fontRef idx="minor">
+            <a:schemeClr val="lt1"/>
+          </a:fontRef>
+        </p:style>
+        <p:txBody>
+          <a:bodyPr rtlCol="0" anchor="ctr"/>
+          <a:lstStyle/>
+          <a:p>
+            <a:pPr algn="ctr"/>
+            <a:r>
+              <a:rPr lang="pt-BR" dirty="0">
+                <a:latin typeface="+mj-lt"/>
+              </a:rPr>
+              <a:t>Sair</a:t>
+            </a:r>
+          </a:p>
+        </p:txBody>
+      </p:sp>
+      <p:sp>
+        <p:nvSpPr>
+          <p:cNvPr id="18" name="Retângulo 17">
+            <a:hlinkClick r:id="rId6" action="ppaction://hlinksldjump"/>
+            <a:extLst>
+              <a:ext uri="{FF2B5EF4-FFF2-40B4-BE49-F238E27FC236}">
+                <a16:creationId xmlns:a16="http://schemas.microsoft.com/office/drawing/2014/main" id="{AFE0FD0A-E004-4906-B4BD-D4299FD0DB40}"/>
+              </a:ext>
+            </a:extLst>
+          </p:cNvPr>
+          <p:cNvSpPr/>
+          <p:nvPr/>
+        </p:nvSpPr>
+        <p:spPr>
+          <a:xfrm>
+            <a:off x="61889" y="1105824"/>
+            <a:ext cx="1495136" cy="380002"/>
+          </a:xfrm>
+          <a:prstGeom prst="rect">
+            <a:avLst/>
+          </a:prstGeom>
+          <a:ln>
+            <a:solidFill>
+              <a:schemeClr val="accent6">
+                <a:lumMod val="75000"/>
+                <a:lumOff val="25000"/>
+              </a:schemeClr>
+            </a:solidFill>
+          </a:ln>
+        </p:spPr>
+        <p:style>
+          <a:lnRef idx="2">
+            <a:schemeClr val="accent6">
+              <a:shade val="50000"/>
+            </a:schemeClr>
+          </a:lnRef>
+          <a:fillRef idx="1">
+            <a:schemeClr val="accent6"/>
+          </a:fillRef>
+          <a:effectRef idx="0">
+            <a:schemeClr val="accent6"/>
+          </a:effectRef>
+          <a:fontRef idx="minor">
+            <a:schemeClr val="lt1"/>
+          </a:fontRef>
+        </p:style>
+        <p:txBody>
+          <a:bodyPr rtlCol="0" anchor="ctr"/>
+          <a:lstStyle/>
+          <a:p>
+            <a:pPr algn="ctr"/>
+            <a:r>
+              <a:rPr lang="pt-BR" sz="1600" dirty="0">
+                <a:latin typeface="+mj-lt"/>
+              </a:rPr>
+              <a:t>INÍCIO</a:t>
+            </a:r>
+          </a:p>
+        </p:txBody>
+      </p:sp>
+      <p:grpSp>
+        <p:nvGrpSpPr>
+          <p:cNvPr id="20" name="Agrupar 19">
+            <a:extLst>
+              <a:ext uri="{FF2B5EF4-FFF2-40B4-BE49-F238E27FC236}">
+                <a16:creationId xmlns:a16="http://schemas.microsoft.com/office/drawing/2014/main" id="{1C500B91-533F-4A8A-99E3-7C064EB724CF}"/>
+              </a:ext>
+            </a:extLst>
+          </p:cNvPr>
+          <p:cNvGrpSpPr/>
+          <p:nvPr/>
+        </p:nvGrpSpPr>
+        <p:grpSpPr>
+          <a:xfrm>
+            <a:off x="-523030" y="36181"/>
+            <a:ext cx="2816225" cy="960770"/>
+            <a:chOff x="-609355" y="-85428"/>
+            <a:chExt cx="2816225" cy="960770"/>
+          </a:xfrm>
+        </p:grpSpPr>
+        <p:pic>
+          <p:nvPicPr>
+            <p:cNvPr id="22" name="Picture 2" descr="Download Fitness Logo Vector Creative Download HD PNG HQ PNG Image |  FreePNGImg">
+              <a:extLst>
+                <a:ext uri="{FF2B5EF4-FFF2-40B4-BE49-F238E27FC236}">
+                  <a16:creationId xmlns:a16="http://schemas.microsoft.com/office/drawing/2014/main" id="{D503BD07-7B5E-4A75-AE41-97B256E9E2AF}"/>
+                </a:ext>
+              </a:extLst>
+            </p:cNvPr>
+            <p:cNvPicPr>
+              <a:picLocks noChangeAspect="1" noChangeArrowheads="1"/>
+            </p:cNvPicPr>
+            <p:nvPr/>
+          </p:nvPicPr>
+          <p:blipFill>
+            <a:blip r:embed="rId7">
+              <a:biLevel thresh="75000"/>
+              <a:extLst>
+                <a:ext uri="{28A0092B-C50C-407E-A947-70E740481C1C}">
+                  <a14:useLocalDpi xmlns:a14="http://schemas.microsoft.com/office/drawing/2010/main" val="0"/>
+                </a:ext>
+              </a:extLst>
+            </a:blip>
+            <a:srcRect/>
+            <a:stretch>
+              <a:fillRect/>
+            </a:stretch>
+          </p:blipFill>
+          <p:spPr bwMode="auto">
+            <a:xfrm>
+              <a:off x="126817" y="-6"/>
+              <a:ext cx="1343883" cy="875348"/>
+            </a:xfrm>
+            <a:prstGeom prst="rect">
+              <a:avLst/>
+            </a:prstGeom>
+            <a:noFill/>
+            <a:extLst>
+              <a:ext uri="{909E8E84-426E-40DD-AFC4-6F175D3DCCD1}">
+                <a14:hiddenFill xmlns:a14="http://schemas.microsoft.com/office/drawing/2010/main">
+                  <a:solidFill>
+                    <a:srgbClr val="FFFFFF"/>
+                  </a:solidFill>
+                </a14:hiddenFill>
+              </a:ext>
+            </a:extLst>
+          </p:spPr>
+        </p:pic>
+        <p:sp>
+          <p:nvSpPr>
+            <p:cNvPr id="23" name="Espaço Reservado para Texto 75">
+              <a:extLst>
+                <a:ext uri="{FF2B5EF4-FFF2-40B4-BE49-F238E27FC236}">
+                  <a16:creationId xmlns:a16="http://schemas.microsoft.com/office/drawing/2014/main" id="{1DA1EBA1-DE87-40FD-993C-672F5CF805B4}"/>
+                </a:ext>
+              </a:extLst>
+            </p:cNvPr>
+            <p:cNvSpPr txBox="1">
+              <a:spLocks/>
+            </p:cNvSpPr>
+            <p:nvPr/>
+          </p:nvSpPr>
+          <p:spPr>
+            <a:xfrm>
+              <a:off x="-609355" y="-85428"/>
+              <a:ext cx="2816225" cy="507417"/>
+            </a:xfrm>
+            <a:prstGeom prst="rect">
+              <a:avLst/>
+            </a:prstGeom>
+          </p:spPr>
+          <p:txBody>
+            <a:bodyPr vert="horz" lIns="91440" tIns="45720" rIns="91440" bIns="45720" rtlCol="0">
+              <a:noAutofit/>
+            </a:bodyPr>
+            <a:lstStyle>
+              <a:lvl1pPr marL="0" indent="0" algn="ctr" defTabSz="450430" rtl="0" eaLnBrk="1" latinLnBrk="0" hangingPunct="1">
+                <a:lnSpc>
+                  <a:spcPts val="5200"/>
+                </a:lnSpc>
+                <a:spcBef>
+                  <a:spcPts val="0"/>
+                </a:spcBef>
+                <a:buFont typeface="Arial" panose="020B0604020202020204" pitchFamily="34" charset="0"/>
+                <a:buNone/>
+                <a:defRPr lang="en-US" sz="4800" b="1" kern="1200" cap="all" baseline="0">
+                  <a:solidFill>
+                    <a:schemeClr val="bg1"/>
+                  </a:solidFill>
+                  <a:latin typeface="+mj-lt"/>
+                  <a:ea typeface="+mn-ea"/>
+                  <a:cs typeface="+mn-cs"/>
+                </a:defRPr>
+              </a:lvl1pPr>
+              <a:lvl2pPr marL="800100" indent="-342900" algn="l" defTabSz="450430" rtl="0" eaLnBrk="1" latinLnBrk="0" hangingPunct="1">
+                <a:lnSpc>
+                  <a:spcPct val="150000"/>
+                </a:lnSpc>
+                <a:spcBef>
+                  <a:spcPts val="0"/>
+                </a:spcBef>
+                <a:buFont typeface="Arial" panose="020B0604020202020204" pitchFamily="34" charset="0"/>
+                <a:buChar char="•"/>
+                <a:defRPr lang="en-US" sz="2400" kern="1200" dirty="0" smtClean="0">
+                  <a:solidFill>
+                    <a:schemeClr val="tx1">
+                      <a:lumMod val="75000"/>
+                      <a:lumOff val="25000"/>
+                    </a:schemeClr>
+                  </a:solidFill>
+                  <a:latin typeface="+mn-lt"/>
+                  <a:ea typeface="+mn-ea"/>
+                  <a:cs typeface="+mn-cs"/>
+                </a:defRPr>
+              </a:lvl2pPr>
+              <a:lvl3pPr marL="1257300" indent="-342900" algn="l" defTabSz="450430" rtl="0" eaLnBrk="1" latinLnBrk="0" hangingPunct="1">
+                <a:lnSpc>
+                  <a:spcPct val="150000"/>
+                </a:lnSpc>
+                <a:spcBef>
+                  <a:spcPts val="0"/>
+                </a:spcBef>
+                <a:buFont typeface="Arial" panose="020B0604020202020204" pitchFamily="34" charset="0"/>
+                <a:buChar char="•"/>
+                <a:defRPr lang="en-US" sz="2000" kern="1200" dirty="0" smtClean="0">
+                  <a:solidFill>
+                    <a:schemeClr val="tx1">
+                      <a:lumMod val="75000"/>
+                      <a:lumOff val="25000"/>
+                    </a:schemeClr>
+                  </a:solidFill>
+                  <a:latin typeface="+mn-lt"/>
+                  <a:ea typeface="+mn-ea"/>
+                  <a:cs typeface="+mn-cs"/>
+                </a:defRPr>
+              </a:lvl3pPr>
+              <a:lvl4pPr marL="1657350" indent="-285750" algn="l" defTabSz="450430" rtl="0" eaLnBrk="1" latinLnBrk="0" hangingPunct="1">
+                <a:lnSpc>
+                  <a:spcPct val="150000"/>
+                </a:lnSpc>
+                <a:spcBef>
+                  <a:spcPts val="0"/>
+                </a:spcBef>
+                <a:buFont typeface="Arial" panose="020B0604020202020204" pitchFamily="34" charset="0"/>
+                <a:buChar char="•"/>
+                <a:defRPr lang="en-US" sz="1800" kern="1200" dirty="0" smtClean="0">
+                  <a:solidFill>
+                    <a:schemeClr val="tx1">
+                      <a:lumMod val="75000"/>
+                      <a:lumOff val="25000"/>
+                    </a:schemeClr>
+                  </a:solidFill>
+                  <a:latin typeface="+mn-lt"/>
+                  <a:ea typeface="+mn-ea"/>
+                  <a:cs typeface="+mn-cs"/>
+                </a:defRPr>
+              </a:lvl4pPr>
+              <a:lvl5pPr marL="2114550" indent="-285750" algn="l" defTabSz="450430" rtl="0" eaLnBrk="1" latinLnBrk="0" hangingPunct="1">
+                <a:lnSpc>
+                  <a:spcPct val="150000"/>
+                </a:lnSpc>
+                <a:spcBef>
+                  <a:spcPts val="0"/>
+                </a:spcBef>
+                <a:buFont typeface="Arial" panose="020B0604020202020204" pitchFamily="34" charset="0"/>
+                <a:buChar char="•"/>
+                <a:defRPr lang="en-US" sz="1800" kern="1200" dirty="0">
+                  <a:solidFill>
+                    <a:schemeClr val="tx1">
+                      <a:lumMod val="75000"/>
+                      <a:lumOff val="25000"/>
+                    </a:schemeClr>
+                  </a:solidFill>
+                  <a:latin typeface="+mn-lt"/>
+                  <a:ea typeface="+mn-ea"/>
+                  <a:cs typeface="+mn-cs"/>
+                </a:defRPr>
+              </a:lvl5pPr>
+              <a:lvl6pPr marL="1238683" indent="-112608" algn="l" defTabSz="450430" rtl="0" eaLnBrk="1" latinLnBrk="0" hangingPunct="1">
+                <a:lnSpc>
+                  <a:spcPct val="90000"/>
+                </a:lnSpc>
+                <a:spcBef>
+                  <a:spcPts val="246"/>
+                </a:spcBef>
+                <a:buFont typeface="Arial" panose="020B0604020202020204" pitchFamily="34" charset="0"/>
+                <a:buChar char="•"/>
+                <a:defRPr sz="887" kern="1200">
+                  <a:solidFill>
+                    <a:schemeClr val="tx1"/>
+                  </a:solidFill>
+                  <a:latin typeface="+mn-lt"/>
+                  <a:ea typeface="+mn-ea"/>
+                  <a:cs typeface="+mn-cs"/>
+                </a:defRPr>
+              </a:lvl6pPr>
+              <a:lvl7pPr marL="1463898" indent="-112608" algn="l" defTabSz="450430" rtl="0" eaLnBrk="1" latinLnBrk="0" hangingPunct="1">
+                <a:lnSpc>
+                  <a:spcPct val="90000"/>
+                </a:lnSpc>
+                <a:spcBef>
+                  <a:spcPts val="246"/>
+                </a:spcBef>
+                <a:buFont typeface="Arial" panose="020B0604020202020204" pitchFamily="34" charset="0"/>
+                <a:buChar char="•"/>
+                <a:defRPr sz="887" kern="1200">
+                  <a:solidFill>
+                    <a:schemeClr val="tx1"/>
+                  </a:solidFill>
+                  <a:latin typeface="+mn-lt"/>
+                  <a:ea typeface="+mn-ea"/>
+                  <a:cs typeface="+mn-cs"/>
+                </a:defRPr>
+              </a:lvl7pPr>
+              <a:lvl8pPr marL="1689113" indent="-112608" algn="l" defTabSz="450430" rtl="0" eaLnBrk="1" latinLnBrk="0" hangingPunct="1">
+                <a:lnSpc>
+                  <a:spcPct val="90000"/>
+                </a:lnSpc>
+                <a:spcBef>
+                  <a:spcPts val="246"/>
+                </a:spcBef>
+                <a:buFont typeface="Arial" panose="020B0604020202020204" pitchFamily="34" charset="0"/>
+                <a:buChar char="•"/>
+                <a:defRPr sz="887" kern="1200">
+                  <a:solidFill>
+                    <a:schemeClr val="tx1"/>
+                  </a:solidFill>
+                  <a:latin typeface="+mn-lt"/>
+                  <a:ea typeface="+mn-ea"/>
+                  <a:cs typeface="+mn-cs"/>
+                </a:defRPr>
+              </a:lvl8pPr>
+              <a:lvl9pPr marL="1914328" indent="-112608" algn="l" defTabSz="450430" rtl="0" eaLnBrk="1" latinLnBrk="0" hangingPunct="1">
+                <a:lnSpc>
+                  <a:spcPct val="90000"/>
+                </a:lnSpc>
+                <a:spcBef>
+                  <a:spcPts val="246"/>
+                </a:spcBef>
+                <a:buFont typeface="Arial" panose="020B0604020202020204" pitchFamily="34" charset="0"/>
+                <a:buChar char="•"/>
+                <a:defRPr sz="887" kern="1200">
+                  <a:solidFill>
+                    <a:schemeClr val="tx1"/>
+                  </a:solidFill>
+                  <a:latin typeface="+mn-lt"/>
+                  <a:ea typeface="+mn-ea"/>
+                  <a:cs typeface="+mn-cs"/>
+                </a:defRPr>
+              </a:lvl9pPr>
+            </a:lstStyle>
+            <a:p>
+              <a:r>
+                <a:rPr lang="pt-BR" sz="2400" b="0" dirty="0"/>
+                <a:t>ZEN</a:t>
+              </a:r>
+            </a:p>
+          </p:txBody>
+        </p:sp>
+      </p:grpSp>
+      <p:sp>
+        <p:nvSpPr>
+          <p:cNvPr id="24" name="Retângulo 23">
+            <a:extLst>
+              <a:ext uri="{FF2B5EF4-FFF2-40B4-BE49-F238E27FC236}">
+                <a16:creationId xmlns:a16="http://schemas.microsoft.com/office/drawing/2014/main" id="{5417AFE1-34A6-4B00-B841-B6B259FF2A51}"/>
+              </a:ext>
+            </a:extLst>
+          </p:cNvPr>
+          <p:cNvSpPr/>
+          <p:nvPr/>
+        </p:nvSpPr>
+        <p:spPr>
+          <a:xfrm>
+            <a:off x="1654461" y="1105824"/>
+            <a:ext cx="1495135" cy="386048"/>
+          </a:xfrm>
+          <a:prstGeom prst="rect">
+            <a:avLst/>
+          </a:prstGeom>
+          <a:ln>
+            <a:solidFill>
+              <a:schemeClr val="accent6">
+                <a:lumMod val="75000"/>
+                <a:lumOff val="25000"/>
+              </a:schemeClr>
+            </a:solidFill>
+          </a:ln>
+        </p:spPr>
+        <p:style>
+          <a:lnRef idx="2">
+            <a:schemeClr val="accent6">
+              <a:shade val="50000"/>
+            </a:schemeClr>
+          </a:lnRef>
+          <a:fillRef idx="1">
+            <a:schemeClr val="accent6"/>
+          </a:fillRef>
+          <a:effectRef idx="0">
+            <a:schemeClr val="accent6"/>
+          </a:effectRef>
+          <a:fontRef idx="minor">
+            <a:schemeClr val="lt1"/>
+          </a:fontRef>
+        </p:style>
+        <p:txBody>
+          <a:bodyPr rtlCol="0" anchor="ctr"/>
+          <a:lstStyle/>
+          <a:p>
+            <a:pPr algn="ctr"/>
+            <a:r>
+              <a:rPr lang="pt-BR" sz="1600" dirty="0">
+                <a:latin typeface="+mj-lt"/>
+              </a:rPr>
+              <a:t>Novidades</a:t>
+            </a:r>
+          </a:p>
+        </p:txBody>
+      </p:sp>
+      <p:sp>
+        <p:nvSpPr>
+          <p:cNvPr id="6" name="Retângulo 5">
+            <a:extLst>
+              <a:ext uri="{FF2B5EF4-FFF2-40B4-BE49-F238E27FC236}">
+                <a16:creationId xmlns:a16="http://schemas.microsoft.com/office/drawing/2014/main" id="{1F88ED9C-8CBF-47E7-AE23-42AE06CE162A}"/>
+              </a:ext>
+            </a:extLst>
+          </p:cNvPr>
+          <p:cNvSpPr/>
+          <p:nvPr/>
+        </p:nvSpPr>
+        <p:spPr>
+          <a:xfrm>
+            <a:off x="2413416" y="1554480"/>
+            <a:ext cx="5193757" cy="6217901"/>
+          </a:xfrm>
+          <a:prstGeom prst="rect">
+            <a:avLst/>
+          </a:prstGeom>
+        </p:spPr>
+        <p:style>
+          <a:lnRef idx="2">
+            <a:schemeClr val="accent6"/>
+          </a:lnRef>
+          <a:fillRef idx="1">
+            <a:schemeClr val="lt1"/>
+          </a:fillRef>
+          <a:effectRef idx="0">
+            <a:schemeClr val="accent6"/>
+          </a:effectRef>
+          <a:fontRef idx="minor">
+            <a:schemeClr val="dk1"/>
+          </a:fontRef>
+        </p:style>
+        <p:txBody>
+          <a:bodyPr rtlCol="0" anchor="ctr"/>
+          <a:lstStyle/>
+          <a:p>
+            <a:pPr algn="ctr"/>
+            <a:endParaRPr lang="pt-BR" dirty="0"/>
+          </a:p>
+        </p:txBody>
+      </p:sp>
+      <p:sp>
+        <p:nvSpPr>
+          <p:cNvPr id="8" name="Retângulo: Cantos Arredondados 7">
+            <a:extLst>
+              <a:ext uri="{FF2B5EF4-FFF2-40B4-BE49-F238E27FC236}">
+                <a16:creationId xmlns:a16="http://schemas.microsoft.com/office/drawing/2014/main" id="{31BB1922-4618-4156-BB55-C89905C0F610}"/>
+              </a:ext>
+            </a:extLst>
+          </p:cNvPr>
+          <p:cNvSpPr/>
+          <p:nvPr/>
+        </p:nvSpPr>
+        <p:spPr>
+          <a:xfrm>
+            <a:off x="2511193" y="2190023"/>
+            <a:ext cx="5017091" cy="663352"/>
+          </a:xfrm>
+          <a:prstGeom prst="roundRect">
+            <a:avLst/>
+          </a:prstGeom>
+        </p:spPr>
+        <p:style>
+          <a:lnRef idx="2">
+            <a:schemeClr val="accent1"/>
+          </a:lnRef>
+          <a:fillRef idx="1">
+            <a:schemeClr val="lt1"/>
+          </a:fillRef>
+          <a:effectRef idx="0">
+            <a:schemeClr val="accent1"/>
+          </a:effectRef>
+          <a:fontRef idx="minor">
+            <a:schemeClr val="dk1"/>
+          </a:fontRef>
+        </p:style>
+        <p:txBody>
+          <a:bodyPr rtlCol="0" anchor="ctr"/>
+          <a:lstStyle/>
+          <a:p>
+            <a:r>
+              <a:rPr lang="pt-BR" dirty="0">
+                <a:latin typeface="+mj-lt"/>
+              </a:rPr>
+              <a:t>Dia 01</a:t>
+            </a:r>
+          </a:p>
+        </p:txBody>
+      </p:sp>
+      <p:sp>
+        <p:nvSpPr>
+          <p:cNvPr id="9" name="Retângulo: Cantos Arredondados 8">
+            <a:extLst>
+              <a:ext uri="{FF2B5EF4-FFF2-40B4-BE49-F238E27FC236}">
+                <a16:creationId xmlns:a16="http://schemas.microsoft.com/office/drawing/2014/main" id="{C574B455-7075-4696-8301-40B186997B99}"/>
+              </a:ext>
+            </a:extLst>
+          </p:cNvPr>
+          <p:cNvSpPr/>
+          <p:nvPr/>
+        </p:nvSpPr>
+        <p:spPr>
+          <a:xfrm>
+            <a:off x="2506755" y="2986899"/>
+            <a:ext cx="5017091" cy="663352"/>
+          </a:xfrm>
+          <a:prstGeom prst="roundRect">
+            <a:avLst/>
+          </a:prstGeom>
+        </p:spPr>
+        <p:style>
+          <a:lnRef idx="2">
+            <a:schemeClr val="accent1"/>
+          </a:lnRef>
+          <a:fillRef idx="1">
+            <a:schemeClr val="lt1"/>
+          </a:fillRef>
+          <a:effectRef idx="0">
+            <a:schemeClr val="accent1"/>
+          </a:effectRef>
+          <a:fontRef idx="minor">
+            <a:schemeClr val="dk1"/>
+          </a:fontRef>
+        </p:style>
+        <p:txBody>
+          <a:bodyPr rtlCol="0" anchor="ctr"/>
+          <a:lstStyle/>
+          <a:p>
+            <a:r>
+              <a:rPr lang="pt-BR" dirty="0">
+                <a:latin typeface="+mj-lt"/>
+              </a:rPr>
+              <a:t>Dia 2</a:t>
+            </a:r>
+          </a:p>
+        </p:txBody>
+      </p:sp>
+      <p:sp>
+        <p:nvSpPr>
+          <p:cNvPr id="10" name="Retângulo: Cantos Arredondados 9">
+            <a:extLst>
+              <a:ext uri="{FF2B5EF4-FFF2-40B4-BE49-F238E27FC236}">
+                <a16:creationId xmlns:a16="http://schemas.microsoft.com/office/drawing/2014/main" id="{5A8666E2-2EF8-4FF5-9730-C39261B14D98}"/>
+              </a:ext>
+            </a:extLst>
+          </p:cNvPr>
+          <p:cNvSpPr/>
+          <p:nvPr/>
+        </p:nvSpPr>
+        <p:spPr>
+          <a:xfrm>
+            <a:off x="2530329" y="3786527"/>
+            <a:ext cx="5017091" cy="663352"/>
+          </a:xfrm>
+          <a:prstGeom prst="roundRect">
+            <a:avLst/>
+          </a:prstGeom>
+        </p:spPr>
+        <p:style>
+          <a:lnRef idx="2">
+            <a:schemeClr val="accent1"/>
+          </a:lnRef>
+          <a:fillRef idx="1">
+            <a:schemeClr val="lt1"/>
+          </a:fillRef>
+          <a:effectRef idx="0">
+            <a:schemeClr val="accent1"/>
+          </a:effectRef>
+          <a:fontRef idx="minor">
+            <a:schemeClr val="dk1"/>
+          </a:fontRef>
+        </p:style>
+        <p:txBody>
+          <a:bodyPr rtlCol="0" anchor="ctr"/>
+          <a:lstStyle/>
+          <a:p>
+            <a:r>
+              <a:rPr lang="pt-BR" dirty="0">
+                <a:latin typeface="+mj-lt"/>
+              </a:rPr>
+              <a:t>Dia 3</a:t>
+            </a:r>
+          </a:p>
+        </p:txBody>
+      </p:sp>
+      <p:sp>
+        <p:nvSpPr>
+          <p:cNvPr id="11" name="Retângulo: Cantos Arredondados 10">
+            <a:extLst>
+              <a:ext uri="{FF2B5EF4-FFF2-40B4-BE49-F238E27FC236}">
+                <a16:creationId xmlns:a16="http://schemas.microsoft.com/office/drawing/2014/main" id="{0266E885-D01C-412A-A6BB-571EF5FD311D}"/>
+              </a:ext>
+            </a:extLst>
+          </p:cNvPr>
+          <p:cNvSpPr/>
+          <p:nvPr/>
+        </p:nvSpPr>
+        <p:spPr>
+          <a:xfrm>
+            <a:off x="2539473" y="4589899"/>
+            <a:ext cx="5017091" cy="663352"/>
+          </a:xfrm>
+          <a:prstGeom prst="roundRect">
+            <a:avLst/>
+          </a:prstGeom>
+        </p:spPr>
+        <p:style>
+          <a:lnRef idx="2">
+            <a:schemeClr val="accent1"/>
+          </a:lnRef>
+          <a:fillRef idx="1">
+            <a:schemeClr val="lt1"/>
+          </a:fillRef>
+          <a:effectRef idx="0">
+            <a:schemeClr val="accent1"/>
+          </a:effectRef>
+          <a:fontRef idx="minor">
+            <a:schemeClr val="dk1"/>
+          </a:fontRef>
+        </p:style>
+        <p:txBody>
+          <a:bodyPr rtlCol="0" anchor="ctr"/>
+          <a:lstStyle/>
+          <a:p>
+            <a:r>
+              <a:rPr lang="pt-BR" dirty="0">
+                <a:latin typeface="+mj-lt"/>
+              </a:rPr>
+              <a:t>Dia 4</a:t>
+            </a:r>
+          </a:p>
+        </p:txBody>
+      </p:sp>
+      <p:sp>
+        <p:nvSpPr>
+          <p:cNvPr id="12" name="Retângulo: Cantos Arredondados 11">
+            <a:extLst>
+              <a:ext uri="{FF2B5EF4-FFF2-40B4-BE49-F238E27FC236}">
+                <a16:creationId xmlns:a16="http://schemas.microsoft.com/office/drawing/2014/main" id="{F1ECC345-B320-4715-96D1-AED62DBA88D9}"/>
+              </a:ext>
+            </a:extLst>
+          </p:cNvPr>
+          <p:cNvSpPr/>
+          <p:nvPr/>
+        </p:nvSpPr>
+        <p:spPr>
+          <a:xfrm>
+            <a:off x="2530328" y="5400979"/>
+            <a:ext cx="5017091" cy="663352"/>
+          </a:xfrm>
+          <a:prstGeom prst="roundRect">
+            <a:avLst/>
+          </a:prstGeom>
+        </p:spPr>
+        <p:style>
+          <a:lnRef idx="2">
+            <a:schemeClr val="accent1"/>
+          </a:lnRef>
+          <a:fillRef idx="1">
+            <a:schemeClr val="lt1"/>
+          </a:fillRef>
+          <a:effectRef idx="0">
+            <a:schemeClr val="accent1"/>
+          </a:effectRef>
+          <a:fontRef idx="minor">
+            <a:schemeClr val="dk1"/>
+          </a:fontRef>
+        </p:style>
+        <p:txBody>
+          <a:bodyPr rtlCol="0" anchor="ctr"/>
+          <a:lstStyle/>
+          <a:p>
+            <a:r>
+              <a:rPr lang="pt-BR" dirty="0">
+                <a:latin typeface="+mj-lt"/>
+              </a:rPr>
+              <a:t>Dia 5</a:t>
+            </a:r>
+          </a:p>
+        </p:txBody>
+      </p:sp>
+      <p:sp>
+        <p:nvSpPr>
+          <p:cNvPr id="13" name="Retângulo: Cantos Arredondados 12">
+            <a:extLst>
+              <a:ext uri="{FF2B5EF4-FFF2-40B4-BE49-F238E27FC236}">
+                <a16:creationId xmlns:a16="http://schemas.microsoft.com/office/drawing/2014/main" id="{BC49C743-6A62-40E8-B241-4DBD54CFC6C1}"/>
+              </a:ext>
+            </a:extLst>
+          </p:cNvPr>
+          <p:cNvSpPr/>
+          <p:nvPr/>
+        </p:nvSpPr>
+        <p:spPr>
+          <a:xfrm>
+            <a:off x="2539473" y="6197193"/>
+            <a:ext cx="5017091" cy="663352"/>
+          </a:xfrm>
+          <a:prstGeom prst="roundRect">
+            <a:avLst/>
+          </a:prstGeom>
+        </p:spPr>
+        <p:style>
+          <a:lnRef idx="2">
+            <a:schemeClr val="accent1"/>
+          </a:lnRef>
+          <a:fillRef idx="1">
+            <a:schemeClr val="lt1"/>
+          </a:fillRef>
+          <a:effectRef idx="0">
+            <a:schemeClr val="accent1"/>
+          </a:effectRef>
+          <a:fontRef idx="minor">
+            <a:schemeClr val="dk1"/>
+          </a:fontRef>
+        </p:style>
+        <p:txBody>
+          <a:bodyPr rtlCol="0" anchor="ctr"/>
+          <a:lstStyle/>
+          <a:p>
+            <a:r>
+              <a:rPr lang="pt-BR" dirty="0">
+                <a:latin typeface="+mj-lt"/>
+              </a:rPr>
+              <a:t>Dia 6</a:t>
+            </a:r>
+          </a:p>
+        </p:txBody>
+      </p:sp>
+      <p:sp>
+        <p:nvSpPr>
+          <p:cNvPr id="25" name="Retângulo: Cantos Arredondados 24">
+            <a:extLst>
+              <a:ext uri="{FF2B5EF4-FFF2-40B4-BE49-F238E27FC236}">
+                <a16:creationId xmlns:a16="http://schemas.microsoft.com/office/drawing/2014/main" id="{D88A257E-C706-4C75-B6FC-D417E9CBA372}"/>
+              </a:ext>
+            </a:extLst>
+          </p:cNvPr>
+          <p:cNvSpPr/>
+          <p:nvPr/>
+        </p:nvSpPr>
+        <p:spPr>
+          <a:xfrm>
+            <a:off x="2515995" y="7026246"/>
+            <a:ext cx="5017091" cy="663352"/>
+          </a:xfrm>
+          <a:prstGeom prst="roundRect">
+            <a:avLst/>
+          </a:prstGeom>
+        </p:spPr>
+        <p:style>
+          <a:lnRef idx="2">
+            <a:schemeClr val="accent1"/>
+          </a:lnRef>
+          <a:fillRef idx="1">
+            <a:schemeClr val="lt1"/>
+          </a:fillRef>
+          <a:effectRef idx="0">
+            <a:schemeClr val="accent1"/>
+          </a:effectRef>
+          <a:fontRef idx="minor">
+            <a:schemeClr val="dk1"/>
+          </a:fontRef>
+        </p:style>
+        <p:txBody>
+          <a:bodyPr rtlCol="0" anchor="ctr"/>
+          <a:lstStyle/>
+          <a:p>
+            <a:r>
+              <a:rPr lang="pt-BR" dirty="0">
+                <a:latin typeface="+mj-lt"/>
+              </a:rPr>
+              <a:t>Dia 7</a:t>
+            </a:r>
+          </a:p>
+        </p:txBody>
+      </p:sp>
+      <p:sp>
+        <p:nvSpPr>
+          <p:cNvPr id="27" name="Retângulo 26">
+            <a:extLst>
+              <a:ext uri="{FF2B5EF4-FFF2-40B4-BE49-F238E27FC236}">
+                <a16:creationId xmlns:a16="http://schemas.microsoft.com/office/drawing/2014/main" id="{17F1A7CE-8529-455E-B823-A063136DE604}"/>
+              </a:ext>
+            </a:extLst>
+          </p:cNvPr>
+          <p:cNvSpPr/>
+          <p:nvPr/>
+        </p:nvSpPr>
+        <p:spPr>
+          <a:xfrm>
+            <a:off x="2539473" y="1634580"/>
+            <a:ext cx="4915157" cy="432428"/>
+          </a:xfrm>
+          <a:prstGeom prst="rect">
+            <a:avLst/>
+          </a:prstGeom>
+          <a:ln/>
+        </p:spPr>
+        <p:style>
+          <a:lnRef idx="2">
+            <a:schemeClr val="dk1">
+              <a:shade val="50000"/>
+            </a:schemeClr>
+          </a:lnRef>
+          <a:fillRef idx="1">
+            <a:schemeClr val="dk1"/>
+          </a:fillRef>
+          <a:effectRef idx="0">
+            <a:schemeClr val="dk1"/>
+          </a:effectRef>
+          <a:fontRef idx="minor">
+            <a:schemeClr val="lt1"/>
+          </a:fontRef>
+        </p:style>
+        <p:txBody>
+          <a:bodyPr rtlCol="0" anchor="ctr"/>
+          <a:lstStyle/>
+          <a:p>
+            <a:pPr algn="ctr"/>
+            <a:r>
+              <a:rPr lang="pt-BR" sz="2000" dirty="0">
+                <a:latin typeface="+mj-lt"/>
+              </a:rPr>
+              <a:t>Exercícios</a:t>
+            </a:r>
+            <a:endParaRPr lang="pt-BR" dirty="0">
+              <a:latin typeface="+mj-lt"/>
+            </a:endParaRPr>
+          </a:p>
+        </p:txBody>
+      </p:sp>
+      <p:pic>
+        <p:nvPicPr>
+          <p:cNvPr id="2050" name="Picture 2" descr="Visto App | LinkedIn">
+            <a:extLst>
+              <a:ext uri="{FF2B5EF4-FFF2-40B4-BE49-F238E27FC236}">
+                <a16:creationId xmlns:a16="http://schemas.microsoft.com/office/drawing/2014/main" id="{CF650A0C-399D-4C97-A3C5-CA736482CFAF}"/>
+              </a:ext>
+            </a:extLst>
+          </p:cNvPr>
+          <p:cNvPicPr>
+            <a:picLocks noChangeAspect="1" noChangeArrowheads="1"/>
+          </p:cNvPicPr>
+          <p:nvPr/>
+        </p:nvPicPr>
+        <p:blipFill>
+          <a:blip r:embed="rId8">
+            <a:extLst>
+              <a:ext uri="{28A0092B-C50C-407E-A947-70E740481C1C}">
+                <a14:useLocalDpi xmlns:a14="http://schemas.microsoft.com/office/drawing/2010/main" val="0"/>
+              </a:ext>
+            </a:extLst>
+          </a:blip>
+          <a:srcRect/>
+          <a:stretch>
+            <a:fillRect/>
+          </a:stretch>
+        </p:blipFill>
+        <p:spPr bwMode="auto">
+          <a:xfrm>
+            <a:off x="6867135" y="2249169"/>
+            <a:ext cx="555218" cy="555218"/>
+          </a:xfrm>
+          <a:prstGeom prst="rect">
+            <a:avLst/>
+          </a:prstGeom>
+          <a:noFill/>
+          <a:extLst>
+            <a:ext uri="{909E8E84-426E-40DD-AFC4-6F175D3DCCD1}">
+              <a14:hiddenFill xmlns:a14="http://schemas.microsoft.com/office/drawing/2010/main">
+                <a:solidFill>
+                  <a:srgbClr val="FFFFFF"/>
+                </a:solidFill>
+              </a14:hiddenFill>
+            </a:ext>
+          </a:extLst>
+        </p:spPr>
+      </p:pic>
+      <p:pic>
+        <p:nvPicPr>
+          <p:cNvPr id="7" name="Picture 2" descr="Visto App | LinkedIn">
+            <a:extLst>
+              <a:ext uri="{FF2B5EF4-FFF2-40B4-BE49-F238E27FC236}">
+                <a16:creationId xmlns:a16="http://schemas.microsoft.com/office/drawing/2014/main" id="{C139BDE6-DA93-4A2D-8A19-054A782401D6}"/>
+              </a:ext>
+            </a:extLst>
+          </p:cNvPr>
+          <p:cNvPicPr>
+            <a:picLocks noChangeAspect="1" noChangeArrowheads="1"/>
+          </p:cNvPicPr>
+          <p:nvPr/>
+        </p:nvPicPr>
+        <p:blipFill>
+          <a:blip r:embed="rId8">
+            <a:extLst>
+              <a:ext uri="{28A0092B-C50C-407E-A947-70E740481C1C}">
+                <a14:useLocalDpi xmlns:a14="http://schemas.microsoft.com/office/drawing/2010/main" val="0"/>
+              </a:ext>
+            </a:extLst>
+          </a:blip>
+          <a:srcRect/>
+          <a:stretch>
+            <a:fillRect/>
+          </a:stretch>
+        </p:blipFill>
+        <p:spPr bwMode="auto">
+          <a:xfrm>
+            <a:off x="6887625" y="3047737"/>
+            <a:ext cx="555218" cy="555218"/>
+          </a:xfrm>
+          <a:prstGeom prst="rect">
+            <a:avLst/>
+          </a:prstGeom>
+          <a:noFill/>
+          <a:extLst>
+            <a:ext uri="{909E8E84-426E-40DD-AFC4-6F175D3DCCD1}">
+              <a14:hiddenFill xmlns:a14="http://schemas.microsoft.com/office/drawing/2010/main">
+                <a:solidFill>
+                  <a:srgbClr val="FFFFFF"/>
+                </a:solidFill>
+              </a14:hiddenFill>
+            </a:ext>
+          </a:extLst>
+        </p:spPr>
+      </p:pic>
+      <p:pic>
+        <p:nvPicPr>
+          <p:cNvPr id="26" name="Picture 2" descr="Visto App | LinkedIn">
+            <a:extLst>
+              <a:ext uri="{FF2B5EF4-FFF2-40B4-BE49-F238E27FC236}">
+                <a16:creationId xmlns:a16="http://schemas.microsoft.com/office/drawing/2014/main" id="{D053F477-167B-4D87-9455-CAD2E25725B1}"/>
+              </a:ext>
+            </a:extLst>
+          </p:cNvPr>
+          <p:cNvPicPr>
+            <a:picLocks noChangeAspect="1" noChangeArrowheads="1"/>
+          </p:cNvPicPr>
+          <p:nvPr/>
+        </p:nvPicPr>
+        <p:blipFill>
+          <a:blip r:embed="rId8">
+            <a:extLst>
+              <a:ext uri="{28A0092B-C50C-407E-A947-70E740481C1C}">
+                <a14:useLocalDpi xmlns:a14="http://schemas.microsoft.com/office/drawing/2010/main" val="0"/>
+              </a:ext>
+            </a:extLst>
+          </a:blip>
+          <a:srcRect/>
+          <a:stretch>
+            <a:fillRect/>
+          </a:stretch>
+        </p:blipFill>
+        <p:spPr bwMode="auto">
+          <a:xfrm>
+            <a:off x="6899412" y="3871293"/>
+            <a:ext cx="555218" cy="555218"/>
+          </a:xfrm>
+          <a:prstGeom prst="rect">
+            <a:avLst/>
+          </a:prstGeom>
+          <a:noFill/>
+          <a:extLst>
+            <a:ext uri="{909E8E84-426E-40DD-AFC4-6F175D3DCCD1}">
+              <a14:hiddenFill xmlns:a14="http://schemas.microsoft.com/office/drawing/2010/main">
+                <a:solidFill>
+                  <a:srgbClr val="FFFFFF"/>
+                </a:solidFill>
+              </a14:hiddenFill>
+            </a:ext>
+          </a:extLst>
+        </p:spPr>
+      </p:pic>
+      <p:pic>
+        <p:nvPicPr>
+          <p:cNvPr id="29" name="Picture 2" descr="Visto App | LinkedIn">
+            <a:extLst>
+              <a:ext uri="{FF2B5EF4-FFF2-40B4-BE49-F238E27FC236}">
+                <a16:creationId xmlns:a16="http://schemas.microsoft.com/office/drawing/2014/main" id="{12E7B9F7-99F8-4D70-B482-3F2347E728B6}"/>
+              </a:ext>
+            </a:extLst>
+          </p:cNvPr>
+          <p:cNvPicPr>
+            <a:picLocks noChangeAspect="1" noChangeArrowheads="1"/>
+          </p:cNvPicPr>
+          <p:nvPr/>
+        </p:nvPicPr>
+        <p:blipFill>
+          <a:blip r:embed="rId8">
+            <a:extLst>
+              <a:ext uri="{28A0092B-C50C-407E-A947-70E740481C1C}">
+                <a14:useLocalDpi xmlns:a14="http://schemas.microsoft.com/office/drawing/2010/main" val="0"/>
+              </a:ext>
+            </a:extLst>
+          </a:blip>
+          <a:srcRect/>
+          <a:stretch>
+            <a:fillRect/>
+          </a:stretch>
+        </p:blipFill>
+        <p:spPr bwMode="auto">
+          <a:xfrm>
+            <a:off x="6932346" y="4651600"/>
+            <a:ext cx="555218" cy="555218"/>
+          </a:xfrm>
+          <a:prstGeom prst="rect">
+            <a:avLst/>
+          </a:prstGeom>
+          <a:noFill/>
+          <a:extLst>
+            <a:ext uri="{909E8E84-426E-40DD-AFC4-6F175D3DCCD1}">
+              <a14:hiddenFill xmlns:a14="http://schemas.microsoft.com/office/drawing/2010/main">
+                <a:solidFill>
+                  <a:srgbClr val="FFFFFF"/>
+                </a:solidFill>
+              </a14:hiddenFill>
+            </a:ext>
+          </a:extLst>
+        </p:spPr>
+      </p:pic>
+    </p:spTree>
+    <p:extLst>
+      <p:ext uri="{BB962C8B-B14F-4D97-AF65-F5344CB8AC3E}">
+        <p14:creationId xmlns:p14="http://schemas.microsoft.com/office/powerpoint/2010/main" val="3974741675"/>
+      </p:ext>
+    </p:extLst>
+  </p:cSld>
+  <p:clrMapOvr>
+    <a:masterClrMapping/>
+  </p:clrMapOvr>
+</p:sld>
+</file>
+
+<file path=ppt/slides/slide6.xml><?xml version="1.0" encoding="utf-8"?>
+<p:sld xmlns:a="http://schemas.openxmlformats.org/drawingml/2006/main" xmlns:r="http://schemas.openxmlformats.org/officeDocument/2006/relationships" xmlns:p="http://schemas.openxmlformats.org/presentationml/2006/main">
+  <p:cSld>
+    <p:spTree>
+      <p:nvGrpSpPr>
+        <p:cNvPr id="1" name=""/>
+        <p:cNvGrpSpPr/>
+        <p:nvPr/>
+      </p:nvGrpSpPr>
+      <p:grpSpPr>
+        <a:xfrm>
+          <a:off x="0" y="0"/>
+          <a:ext cx="0" cy="0"/>
+          <a:chOff x="0" y="0"/>
+          <a:chExt cx="0" cy="0"/>
+        </a:xfrm>
+      </p:grpSpPr>
+      <p:sp>
+        <p:nvSpPr>
+          <p:cNvPr id="2" name="Título 1">
+            <a:extLst>
+              <a:ext uri="{FF2B5EF4-FFF2-40B4-BE49-F238E27FC236}">
+                <a16:creationId xmlns:a16="http://schemas.microsoft.com/office/drawing/2014/main" id="{96654D56-652A-487F-B62F-5C8C1E1AEF87}"/>
+              </a:ext>
+            </a:extLst>
+          </p:cNvPr>
+          <p:cNvSpPr>
+            <a:spLocks noGrp="1"/>
+          </p:cNvSpPr>
+          <p:nvPr>
+            <p:ph type="ctrTitle"/>
+          </p:nvPr>
+        </p:nvSpPr>
+        <p:spPr/>
+        <p:txBody>
+          <a:bodyPr rtlCol="0"/>
+          <a:lstStyle/>
+          <a:p>
+            <a:pPr rtl="0"/>
+            <a:r>
+              <a:rPr lang="pt-BR" sz="1600" dirty="0"/>
+              <a:t>CONDICIONAMENTO FÍSICO DE UM MODO SIMPLES </a:t>
+            </a:r>
+          </a:p>
+        </p:txBody>
+      </p:sp>
+      <p:sp>
+        <p:nvSpPr>
+          <p:cNvPr id="4" name="Espaço Reservado para Texto 3">
+            <a:extLst>
+              <a:ext uri="{FF2B5EF4-FFF2-40B4-BE49-F238E27FC236}">
+                <a16:creationId xmlns:a16="http://schemas.microsoft.com/office/drawing/2014/main" id="{45FA45B3-A6AE-402F-B640-75DBE3055542}"/>
+              </a:ext>
+            </a:extLst>
+          </p:cNvPr>
+          <p:cNvSpPr>
+            <a:spLocks noGrp="1"/>
+          </p:cNvSpPr>
+          <p:nvPr>
+            <p:ph type="body" sz="quarter" idx="11"/>
+          </p:nvPr>
+        </p:nvSpPr>
+        <p:spPr/>
+        <p:txBody>
+          <a:bodyPr rtlCol="0"/>
+          <a:lstStyle/>
+          <a:p>
+            <a:pPr rtl="0"/>
+            <a:r>
+              <a:rPr lang="pt-BR"/>
+              <a:t>Lorem ipsum dolor sit amet, consectetuer adipiscing elit. Maecenas porttitor congue massa. Fusce posuere, magna sed pulvinar ultricies, purus lectus malesuada libero, sit amet commodo magna eros quis urna.</a:t>
+            </a:r>
+          </a:p>
+          <a:p>
+            <a:pPr rtl="0"/>
+            <a:endParaRPr lang="pt-BR"/>
+          </a:p>
+          <a:p>
+            <a:pPr rtl="0"/>
+            <a:r>
+              <a:rPr lang="pt-BR"/>
+              <a:t>Maecenas porttitor congue massa. Fusce posuere, magna sed pulvinar ultricies, purus lectus malesuada libero, sit amet commodo magna eros quis urna.</a:t>
+            </a:r>
+          </a:p>
+          <a:p>
+            <a:pPr rtl="0"/>
+            <a:endParaRPr lang="pt-BR"/>
+          </a:p>
+          <a:p>
+            <a:pPr rtl="0"/>
+            <a:endParaRPr lang="pt-BR"/>
+          </a:p>
+          <a:p>
+            <a:pPr rtl="0"/>
+            <a:endParaRPr lang="pt-BR"/>
+          </a:p>
+        </p:txBody>
+      </p:sp>
+      <p:sp>
+        <p:nvSpPr>
+          <p:cNvPr id="5" name="Espaço Reservado para Texto 4">
+            <a:extLst>
+              <a:ext uri="{FF2B5EF4-FFF2-40B4-BE49-F238E27FC236}">
+                <a16:creationId xmlns:a16="http://schemas.microsoft.com/office/drawing/2014/main" id="{A5FC093F-1046-49B5-8901-B8F3A602B922}"/>
+              </a:ext>
+            </a:extLst>
+          </p:cNvPr>
+          <p:cNvSpPr>
+            <a:spLocks noGrp="1"/>
+          </p:cNvSpPr>
+          <p:nvPr>
+            <p:ph type="body" sz="quarter" idx="12"/>
+          </p:nvPr>
+        </p:nvSpPr>
+        <p:spPr>
+          <a:xfrm>
+            <a:off x="3598695" y="5535143"/>
+            <a:ext cx="2898648" cy="1874520"/>
+          </a:xfrm>
+        </p:spPr>
+        <p:style>
+          <a:lnRef idx="2">
+            <a:schemeClr val="accent1"/>
+          </a:lnRef>
+          <a:fillRef idx="1">
+            <a:schemeClr val="lt1"/>
+          </a:fillRef>
+          <a:effectRef idx="0">
+            <a:schemeClr val="accent1"/>
+          </a:effectRef>
+          <a:fontRef idx="minor">
+            <a:schemeClr val="dk1"/>
+          </a:fontRef>
+        </p:style>
+        <p:txBody>
+          <a:bodyPr rtlCol="0"/>
+          <a:lstStyle/>
+          <a:p>
+            <a:pPr rtl="0"/>
+            <a:r>
+              <a:rPr lang="pt-BR">
+                <a:latin typeface="+mj-lt"/>
+              </a:rPr>
+              <a:t>Rua das flores, 567 </a:t>
+            </a:r>
+          </a:p>
+          <a:p>
+            <a:pPr rtl="0"/>
+            <a:r>
+              <a:rPr lang="pt-BR">
+                <a:latin typeface="+mj-lt"/>
+              </a:rPr>
+              <a:t>São Paulo, SP 98052-000</a:t>
+            </a:r>
+          </a:p>
+          <a:p>
+            <a:pPr rtl="0"/>
+            <a:r>
+              <a:rPr lang="pt-BR">
+                <a:latin typeface="+mj-lt"/>
+              </a:rPr>
+              <a:t>555-0100</a:t>
+            </a:r>
+          </a:p>
+          <a:p>
+            <a:pPr rtl="0"/>
+            <a:r>
+              <a:rPr lang="pt-BR">
+                <a:latin typeface="+mj-lt"/>
+              </a:rPr>
+              <a:t>info@adatumfitness.com</a:t>
+            </a:r>
+          </a:p>
+          <a:p>
+            <a:pPr rtl="0"/>
+            <a:r>
+              <a:rPr lang="pt-BR">
+                <a:latin typeface="+mj-lt"/>
+              </a:rPr>
+              <a:t>adatumfitness.com</a:t>
+            </a:r>
+          </a:p>
+          <a:p>
+            <a:pPr rtl="0"/>
+            <a:endParaRPr lang="pt-BR">
+              <a:latin typeface="+mj-lt"/>
+            </a:endParaRPr>
+          </a:p>
+        </p:txBody>
+      </p:sp>
+      <p:pic>
+        <p:nvPicPr>
+          <p:cNvPr id="54" name="Espaço Reservado para Imagem 38" descr="close de pessoas amarrando os calçados">
+            <a:extLst>
+              <a:ext uri="{FF2B5EF4-FFF2-40B4-BE49-F238E27FC236}">
+                <a16:creationId xmlns:a16="http://schemas.microsoft.com/office/drawing/2014/main" id="{A0E064E8-9290-4D43-BBFC-8BED18247AE8}"/>
+              </a:ext>
+            </a:extLst>
+          </p:cNvPr>
+          <p:cNvPicPr>
+            <a:picLocks noGrp="1" noChangeAspect="1"/>
+          </p:cNvPicPr>
+          <p:nvPr>
+            <p:ph type="pic" sz="quarter" idx="13"/>
+          </p:nvPr>
+        </p:nvPicPr>
+        <p:blipFill rotWithShape="1">
+          <a:blip r:embed="rId3" cstate="email">
+            <a:extLst>
+              <a:ext uri="{28A0092B-C50C-407E-A947-70E740481C1C}">
+                <a14:useLocalDpi xmlns:a14="http://schemas.microsoft.com/office/drawing/2010/main"/>
+              </a:ext>
+            </a:extLst>
+          </a:blip>
+          <a:srcRect t="47" b="47"/>
+          <a:stretch/>
+        </p:blipFill>
+        <p:spPr>
+          <a:xfrm flipH="1">
+            <a:off x="0" y="0"/>
+            <a:ext cx="3355848" cy="3886200"/>
+          </a:xfrm>
+        </p:spPr>
+      </p:pic>
+      <p:pic>
+        <p:nvPicPr>
+          <p:cNvPr id="21" name="Espaço Reservado para Imagem 40" descr="par de sapatos">
+            <a:extLst>
+              <a:ext uri="{FF2B5EF4-FFF2-40B4-BE49-F238E27FC236}">
+                <a16:creationId xmlns:a16="http://schemas.microsoft.com/office/drawing/2014/main" id="{B1953C42-CA6D-49EE-B8B1-B2557AB82956}"/>
+              </a:ext>
+            </a:extLst>
+          </p:cNvPr>
+          <p:cNvPicPr>
+            <a:picLocks noGrp="1" noChangeAspect="1"/>
+          </p:cNvPicPr>
+          <p:nvPr>
+            <p:ph type="pic" sz="quarter" idx="14"/>
+          </p:nvPr>
+        </p:nvPicPr>
+        <p:blipFill rotWithShape="1">
+          <a:blip r:embed="rId4" cstate="email">
+            <a:extLst>
+              <a:ext uri="{28A0092B-C50C-407E-A947-70E740481C1C}">
+                <a14:useLocalDpi xmlns:a14="http://schemas.microsoft.com/office/drawing/2010/main"/>
+              </a:ext>
+            </a:extLst>
+          </a:blip>
+          <a:srcRect t="88" b="88"/>
+          <a:stretch/>
+        </p:blipFill>
+        <p:spPr/>
+      </p:pic>
+      <p:sp>
+        <p:nvSpPr>
+          <p:cNvPr id="19" name="Espaço Reservado para Texto 18">
+            <a:extLst>
+              <a:ext uri="{FF2B5EF4-FFF2-40B4-BE49-F238E27FC236}">
+                <a16:creationId xmlns:a16="http://schemas.microsoft.com/office/drawing/2014/main" id="{6F374A01-FD18-413B-A563-0BFF7A173B88}"/>
+              </a:ext>
+            </a:extLst>
+          </p:cNvPr>
+          <p:cNvSpPr>
+            <a:spLocks noGrp="1"/>
+          </p:cNvSpPr>
+          <p:nvPr>
+            <p:ph type="body" sz="quarter" idx="19"/>
+          </p:nvPr>
+        </p:nvSpPr>
+        <p:spPr>
+          <a:xfrm>
+            <a:off x="174055" y="4517136"/>
+            <a:ext cx="2807208" cy="2670048"/>
+          </a:xfrm>
+        </p:spPr>
+        <p:txBody>
+          <a:bodyPr rtlCol="0"/>
+          <a:lstStyle/>
+          <a:p>
+            <a:pPr rtl="0"/>
+            <a:r>
+              <a:rPr lang="pt-BR" dirty="0"/>
+              <a:t>NUNCA É CEDO OU TARDE DEMAIS PARA SE TORNAR A VERSÃO MAIS SAUDÁVEL DE VOCÊ.</a:t>
+            </a:r>
+          </a:p>
+        </p:txBody>
+      </p:sp>
+      <p:sp>
+        <p:nvSpPr>
+          <p:cNvPr id="52" name="Espaço Reservado para Texto 51">
+            <a:extLst>
+              <a:ext uri="{FF2B5EF4-FFF2-40B4-BE49-F238E27FC236}">
+                <a16:creationId xmlns:a16="http://schemas.microsoft.com/office/drawing/2014/main" id="{3B7E76EB-5406-454D-AB0D-16068C1C2060}"/>
+              </a:ext>
+            </a:extLst>
+          </p:cNvPr>
+          <p:cNvSpPr>
+            <a:spLocks noGrp="1"/>
+          </p:cNvSpPr>
+          <p:nvPr>
+            <p:ph type="body" sz="quarter" idx="20"/>
+          </p:nvPr>
+        </p:nvSpPr>
+        <p:spPr/>
+        <p:txBody>
+          <a:bodyPr rtlCol="0"/>
+          <a:lstStyle/>
+          <a:p>
+            <a:pPr algn="l" rtl="0"/>
+            <a:r>
+              <a:rPr lang="pt-BR" dirty="0"/>
+              <a:t>ZEN FITNESS</a:t>
+            </a:r>
+          </a:p>
+        </p:txBody>
+      </p:sp>
+      <p:sp>
+        <p:nvSpPr>
+          <p:cNvPr id="53" name="Espaço Reservado para Texto 52">
+            <a:extLst>
+              <a:ext uri="{FF2B5EF4-FFF2-40B4-BE49-F238E27FC236}">
+                <a16:creationId xmlns:a16="http://schemas.microsoft.com/office/drawing/2014/main" id="{390CC64E-C2D4-474C-BBB9-8F502E406CDF}"/>
+              </a:ext>
+            </a:extLst>
+          </p:cNvPr>
+          <p:cNvSpPr>
+            <a:spLocks noGrp="1"/>
+          </p:cNvSpPr>
+          <p:nvPr>
+            <p:ph type="body" sz="quarter" idx="21"/>
+          </p:nvPr>
+        </p:nvSpPr>
+        <p:spPr/>
+        <p:txBody>
+          <a:bodyPr rtlCol="0"/>
+          <a:lstStyle/>
+          <a:p>
+            <a:pPr algn="l" rtl="0"/>
+            <a:r>
+              <a:rPr lang="pt-BR" dirty="0"/>
+              <a:t>SAÚDE É UMA JORNADA, NÃO UM DESTINO</a:t>
+            </a:r>
+          </a:p>
+        </p:txBody>
+      </p:sp>
+      <p:sp>
+        <p:nvSpPr>
+          <p:cNvPr id="3" name="Espaço Reservado para Texto 2">
+            <a:extLst>
+              <a:ext uri="{FF2B5EF4-FFF2-40B4-BE49-F238E27FC236}">
+                <a16:creationId xmlns:a16="http://schemas.microsoft.com/office/drawing/2014/main" id="{150E8733-C5D2-4742-B883-B899D1F496D1}"/>
+              </a:ext>
+            </a:extLst>
+          </p:cNvPr>
+          <p:cNvSpPr>
+            <a:spLocks noGrp="1"/>
+          </p:cNvSpPr>
+          <p:nvPr>
+            <p:ph type="body" sz="quarter" idx="10"/>
+          </p:nvPr>
+        </p:nvSpPr>
+        <p:spPr>
+          <a:xfrm>
+            <a:off x="3589551" y="5132807"/>
+            <a:ext cx="2907792" cy="365760"/>
+          </a:xfrm>
+        </p:spPr>
+        <p:style>
+          <a:lnRef idx="2">
+            <a:schemeClr val="accent1"/>
+          </a:lnRef>
+          <a:fillRef idx="1">
+            <a:schemeClr val="lt1"/>
+          </a:fillRef>
+          <a:effectRef idx="0">
+            <a:schemeClr val="accent1"/>
+          </a:effectRef>
+          <a:fontRef idx="minor">
+            <a:schemeClr val="dk1"/>
+          </a:fontRef>
+        </p:style>
+        <p:txBody>
+          <a:bodyPr rtlCol="0"/>
+          <a:lstStyle/>
+          <a:p>
+            <a:pPr rtl="0"/>
+            <a:r>
+              <a:rPr lang="pt-BR" sz="1600" dirty="0"/>
+              <a:t>CONTATO</a:t>
+            </a:r>
+          </a:p>
+        </p:txBody>
+      </p:sp>
+      <p:cxnSp>
+        <p:nvCxnSpPr>
+          <p:cNvPr id="56" name="Conector Reto 55">
+            <a:extLst>
+              <a:ext uri="{FF2B5EF4-FFF2-40B4-BE49-F238E27FC236}">
+                <a16:creationId xmlns:a16="http://schemas.microsoft.com/office/drawing/2014/main" id="{603CF212-EDFF-46B6-BDBB-0FFC6EA13453}"/>
+              </a:ext>
+              <a:ext uri="{C183D7F6-B498-43B3-948B-1728B52AA6E4}">
+                <adec:decorative xmlns:adec="http://schemas.microsoft.com/office/drawing/2017/decorative" val="1"/>
+              </a:ext>
+            </a:extLst>
+          </p:cNvPr>
+          <p:cNvCxnSpPr>
+            <a:cxnSpLocks/>
+          </p:cNvCxnSpPr>
+          <p:nvPr/>
+        </p:nvCxnSpPr>
+        <p:spPr>
+          <a:xfrm>
+            <a:off x="7923172" y="6885588"/>
+            <a:ext cx="914400" cy="0"/>
+          </a:xfrm>
+          <a:prstGeom prst="line">
+            <a:avLst/>
+          </a:prstGeom>
+          <a:ln w="60325" cap="rnd">
+            <a:solidFill>
+              <a:schemeClr val="bg1"/>
+            </a:solidFill>
+            <a:prstDash val="sysDot"/>
+          </a:ln>
+        </p:spPr>
+        <p:style>
+          <a:lnRef idx="1">
+            <a:schemeClr val="accent1"/>
+          </a:lnRef>
+          <a:fillRef idx="0">
+            <a:schemeClr val="accent1"/>
+          </a:fillRef>
+          <a:effectRef idx="0">
+            <a:schemeClr val="accent1"/>
+          </a:effectRef>
+          <a:fontRef idx="minor">
+            <a:schemeClr val="tx1"/>
+          </a:fontRef>
+        </p:style>
+      </p:cxnSp>
+      <p:sp>
+        <p:nvSpPr>
+          <p:cNvPr id="58" name="Caixa de texto 57">
+            <a:extLst>
+              <a:ext uri="{FF2B5EF4-FFF2-40B4-BE49-F238E27FC236}">
+                <a16:creationId xmlns:a16="http://schemas.microsoft.com/office/drawing/2014/main" id="{37D9CFA4-6CE5-456F-956D-26B46D6F1146}"/>
+              </a:ext>
+            </a:extLst>
+          </p:cNvPr>
+          <p:cNvSpPr txBox="1"/>
+          <p:nvPr/>
+        </p:nvSpPr>
+        <p:spPr>
+          <a:xfrm>
+            <a:off x="6617324" y="-258759"/>
+            <a:ext cx="3573228" cy="5324535"/>
+          </a:xfrm>
+          <a:prstGeom prst="rect">
+            <a:avLst/>
+          </a:prstGeom>
+          <a:noFill/>
+        </p:spPr>
+        <p:txBody>
+          <a:bodyPr wrap="square" rtlCol="0">
+            <a:spAutoFit/>
+          </a:bodyPr>
+          <a:lstStyle/>
+          <a:p>
+            <a:pPr rtl="0"/>
+            <a:r>
+              <a:rPr lang="pt-BR" sz="34000" b="1" dirty="0">
+                <a:ln w="38100">
+                  <a:solidFill>
+                    <a:schemeClr val="bg1"/>
+                  </a:solidFill>
+                </a:ln>
+                <a:noFill/>
+                <a:latin typeface="+mj-lt"/>
+              </a:rPr>
+              <a:t>z</a:t>
+            </a:r>
+            <a:endParaRPr lang="pt-BR" sz="34000" b="1" dirty="0">
+              <a:ln w="38100">
+                <a:solidFill>
+                  <a:schemeClr val="bg1"/>
+                </a:solidFill>
+              </a:ln>
+              <a:noFill/>
+              <a:effectLst/>
+              <a:latin typeface="+mj-lt"/>
+            </a:endParaRPr>
+          </a:p>
+        </p:txBody>
+      </p:sp>
+      <p:sp>
+        <p:nvSpPr>
+          <p:cNvPr id="60" name="Caixa de texto 59">
+            <a:extLst>
+              <a:ext uri="{FF2B5EF4-FFF2-40B4-BE49-F238E27FC236}">
+                <a16:creationId xmlns:a16="http://schemas.microsoft.com/office/drawing/2014/main" id="{97157405-31F2-4BD7-A2E5-0ADE1F9F0E8F}"/>
+              </a:ext>
+            </a:extLst>
+          </p:cNvPr>
+          <p:cNvSpPr txBox="1"/>
+          <p:nvPr/>
+        </p:nvSpPr>
+        <p:spPr>
+          <a:xfrm>
+            <a:off x="7908925" y="641101"/>
+            <a:ext cx="3352800" cy="5324535"/>
+          </a:xfrm>
+          <a:prstGeom prst="rect">
+            <a:avLst/>
+          </a:prstGeom>
+          <a:noFill/>
+        </p:spPr>
+        <p:txBody>
+          <a:bodyPr wrap="square" rtlCol="0">
+            <a:spAutoFit/>
+          </a:bodyPr>
+          <a:lstStyle/>
+          <a:p>
+            <a:pPr rtl="0"/>
+            <a:r>
+              <a:rPr lang="pt-BR" sz="34000" b="1" dirty="0">
+                <a:ln w="38100">
+                  <a:solidFill>
+                    <a:schemeClr val="bg1"/>
+                  </a:solidFill>
+                </a:ln>
+                <a:noFill/>
+                <a:latin typeface="+mj-lt"/>
+              </a:rPr>
+              <a:t>F</a:t>
+            </a:r>
+          </a:p>
+        </p:txBody>
+      </p:sp>
+      <p:sp>
+        <p:nvSpPr>
+          <p:cNvPr id="14" name="Retângulo 13">
+            <a:extLst>
+              <a:ext uri="{FF2B5EF4-FFF2-40B4-BE49-F238E27FC236}">
+                <a16:creationId xmlns:a16="http://schemas.microsoft.com/office/drawing/2014/main" id="{D69C1BC3-A82D-4C38-ABB5-326A082A0C31}"/>
+              </a:ext>
+            </a:extLst>
+          </p:cNvPr>
+          <p:cNvSpPr/>
+          <p:nvPr/>
+        </p:nvSpPr>
+        <p:spPr>
+          <a:xfrm>
+            <a:off x="0" y="0"/>
+            <a:ext cx="10058400" cy="1554480"/>
+          </a:xfrm>
+          <a:prstGeom prst="rect">
+            <a:avLst/>
+          </a:prstGeom>
+        </p:spPr>
+        <p:style>
+          <a:lnRef idx="2">
+            <a:schemeClr val="dk1">
+              <a:shade val="50000"/>
+            </a:schemeClr>
+          </a:lnRef>
+          <a:fillRef idx="1">
+            <a:schemeClr val="dk1"/>
+          </a:fillRef>
+          <a:effectRef idx="0">
+            <a:schemeClr val="dk1"/>
+          </a:effectRef>
+          <a:fontRef idx="minor">
+            <a:schemeClr val="lt1"/>
+          </a:fontRef>
+        </p:style>
+        <p:txBody>
+          <a:bodyPr rtlCol="0" anchor="ctr"/>
+          <a:lstStyle/>
+          <a:p>
+            <a:pPr algn="ctr"/>
+            <a:endParaRPr lang="pt-BR">
+              <a:latin typeface="+mj-lt"/>
+            </a:endParaRPr>
+          </a:p>
+        </p:txBody>
+      </p:sp>
+      <p:sp>
+        <p:nvSpPr>
+          <p:cNvPr id="15" name="Título 6">
+            <a:extLst>
+              <a:ext uri="{FF2B5EF4-FFF2-40B4-BE49-F238E27FC236}">
+                <a16:creationId xmlns:a16="http://schemas.microsoft.com/office/drawing/2014/main" id="{920795BC-BC02-463D-8615-FE5B0CCD0F29}"/>
+              </a:ext>
+            </a:extLst>
+          </p:cNvPr>
+          <p:cNvSpPr txBox="1">
+            <a:spLocks/>
+          </p:cNvSpPr>
+          <p:nvPr/>
+        </p:nvSpPr>
+        <p:spPr>
+          <a:xfrm>
+            <a:off x="2743200" y="637884"/>
+            <a:ext cx="4257135" cy="365760"/>
+          </a:xfrm>
+          <a:prstGeom prst="rect">
+            <a:avLst/>
+          </a:prstGeom>
+          <a:solidFill>
+            <a:schemeClr val="bg1"/>
+          </a:solidFill>
+          <a:ln>
+            <a:solidFill>
+              <a:schemeClr val="accent5"/>
+            </a:solidFill>
+          </a:ln>
+        </p:spPr>
+        <p:txBody>
+          <a:bodyPr vert="horz" lIns="0" tIns="45720" rIns="0" bIns="45720" rtlCol="0" anchor="ctr">
+            <a:noAutofit/>
+          </a:bodyPr>
+          <a:lstStyle>
+            <a:lvl1pPr algn="l" defTabSz="450430" rtl="0" eaLnBrk="1" latinLnBrk="0" hangingPunct="1">
+              <a:lnSpc>
+                <a:spcPct val="90000"/>
+              </a:lnSpc>
+              <a:spcBef>
+                <a:spcPct val="0"/>
+              </a:spcBef>
+              <a:buNone/>
+              <a:defRPr lang="en-US" sz="2000" b="1" i="0" kern="1200" cap="all" spc="0" baseline="0" dirty="0">
+                <a:solidFill>
+                  <a:schemeClr val="tx2"/>
+                </a:solidFill>
+                <a:latin typeface="+mj-lt"/>
+                <a:ea typeface="+mn-ea"/>
+                <a:cs typeface="+mn-cs"/>
+              </a:defRPr>
+            </a:lvl1pPr>
+          </a:lstStyle>
+          <a:p>
+            <a:r>
+              <a:rPr lang="pt-BR" sz="1600"/>
+              <a:t> </a:t>
+            </a:r>
+            <a:br>
+              <a:rPr lang="pt-BR" sz="1600"/>
+            </a:br>
+            <a:endParaRPr lang="pt-BR" sz="1600"/>
+          </a:p>
+        </p:txBody>
+      </p:sp>
+      <p:sp>
+        <p:nvSpPr>
+          <p:cNvPr id="16" name="Retângulo 15">
+            <a:hlinkClick r:id="rId5" action="ppaction://hlinksldjump"/>
+            <a:extLst>
+              <a:ext uri="{FF2B5EF4-FFF2-40B4-BE49-F238E27FC236}">
+                <a16:creationId xmlns:a16="http://schemas.microsoft.com/office/drawing/2014/main" id="{8F357472-6A69-49AC-B479-6EC6E18F912F}"/>
+              </a:ext>
+            </a:extLst>
+          </p:cNvPr>
+          <p:cNvSpPr/>
+          <p:nvPr/>
+        </p:nvSpPr>
+        <p:spPr>
+          <a:xfrm>
+            <a:off x="8529403" y="116559"/>
+            <a:ext cx="1078992" cy="498273"/>
+          </a:xfrm>
+          <a:prstGeom prst="rect">
+            <a:avLst/>
+          </a:prstGeom>
+          <a:ln>
+            <a:solidFill>
+              <a:schemeClr val="accent6">
+                <a:lumMod val="75000"/>
+                <a:lumOff val="25000"/>
+              </a:schemeClr>
+            </a:solidFill>
+          </a:ln>
+        </p:spPr>
+        <p:style>
+          <a:lnRef idx="2">
+            <a:schemeClr val="dk1">
+              <a:shade val="50000"/>
+            </a:schemeClr>
+          </a:lnRef>
+          <a:fillRef idx="1">
+            <a:schemeClr val="dk1"/>
+          </a:fillRef>
+          <a:effectRef idx="0">
+            <a:schemeClr val="dk1"/>
+          </a:effectRef>
+          <a:fontRef idx="minor">
+            <a:schemeClr val="lt1"/>
+          </a:fontRef>
+        </p:style>
+        <p:txBody>
+          <a:bodyPr rtlCol="0" anchor="ctr"/>
+          <a:lstStyle/>
+          <a:p>
+            <a:pPr algn="ctr"/>
+            <a:r>
+              <a:rPr lang="pt-BR" dirty="0">
+                <a:latin typeface="+mj-lt"/>
+              </a:rPr>
+              <a:t>Sair</a:t>
+            </a:r>
+          </a:p>
+        </p:txBody>
+      </p:sp>
+      <p:sp>
+        <p:nvSpPr>
+          <p:cNvPr id="17" name="Retângulo 16">
+            <a:hlinkClick r:id="rId6" action="ppaction://hlinksldjump"/>
+            <a:extLst>
+              <a:ext uri="{FF2B5EF4-FFF2-40B4-BE49-F238E27FC236}">
+                <a16:creationId xmlns:a16="http://schemas.microsoft.com/office/drawing/2014/main" id="{3682061C-6DDB-484F-AB0C-AC0A0421120B}"/>
+              </a:ext>
+            </a:extLst>
+          </p:cNvPr>
+          <p:cNvSpPr/>
+          <p:nvPr/>
+        </p:nvSpPr>
+        <p:spPr>
+          <a:xfrm>
+            <a:off x="7275963" y="116559"/>
+            <a:ext cx="1078992" cy="498273"/>
+          </a:xfrm>
+          <a:prstGeom prst="rect">
+            <a:avLst/>
+          </a:prstGeom>
+          <a:ln>
+            <a:solidFill>
+              <a:schemeClr val="accent6">
+                <a:lumMod val="75000"/>
+                <a:lumOff val="25000"/>
+              </a:schemeClr>
+            </a:solidFill>
+          </a:ln>
+        </p:spPr>
+        <p:style>
+          <a:lnRef idx="2">
+            <a:schemeClr val="dk1">
+              <a:shade val="50000"/>
+            </a:schemeClr>
+          </a:lnRef>
+          <a:fillRef idx="1">
+            <a:schemeClr val="dk1"/>
+          </a:fillRef>
+          <a:effectRef idx="0">
+            <a:schemeClr val="dk1"/>
+          </a:effectRef>
+          <a:fontRef idx="minor">
+            <a:schemeClr val="lt1"/>
+          </a:fontRef>
+        </p:style>
+        <p:txBody>
+          <a:bodyPr rtlCol="0" anchor="ctr"/>
+          <a:lstStyle/>
+          <a:p>
+            <a:pPr algn="ctr"/>
+            <a:r>
+              <a:rPr lang="pt-BR" dirty="0">
+                <a:latin typeface="+mj-lt"/>
+              </a:rPr>
+              <a:t>...</a:t>
+            </a:r>
+          </a:p>
+        </p:txBody>
+      </p:sp>
+      <p:sp>
+        <p:nvSpPr>
+          <p:cNvPr id="18" name="Retângulo 17">
+            <a:hlinkClick r:id="rId7" action="ppaction://hlinksldjump"/>
+            <a:extLst>
+              <a:ext uri="{FF2B5EF4-FFF2-40B4-BE49-F238E27FC236}">
+                <a16:creationId xmlns:a16="http://schemas.microsoft.com/office/drawing/2014/main" id="{AFE0FD0A-E004-4906-B4BD-D4299FD0DB40}"/>
+              </a:ext>
+            </a:extLst>
+          </p:cNvPr>
+          <p:cNvSpPr/>
+          <p:nvPr/>
+        </p:nvSpPr>
+        <p:spPr>
+          <a:xfrm>
+            <a:off x="61889" y="1105824"/>
+            <a:ext cx="1495136" cy="380002"/>
+          </a:xfrm>
+          <a:prstGeom prst="rect">
+            <a:avLst/>
+          </a:prstGeom>
+          <a:ln>
+            <a:solidFill>
+              <a:schemeClr val="accent6">
+                <a:lumMod val="75000"/>
+                <a:lumOff val="25000"/>
+              </a:schemeClr>
+            </a:solidFill>
+          </a:ln>
+        </p:spPr>
+        <p:style>
+          <a:lnRef idx="2">
+            <a:schemeClr val="accent6">
+              <a:shade val="50000"/>
+            </a:schemeClr>
+          </a:lnRef>
+          <a:fillRef idx="1">
+            <a:schemeClr val="accent6"/>
+          </a:fillRef>
+          <a:effectRef idx="0">
+            <a:schemeClr val="accent6"/>
+          </a:effectRef>
+          <a:fontRef idx="minor">
+            <a:schemeClr val="lt1"/>
+          </a:fontRef>
+        </p:style>
+        <p:txBody>
+          <a:bodyPr rtlCol="0" anchor="ctr"/>
+          <a:lstStyle/>
+          <a:p>
+            <a:pPr algn="ctr"/>
+            <a:r>
+              <a:rPr lang="pt-BR" sz="1600" dirty="0">
+                <a:latin typeface="+mj-lt"/>
+              </a:rPr>
+              <a:t>INÍCIO</a:t>
+            </a:r>
+          </a:p>
+        </p:txBody>
+      </p:sp>
+      <p:grpSp>
+        <p:nvGrpSpPr>
+          <p:cNvPr id="20" name="Agrupar 19">
+            <a:extLst>
+              <a:ext uri="{FF2B5EF4-FFF2-40B4-BE49-F238E27FC236}">
+                <a16:creationId xmlns:a16="http://schemas.microsoft.com/office/drawing/2014/main" id="{1C500B91-533F-4A8A-99E3-7C064EB724CF}"/>
+              </a:ext>
+            </a:extLst>
+          </p:cNvPr>
+          <p:cNvGrpSpPr/>
+          <p:nvPr/>
+        </p:nvGrpSpPr>
+        <p:grpSpPr>
+          <a:xfrm>
+            <a:off x="-523030" y="36181"/>
+            <a:ext cx="2816225" cy="960770"/>
+            <a:chOff x="-609355" y="-85428"/>
+            <a:chExt cx="2816225" cy="960770"/>
+          </a:xfrm>
+        </p:grpSpPr>
+        <p:pic>
+          <p:nvPicPr>
+            <p:cNvPr id="22" name="Picture 2" descr="Download Fitness Logo Vector Creative Download HD PNG HQ PNG Image |  FreePNGImg">
+              <a:extLst>
+                <a:ext uri="{FF2B5EF4-FFF2-40B4-BE49-F238E27FC236}">
+                  <a16:creationId xmlns:a16="http://schemas.microsoft.com/office/drawing/2014/main" id="{D503BD07-7B5E-4A75-AE41-97B256E9E2AF}"/>
+                </a:ext>
+              </a:extLst>
+            </p:cNvPr>
+            <p:cNvPicPr>
+              <a:picLocks noChangeAspect="1" noChangeArrowheads="1"/>
+            </p:cNvPicPr>
+            <p:nvPr/>
+          </p:nvPicPr>
+          <p:blipFill>
+            <a:blip r:embed="rId8">
+              <a:biLevel thresh="75000"/>
+              <a:extLst>
+                <a:ext uri="{28A0092B-C50C-407E-A947-70E740481C1C}">
+                  <a14:useLocalDpi xmlns:a14="http://schemas.microsoft.com/office/drawing/2010/main" val="0"/>
+                </a:ext>
+              </a:extLst>
+            </a:blip>
+            <a:srcRect/>
+            <a:stretch>
+              <a:fillRect/>
+            </a:stretch>
+          </p:blipFill>
+          <p:spPr bwMode="auto">
+            <a:xfrm>
+              <a:off x="126817" y="-6"/>
+              <a:ext cx="1343883" cy="875348"/>
+            </a:xfrm>
+            <a:prstGeom prst="rect">
+              <a:avLst/>
+            </a:prstGeom>
+            <a:noFill/>
+            <a:extLst>
+              <a:ext uri="{909E8E84-426E-40DD-AFC4-6F175D3DCCD1}">
+                <a14:hiddenFill xmlns:a14="http://schemas.microsoft.com/office/drawing/2010/main">
+                  <a:solidFill>
+                    <a:srgbClr val="FFFFFF"/>
+                  </a:solidFill>
+                </a14:hiddenFill>
+              </a:ext>
+            </a:extLst>
+          </p:spPr>
+        </p:pic>
+        <p:sp>
+          <p:nvSpPr>
+            <p:cNvPr id="23" name="Espaço Reservado para Texto 75">
+              <a:extLst>
+                <a:ext uri="{FF2B5EF4-FFF2-40B4-BE49-F238E27FC236}">
+                  <a16:creationId xmlns:a16="http://schemas.microsoft.com/office/drawing/2014/main" id="{1DA1EBA1-DE87-40FD-993C-672F5CF805B4}"/>
+                </a:ext>
+              </a:extLst>
+            </p:cNvPr>
+            <p:cNvSpPr txBox="1">
+              <a:spLocks/>
+            </p:cNvSpPr>
+            <p:nvPr/>
+          </p:nvSpPr>
+          <p:spPr>
+            <a:xfrm>
+              <a:off x="-609355" y="-85428"/>
+              <a:ext cx="2816225" cy="507417"/>
+            </a:xfrm>
+            <a:prstGeom prst="rect">
+              <a:avLst/>
+            </a:prstGeom>
+          </p:spPr>
+          <p:txBody>
+            <a:bodyPr vert="horz" lIns="91440" tIns="45720" rIns="91440" bIns="45720" rtlCol="0">
+              <a:noAutofit/>
+            </a:bodyPr>
+            <a:lstStyle>
+              <a:lvl1pPr marL="0" indent="0" algn="ctr" defTabSz="450430" rtl="0" eaLnBrk="1" latinLnBrk="0" hangingPunct="1">
+                <a:lnSpc>
+                  <a:spcPts val="5200"/>
+                </a:lnSpc>
+                <a:spcBef>
+                  <a:spcPts val="0"/>
+                </a:spcBef>
+                <a:buFont typeface="Arial" panose="020B0604020202020204" pitchFamily="34" charset="0"/>
+                <a:buNone/>
+                <a:defRPr lang="en-US" sz="4800" b="1" kern="1200" cap="all" baseline="0">
+                  <a:solidFill>
+                    <a:schemeClr val="bg1"/>
+                  </a:solidFill>
+                  <a:latin typeface="+mj-lt"/>
+                  <a:ea typeface="+mn-ea"/>
+                  <a:cs typeface="+mn-cs"/>
+                </a:defRPr>
+              </a:lvl1pPr>
+              <a:lvl2pPr marL="800100" indent="-342900" algn="l" defTabSz="450430" rtl="0" eaLnBrk="1" latinLnBrk="0" hangingPunct="1">
+                <a:lnSpc>
+                  <a:spcPct val="150000"/>
+                </a:lnSpc>
+                <a:spcBef>
+                  <a:spcPts val="0"/>
+                </a:spcBef>
+                <a:buFont typeface="Arial" panose="020B0604020202020204" pitchFamily="34" charset="0"/>
+                <a:buChar char="•"/>
+                <a:defRPr lang="en-US" sz="2400" kern="1200" dirty="0" smtClean="0">
+                  <a:solidFill>
+                    <a:schemeClr val="tx1">
+                      <a:lumMod val="75000"/>
+                      <a:lumOff val="25000"/>
+                    </a:schemeClr>
+                  </a:solidFill>
+                  <a:latin typeface="+mn-lt"/>
+                  <a:ea typeface="+mn-ea"/>
+                  <a:cs typeface="+mn-cs"/>
+                </a:defRPr>
+              </a:lvl2pPr>
+              <a:lvl3pPr marL="1257300" indent="-342900" algn="l" defTabSz="450430" rtl="0" eaLnBrk="1" latinLnBrk="0" hangingPunct="1">
+                <a:lnSpc>
+                  <a:spcPct val="150000"/>
+                </a:lnSpc>
+                <a:spcBef>
+                  <a:spcPts val="0"/>
+                </a:spcBef>
+                <a:buFont typeface="Arial" panose="020B0604020202020204" pitchFamily="34" charset="0"/>
+                <a:buChar char="•"/>
+                <a:defRPr lang="en-US" sz="2000" kern="1200" dirty="0" smtClean="0">
+                  <a:solidFill>
+                    <a:schemeClr val="tx1">
+                      <a:lumMod val="75000"/>
+                      <a:lumOff val="25000"/>
+                    </a:schemeClr>
+                  </a:solidFill>
+                  <a:latin typeface="+mn-lt"/>
+                  <a:ea typeface="+mn-ea"/>
+                  <a:cs typeface="+mn-cs"/>
+                </a:defRPr>
+              </a:lvl3pPr>
+              <a:lvl4pPr marL="1657350" indent="-285750" algn="l" defTabSz="450430" rtl="0" eaLnBrk="1" latinLnBrk="0" hangingPunct="1">
+                <a:lnSpc>
+                  <a:spcPct val="150000"/>
+                </a:lnSpc>
+                <a:spcBef>
+                  <a:spcPts val="0"/>
+                </a:spcBef>
+                <a:buFont typeface="Arial" panose="020B0604020202020204" pitchFamily="34" charset="0"/>
+                <a:buChar char="•"/>
+                <a:defRPr lang="en-US" sz="1800" kern="1200" dirty="0" smtClean="0">
+                  <a:solidFill>
+                    <a:schemeClr val="tx1">
+                      <a:lumMod val="75000"/>
+                      <a:lumOff val="25000"/>
+                    </a:schemeClr>
+                  </a:solidFill>
+                  <a:latin typeface="+mn-lt"/>
+                  <a:ea typeface="+mn-ea"/>
+                  <a:cs typeface="+mn-cs"/>
+                </a:defRPr>
+              </a:lvl4pPr>
+              <a:lvl5pPr marL="2114550" indent="-285750" algn="l" defTabSz="450430" rtl="0" eaLnBrk="1" latinLnBrk="0" hangingPunct="1">
+                <a:lnSpc>
+                  <a:spcPct val="150000"/>
+                </a:lnSpc>
+                <a:spcBef>
+                  <a:spcPts val="0"/>
+                </a:spcBef>
+                <a:buFont typeface="Arial" panose="020B0604020202020204" pitchFamily="34" charset="0"/>
+                <a:buChar char="•"/>
+                <a:defRPr lang="en-US" sz="1800" kern="1200" dirty="0">
+                  <a:solidFill>
+                    <a:schemeClr val="tx1">
+                      <a:lumMod val="75000"/>
+                      <a:lumOff val="25000"/>
+                    </a:schemeClr>
+                  </a:solidFill>
+                  <a:latin typeface="+mn-lt"/>
+                  <a:ea typeface="+mn-ea"/>
+                  <a:cs typeface="+mn-cs"/>
+                </a:defRPr>
+              </a:lvl5pPr>
+              <a:lvl6pPr marL="1238683" indent="-112608" algn="l" defTabSz="450430" rtl="0" eaLnBrk="1" latinLnBrk="0" hangingPunct="1">
+                <a:lnSpc>
+                  <a:spcPct val="90000"/>
+                </a:lnSpc>
+                <a:spcBef>
+                  <a:spcPts val="246"/>
+                </a:spcBef>
+                <a:buFont typeface="Arial" panose="020B0604020202020204" pitchFamily="34" charset="0"/>
+                <a:buChar char="•"/>
+                <a:defRPr sz="887" kern="1200">
+                  <a:solidFill>
+                    <a:schemeClr val="tx1"/>
+                  </a:solidFill>
+                  <a:latin typeface="+mn-lt"/>
+                  <a:ea typeface="+mn-ea"/>
+                  <a:cs typeface="+mn-cs"/>
+                </a:defRPr>
+              </a:lvl6pPr>
+              <a:lvl7pPr marL="1463898" indent="-112608" algn="l" defTabSz="450430" rtl="0" eaLnBrk="1" latinLnBrk="0" hangingPunct="1">
+                <a:lnSpc>
+                  <a:spcPct val="90000"/>
+                </a:lnSpc>
+                <a:spcBef>
+                  <a:spcPts val="246"/>
+                </a:spcBef>
+                <a:buFont typeface="Arial" panose="020B0604020202020204" pitchFamily="34" charset="0"/>
+                <a:buChar char="•"/>
+                <a:defRPr sz="887" kern="1200">
+                  <a:solidFill>
+                    <a:schemeClr val="tx1"/>
+                  </a:solidFill>
+                  <a:latin typeface="+mn-lt"/>
+                  <a:ea typeface="+mn-ea"/>
+                  <a:cs typeface="+mn-cs"/>
+                </a:defRPr>
+              </a:lvl7pPr>
+              <a:lvl8pPr marL="1689113" indent="-112608" algn="l" defTabSz="450430" rtl="0" eaLnBrk="1" latinLnBrk="0" hangingPunct="1">
+                <a:lnSpc>
+                  <a:spcPct val="90000"/>
+                </a:lnSpc>
+                <a:spcBef>
+                  <a:spcPts val="246"/>
+                </a:spcBef>
+                <a:buFont typeface="Arial" panose="020B0604020202020204" pitchFamily="34" charset="0"/>
+                <a:buChar char="•"/>
+                <a:defRPr sz="887" kern="1200">
+                  <a:solidFill>
+                    <a:schemeClr val="tx1"/>
+                  </a:solidFill>
+                  <a:latin typeface="+mn-lt"/>
+                  <a:ea typeface="+mn-ea"/>
+                  <a:cs typeface="+mn-cs"/>
+                </a:defRPr>
+              </a:lvl8pPr>
+              <a:lvl9pPr marL="1914328" indent="-112608" algn="l" defTabSz="450430" rtl="0" eaLnBrk="1" latinLnBrk="0" hangingPunct="1">
+                <a:lnSpc>
+                  <a:spcPct val="90000"/>
+                </a:lnSpc>
+                <a:spcBef>
+                  <a:spcPts val="246"/>
+                </a:spcBef>
+                <a:buFont typeface="Arial" panose="020B0604020202020204" pitchFamily="34" charset="0"/>
+                <a:buChar char="•"/>
+                <a:defRPr sz="887" kern="1200">
+                  <a:solidFill>
+                    <a:schemeClr val="tx1"/>
+                  </a:solidFill>
+                  <a:latin typeface="+mn-lt"/>
+                  <a:ea typeface="+mn-ea"/>
+                  <a:cs typeface="+mn-cs"/>
+                </a:defRPr>
+              </a:lvl9pPr>
+            </a:lstStyle>
+            <a:p>
+              <a:r>
+                <a:rPr lang="pt-BR" sz="2400" b="0" dirty="0"/>
+                <a:t>ZEN</a:t>
+              </a:r>
+            </a:p>
+          </p:txBody>
+        </p:sp>
+      </p:grpSp>
+      <p:sp>
+        <p:nvSpPr>
+          <p:cNvPr id="24" name="Retângulo 23">
+            <a:extLst>
+              <a:ext uri="{FF2B5EF4-FFF2-40B4-BE49-F238E27FC236}">
+                <a16:creationId xmlns:a16="http://schemas.microsoft.com/office/drawing/2014/main" id="{5417AFE1-34A6-4B00-B841-B6B259FF2A51}"/>
+              </a:ext>
+            </a:extLst>
+          </p:cNvPr>
+          <p:cNvSpPr/>
+          <p:nvPr/>
+        </p:nvSpPr>
+        <p:spPr>
+          <a:xfrm>
+            <a:off x="1654461" y="1105824"/>
+            <a:ext cx="1495135" cy="386048"/>
+          </a:xfrm>
+          <a:prstGeom prst="rect">
+            <a:avLst/>
+          </a:prstGeom>
+          <a:ln>
+            <a:solidFill>
+              <a:schemeClr val="accent6">
+                <a:lumMod val="75000"/>
+                <a:lumOff val="25000"/>
+              </a:schemeClr>
+            </a:solidFill>
+          </a:ln>
+        </p:spPr>
+        <p:style>
+          <a:lnRef idx="2">
+            <a:schemeClr val="accent6">
+              <a:shade val="50000"/>
+            </a:schemeClr>
+          </a:lnRef>
+          <a:fillRef idx="1">
+            <a:schemeClr val="accent6"/>
+          </a:fillRef>
+          <a:effectRef idx="0">
+            <a:schemeClr val="accent6"/>
+          </a:effectRef>
+          <a:fontRef idx="minor">
+            <a:schemeClr val="lt1"/>
+          </a:fontRef>
+        </p:style>
+        <p:txBody>
+          <a:bodyPr rtlCol="0" anchor="ctr"/>
+          <a:lstStyle/>
+          <a:p>
+            <a:pPr algn="ctr"/>
+            <a:r>
+              <a:rPr lang="pt-BR" sz="1600" dirty="0">
+                <a:latin typeface="+mj-lt"/>
+              </a:rPr>
+              <a:t>Novidades</a:t>
+            </a:r>
+          </a:p>
+        </p:txBody>
+      </p:sp>
+      <p:sp>
+        <p:nvSpPr>
+          <p:cNvPr id="6" name="Retângulo 5">
+            <a:extLst>
+              <a:ext uri="{FF2B5EF4-FFF2-40B4-BE49-F238E27FC236}">
+                <a16:creationId xmlns:a16="http://schemas.microsoft.com/office/drawing/2014/main" id="{1F88ED9C-8CBF-47E7-AE23-42AE06CE162A}"/>
+              </a:ext>
+            </a:extLst>
+          </p:cNvPr>
+          <p:cNvSpPr/>
+          <p:nvPr/>
+        </p:nvSpPr>
+        <p:spPr>
+          <a:xfrm>
+            <a:off x="2413416" y="1554480"/>
+            <a:ext cx="5193757" cy="6217901"/>
+          </a:xfrm>
+          <a:prstGeom prst="rect">
+            <a:avLst/>
+          </a:prstGeom>
+        </p:spPr>
+        <p:style>
+          <a:lnRef idx="2">
+            <a:schemeClr val="accent6"/>
+          </a:lnRef>
+          <a:fillRef idx="1">
+            <a:schemeClr val="lt1"/>
+          </a:fillRef>
+          <a:effectRef idx="0">
+            <a:schemeClr val="accent6"/>
+          </a:effectRef>
+          <a:fontRef idx="minor">
+            <a:schemeClr val="dk1"/>
+          </a:fontRef>
+        </p:style>
+        <p:txBody>
+          <a:bodyPr rtlCol="0" anchor="ctr"/>
+          <a:lstStyle/>
+          <a:p>
+            <a:pPr algn="ctr"/>
+            <a:endParaRPr lang="pt-BR" dirty="0"/>
+          </a:p>
+        </p:txBody>
+      </p:sp>
+      <p:sp>
+        <p:nvSpPr>
+          <p:cNvPr id="27" name="Retângulo 26">
+            <a:extLst>
+              <a:ext uri="{FF2B5EF4-FFF2-40B4-BE49-F238E27FC236}">
+                <a16:creationId xmlns:a16="http://schemas.microsoft.com/office/drawing/2014/main" id="{17F1A7CE-8529-455E-B823-A063136DE604}"/>
+              </a:ext>
+            </a:extLst>
+          </p:cNvPr>
+          <p:cNvSpPr/>
+          <p:nvPr/>
+        </p:nvSpPr>
+        <p:spPr>
+          <a:xfrm>
+            <a:off x="2539473" y="1634580"/>
+            <a:ext cx="4984373" cy="432428"/>
+          </a:xfrm>
+          <a:prstGeom prst="rect">
+            <a:avLst/>
+          </a:prstGeom>
+          <a:ln/>
+        </p:spPr>
+        <p:style>
+          <a:lnRef idx="2">
+            <a:schemeClr val="dk1">
+              <a:shade val="50000"/>
+            </a:schemeClr>
+          </a:lnRef>
+          <a:fillRef idx="1">
+            <a:schemeClr val="dk1"/>
+          </a:fillRef>
+          <a:effectRef idx="0">
+            <a:schemeClr val="dk1"/>
+          </a:effectRef>
+          <a:fontRef idx="minor">
+            <a:schemeClr val="lt1"/>
+          </a:fontRef>
+        </p:style>
+        <p:txBody>
+          <a:bodyPr rtlCol="0" anchor="ctr"/>
+          <a:lstStyle/>
+          <a:p>
+            <a:pPr algn="ctr"/>
+            <a:r>
+              <a:rPr lang="pt-BR" sz="2000" dirty="0">
+                <a:latin typeface="+mj-lt"/>
+              </a:rPr>
+              <a:t>Evolução</a:t>
+            </a:r>
+            <a:endParaRPr lang="pt-BR" dirty="0">
+              <a:latin typeface="+mj-lt"/>
+            </a:endParaRPr>
+          </a:p>
+        </p:txBody>
+      </p:sp>
+      <p:graphicFrame>
+        <p:nvGraphicFramePr>
+          <p:cNvPr id="31" name="Gráfico 30">
+            <a:extLst>
+              <a:ext uri="{FF2B5EF4-FFF2-40B4-BE49-F238E27FC236}">
+                <a16:creationId xmlns:a16="http://schemas.microsoft.com/office/drawing/2014/main" id="{737EA209-E013-4D59-A527-81857CF5E78B}"/>
+              </a:ext>
+            </a:extLst>
+          </p:cNvPr>
+          <p:cNvGraphicFramePr/>
+          <p:nvPr>
+            <p:extLst>
+              <p:ext uri="{D42A27DB-BD31-4B8C-83A1-F6EECF244321}">
+                <p14:modId xmlns:p14="http://schemas.microsoft.com/office/powerpoint/2010/main" val="1310736813"/>
+              </p:ext>
+            </p:extLst>
+          </p:nvPr>
+        </p:nvGraphicFramePr>
+        <p:xfrm>
+          <a:off x="2648181" y="2227512"/>
+          <a:ext cx="4503122" cy="3378187"/>
+        </p:xfrm>
+        <a:graphic>
+          <a:graphicData uri="http://schemas.openxmlformats.org/drawingml/2006/chart">
+            <c:chart xmlns:c="http://schemas.openxmlformats.org/drawingml/2006/chart" xmlns:r="http://schemas.openxmlformats.org/officeDocument/2006/relationships" r:id="rId9"/>
+          </a:graphicData>
+        </a:graphic>
+      </p:graphicFrame>
+    </p:spTree>
+    <p:extLst>
+      <p:ext uri="{BB962C8B-B14F-4D97-AF65-F5344CB8AC3E}">
+        <p14:creationId xmlns:p14="http://schemas.microsoft.com/office/powerpoint/2010/main" val="483136606"/>
+      </p:ext>
+    </p:extLst>
+  </p:cSld>
+  <p:clrMapOvr>
+    <a:masterClrMapping/>
+  </p:clrMapOvr>
+</p:sld>
+</file>
+
+<file path=ppt/slides/slide7.xml><?xml version="1.0" encoding="utf-8"?>
+<p:sld xmlns:a="http://schemas.openxmlformats.org/drawingml/2006/main" xmlns:r="http://schemas.openxmlformats.org/officeDocument/2006/relationships" xmlns:p="http://schemas.openxmlformats.org/presentationml/2006/main">
+  <p:cSld>
+    <p:spTree>
+      <p:nvGrpSpPr>
+        <p:cNvPr id="1" name=""/>
+        <p:cNvGrpSpPr/>
+        <p:nvPr/>
+      </p:nvGrpSpPr>
+      <p:grpSpPr>
+        <a:xfrm>
+          <a:off x="0" y="0"/>
+          <a:ext cx="0" cy="0"/>
+          <a:chOff x="0" y="0"/>
+          <a:chExt cx="0" cy="0"/>
+        </a:xfrm>
+      </p:grpSpPr>
+      <p:sp>
+        <p:nvSpPr>
+          <p:cNvPr id="2" name="Título 1">
+            <a:extLst>
+              <a:ext uri="{FF2B5EF4-FFF2-40B4-BE49-F238E27FC236}">
+                <a16:creationId xmlns:a16="http://schemas.microsoft.com/office/drawing/2014/main" id="{96654D56-652A-487F-B62F-5C8C1E1AEF87}"/>
+              </a:ext>
+            </a:extLst>
+          </p:cNvPr>
+          <p:cNvSpPr>
+            <a:spLocks noGrp="1"/>
+          </p:cNvSpPr>
+          <p:nvPr>
+            <p:ph type="ctrTitle"/>
+          </p:nvPr>
+        </p:nvSpPr>
+        <p:spPr/>
+        <p:txBody>
+          <a:bodyPr rtlCol="0"/>
+          <a:lstStyle/>
+          <a:p>
+            <a:pPr rtl="0"/>
+            <a:r>
+              <a:rPr lang="pt-BR" sz="1600" dirty="0"/>
+              <a:t>CONDICIONAMENTO FÍSICO DE UM MODO SIMPLES </a:t>
+            </a:r>
+          </a:p>
+        </p:txBody>
+      </p:sp>
+      <p:sp>
+        <p:nvSpPr>
+          <p:cNvPr id="4" name="Espaço Reservado para Texto 3">
+            <a:extLst>
+              <a:ext uri="{FF2B5EF4-FFF2-40B4-BE49-F238E27FC236}">
+                <a16:creationId xmlns:a16="http://schemas.microsoft.com/office/drawing/2014/main" id="{45FA45B3-A6AE-402F-B640-75DBE3055542}"/>
+              </a:ext>
+            </a:extLst>
+          </p:cNvPr>
+          <p:cNvSpPr>
+            <a:spLocks noGrp="1"/>
+          </p:cNvSpPr>
+          <p:nvPr>
+            <p:ph type="body" sz="quarter" idx="11"/>
+          </p:nvPr>
+        </p:nvSpPr>
+        <p:spPr/>
+        <p:txBody>
+          <a:bodyPr rtlCol="0"/>
+          <a:lstStyle/>
+          <a:p>
+            <a:pPr rtl="0"/>
+            <a:r>
+              <a:rPr lang="pt-BR"/>
+              <a:t>Lorem ipsum dolor sit amet, consectetuer adipiscing elit. Maecenas porttitor congue massa. Fusce posuere, magna sed pulvinar ultricies, purus lectus malesuada libero, sit amet commodo magna eros quis urna.</a:t>
+            </a:r>
+          </a:p>
+          <a:p>
+            <a:pPr rtl="0"/>
+            <a:endParaRPr lang="pt-BR"/>
+          </a:p>
+          <a:p>
+            <a:pPr rtl="0"/>
+            <a:r>
+              <a:rPr lang="pt-BR"/>
+              <a:t>Maecenas porttitor congue massa. Fusce posuere, magna sed pulvinar ultricies, purus lectus malesuada libero, sit amet commodo magna eros quis urna.</a:t>
+            </a:r>
+          </a:p>
+          <a:p>
+            <a:pPr rtl="0"/>
+            <a:endParaRPr lang="pt-BR"/>
+          </a:p>
+          <a:p>
+            <a:pPr rtl="0"/>
+            <a:endParaRPr lang="pt-BR"/>
+          </a:p>
+          <a:p>
+            <a:pPr rtl="0"/>
+            <a:endParaRPr lang="pt-BR"/>
+          </a:p>
+        </p:txBody>
+      </p:sp>
+      <p:sp>
+        <p:nvSpPr>
+          <p:cNvPr id="5" name="Espaço Reservado para Texto 4">
+            <a:extLst>
+              <a:ext uri="{FF2B5EF4-FFF2-40B4-BE49-F238E27FC236}">
+                <a16:creationId xmlns:a16="http://schemas.microsoft.com/office/drawing/2014/main" id="{A5FC093F-1046-49B5-8901-B8F3A602B922}"/>
+              </a:ext>
+            </a:extLst>
+          </p:cNvPr>
+          <p:cNvSpPr>
+            <a:spLocks noGrp="1"/>
+          </p:cNvSpPr>
+          <p:nvPr>
+            <p:ph type="body" sz="quarter" idx="12"/>
+          </p:nvPr>
+        </p:nvSpPr>
+        <p:spPr>
+          <a:xfrm>
+            <a:off x="3598695" y="5535143"/>
+            <a:ext cx="2898648" cy="1874520"/>
+          </a:xfrm>
+        </p:spPr>
+        <p:style>
+          <a:lnRef idx="2">
+            <a:schemeClr val="accent1"/>
+          </a:lnRef>
+          <a:fillRef idx="1">
+            <a:schemeClr val="lt1"/>
+          </a:fillRef>
+          <a:effectRef idx="0">
+            <a:schemeClr val="accent1"/>
+          </a:effectRef>
+          <a:fontRef idx="minor">
+            <a:schemeClr val="dk1"/>
+          </a:fontRef>
+        </p:style>
+        <p:txBody>
+          <a:bodyPr rtlCol="0"/>
+          <a:lstStyle/>
+          <a:p>
+            <a:pPr rtl="0"/>
+            <a:r>
+              <a:rPr lang="pt-BR">
+                <a:latin typeface="+mj-lt"/>
+              </a:rPr>
+              <a:t>Rua das flores, 567 </a:t>
+            </a:r>
+          </a:p>
+          <a:p>
+            <a:pPr rtl="0"/>
+            <a:r>
+              <a:rPr lang="pt-BR">
+                <a:latin typeface="+mj-lt"/>
+              </a:rPr>
+              <a:t>São Paulo, SP 98052-000</a:t>
+            </a:r>
+          </a:p>
+          <a:p>
+            <a:pPr rtl="0"/>
+            <a:r>
+              <a:rPr lang="pt-BR">
+                <a:latin typeface="+mj-lt"/>
+              </a:rPr>
+              <a:t>555-0100</a:t>
+            </a:r>
+          </a:p>
+          <a:p>
+            <a:pPr rtl="0"/>
+            <a:r>
+              <a:rPr lang="pt-BR">
+                <a:latin typeface="+mj-lt"/>
+              </a:rPr>
+              <a:t>info@adatumfitness.com</a:t>
+            </a:r>
+          </a:p>
+          <a:p>
+            <a:pPr rtl="0"/>
+            <a:r>
+              <a:rPr lang="pt-BR">
+                <a:latin typeface="+mj-lt"/>
+              </a:rPr>
+              <a:t>adatumfitness.com</a:t>
+            </a:r>
+          </a:p>
+          <a:p>
+            <a:pPr rtl="0"/>
+            <a:endParaRPr lang="pt-BR">
+              <a:latin typeface="+mj-lt"/>
+            </a:endParaRPr>
+          </a:p>
+        </p:txBody>
+      </p:sp>
+      <p:pic>
+        <p:nvPicPr>
+          <p:cNvPr id="54" name="Espaço Reservado para Imagem 38" descr="close de pessoas amarrando os calçados">
+            <a:extLst>
+              <a:ext uri="{FF2B5EF4-FFF2-40B4-BE49-F238E27FC236}">
+                <a16:creationId xmlns:a16="http://schemas.microsoft.com/office/drawing/2014/main" id="{A0E064E8-9290-4D43-BBFC-8BED18247AE8}"/>
+              </a:ext>
+            </a:extLst>
+          </p:cNvPr>
+          <p:cNvPicPr>
+            <a:picLocks noGrp="1" noChangeAspect="1"/>
+          </p:cNvPicPr>
+          <p:nvPr>
+            <p:ph type="pic" sz="quarter" idx="13"/>
+          </p:nvPr>
+        </p:nvPicPr>
+        <p:blipFill rotWithShape="1">
+          <a:blip r:embed="rId3" cstate="email">
+            <a:extLst>
+              <a:ext uri="{28A0092B-C50C-407E-A947-70E740481C1C}">
+                <a14:useLocalDpi xmlns:a14="http://schemas.microsoft.com/office/drawing/2010/main"/>
+              </a:ext>
+            </a:extLst>
+          </a:blip>
+          <a:srcRect t="47" b="47"/>
+          <a:stretch/>
+        </p:blipFill>
+        <p:spPr>
+          <a:xfrm flipH="1">
+            <a:off x="0" y="0"/>
+            <a:ext cx="3355848" cy="3886200"/>
+          </a:xfrm>
+        </p:spPr>
+      </p:pic>
+      <p:pic>
+        <p:nvPicPr>
+          <p:cNvPr id="21" name="Espaço Reservado para Imagem 40" descr="par de sapatos">
+            <a:extLst>
+              <a:ext uri="{FF2B5EF4-FFF2-40B4-BE49-F238E27FC236}">
+                <a16:creationId xmlns:a16="http://schemas.microsoft.com/office/drawing/2014/main" id="{B1953C42-CA6D-49EE-B8B1-B2557AB82956}"/>
+              </a:ext>
+            </a:extLst>
+          </p:cNvPr>
+          <p:cNvPicPr>
+            <a:picLocks noGrp="1" noChangeAspect="1"/>
+          </p:cNvPicPr>
+          <p:nvPr>
+            <p:ph type="pic" sz="quarter" idx="14"/>
+          </p:nvPr>
+        </p:nvPicPr>
+        <p:blipFill rotWithShape="1">
+          <a:blip r:embed="rId4" cstate="email">
+            <a:extLst>
+              <a:ext uri="{28A0092B-C50C-407E-A947-70E740481C1C}">
+                <a14:useLocalDpi xmlns:a14="http://schemas.microsoft.com/office/drawing/2010/main"/>
+              </a:ext>
+            </a:extLst>
+          </a:blip>
+          <a:srcRect t="88" b="88"/>
+          <a:stretch/>
+        </p:blipFill>
+        <p:spPr/>
+      </p:pic>
+      <p:sp>
+        <p:nvSpPr>
+          <p:cNvPr id="19" name="Espaço Reservado para Texto 18">
+            <a:extLst>
+              <a:ext uri="{FF2B5EF4-FFF2-40B4-BE49-F238E27FC236}">
+                <a16:creationId xmlns:a16="http://schemas.microsoft.com/office/drawing/2014/main" id="{6F374A01-FD18-413B-A563-0BFF7A173B88}"/>
+              </a:ext>
+            </a:extLst>
+          </p:cNvPr>
+          <p:cNvSpPr>
+            <a:spLocks noGrp="1"/>
+          </p:cNvSpPr>
+          <p:nvPr>
+            <p:ph type="body" sz="quarter" idx="19"/>
+          </p:nvPr>
+        </p:nvSpPr>
+        <p:spPr>
+          <a:xfrm>
+            <a:off x="174055" y="4517136"/>
+            <a:ext cx="2807208" cy="2670048"/>
+          </a:xfrm>
+        </p:spPr>
+        <p:txBody>
+          <a:bodyPr rtlCol="0"/>
+          <a:lstStyle/>
+          <a:p>
+            <a:pPr rtl="0"/>
+            <a:r>
+              <a:rPr lang="pt-BR" dirty="0"/>
+              <a:t>NUNCA É CEDO OU TARDE DEMAIS PARA SE TORNAR A VERSÃO MAIS SAUDÁVEL DE VOCÊ.</a:t>
+            </a:r>
+          </a:p>
+        </p:txBody>
+      </p:sp>
+      <p:sp>
+        <p:nvSpPr>
+          <p:cNvPr id="52" name="Espaço Reservado para Texto 51">
+            <a:extLst>
+              <a:ext uri="{FF2B5EF4-FFF2-40B4-BE49-F238E27FC236}">
+                <a16:creationId xmlns:a16="http://schemas.microsoft.com/office/drawing/2014/main" id="{3B7E76EB-5406-454D-AB0D-16068C1C2060}"/>
+              </a:ext>
+            </a:extLst>
+          </p:cNvPr>
+          <p:cNvSpPr>
+            <a:spLocks noGrp="1"/>
+          </p:cNvSpPr>
+          <p:nvPr>
+            <p:ph type="body" sz="quarter" idx="20"/>
+          </p:nvPr>
+        </p:nvSpPr>
+        <p:spPr/>
+        <p:txBody>
+          <a:bodyPr rtlCol="0"/>
+          <a:lstStyle/>
+          <a:p>
+            <a:pPr algn="l" rtl="0"/>
+            <a:r>
+              <a:rPr lang="pt-BR" dirty="0"/>
+              <a:t>ZEN FITNESS</a:t>
+            </a:r>
+          </a:p>
+        </p:txBody>
+      </p:sp>
+      <p:sp>
+        <p:nvSpPr>
+          <p:cNvPr id="53" name="Espaço Reservado para Texto 52">
+            <a:extLst>
+              <a:ext uri="{FF2B5EF4-FFF2-40B4-BE49-F238E27FC236}">
+                <a16:creationId xmlns:a16="http://schemas.microsoft.com/office/drawing/2014/main" id="{390CC64E-C2D4-474C-BBB9-8F502E406CDF}"/>
+              </a:ext>
+            </a:extLst>
+          </p:cNvPr>
+          <p:cNvSpPr>
+            <a:spLocks noGrp="1"/>
+          </p:cNvSpPr>
+          <p:nvPr>
+            <p:ph type="body" sz="quarter" idx="21"/>
+          </p:nvPr>
+        </p:nvSpPr>
+        <p:spPr/>
+        <p:txBody>
+          <a:bodyPr rtlCol="0"/>
+          <a:lstStyle/>
+          <a:p>
+            <a:pPr algn="l" rtl="0"/>
+            <a:r>
+              <a:rPr lang="pt-BR" dirty="0"/>
+              <a:t>SAÚDE É UMA JORNADA, NÃO UM DESTINO</a:t>
+            </a:r>
+          </a:p>
+        </p:txBody>
+      </p:sp>
+      <p:sp>
+        <p:nvSpPr>
+          <p:cNvPr id="3" name="Espaço Reservado para Texto 2">
+            <a:extLst>
+              <a:ext uri="{FF2B5EF4-FFF2-40B4-BE49-F238E27FC236}">
+                <a16:creationId xmlns:a16="http://schemas.microsoft.com/office/drawing/2014/main" id="{150E8733-C5D2-4742-B883-B899D1F496D1}"/>
+              </a:ext>
+            </a:extLst>
+          </p:cNvPr>
+          <p:cNvSpPr>
+            <a:spLocks noGrp="1"/>
+          </p:cNvSpPr>
+          <p:nvPr>
+            <p:ph type="body" sz="quarter" idx="10"/>
+          </p:nvPr>
+        </p:nvSpPr>
+        <p:spPr>
+          <a:xfrm>
+            <a:off x="3589551" y="5132807"/>
+            <a:ext cx="2907792" cy="365760"/>
+          </a:xfrm>
+        </p:spPr>
+        <p:style>
+          <a:lnRef idx="2">
+            <a:schemeClr val="accent1"/>
+          </a:lnRef>
+          <a:fillRef idx="1">
+            <a:schemeClr val="lt1"/>
+          </a:fillRef>
+          <a:effectRef idx="0">
+            <a:schemeClr val="accent1"/>
+          </a:effectRef>
+          <a:fontRef idx="minor">
+            <a:schemeClr val="dk1"/>
+          </a:fontRef>
+        </p:style>
+        <p:txBody>
+          <a:bodyPr rtlCol="0"/>
+          <a:lstStyle/>
+          <a:p>
+            <a:pPr rtl="0"/>
+            <a:r>
+              <a:rPr lang="pt-BR" sz="1600" dirty="0"/>
+              <a:t>CONTATO</a:t>
+            </a:r>
+          </a:p>
+        </p:txBody>
+      </p:sp>
+      <p:cxnSp>
+        <p:nvCxnSpPr>
+          <p:cNvPr id="56" name="Conector Reto 55">
+            <a:extLst>
+              <a:ext uri="{FF2B5EF4-FFF2-40B4-BE49-F238E27FC236}">
+                <a16:creationId xmlns:a16="http://schemas.microsoft.com/office/drawing/2014/main" id="{603CF212-EDFF-46B6-BDBB-0FFC6EA13453}"/>
+              </a:ext>
+              <a:ext uri="{C183D7F6-B498-43B3-948B-1728B52AA6E4}">
+                <adec:decorative xmlns:adec="http://schemas.microsoft.com/office/drawing/2017/decorative" val="1"/>
+              </a:ext>
+            </a:extLst>
+          </p:cNvPr>
+          <p:cNvCxnSpPr>
+            <a:cxnSpLocks/>
+          </p:cNvCxnSpPr>
+          <p:nvPr/>
+        </p:nvCxnSpPr>
+        <p:spPr>
+          <a:xfrm>
+            <a:off x="7923172" y="6885588"/>
+            <a:ext cx="914400" cy="0"/>
+          </a:xfrm>
+          <a:prstGeom prst="line">
+            <a:avLst/>
+          </a:prstGeom>
+          <a:ln w="60325" cap="rnd">
+            <a:solidFill>
+              <a:schemeClr val="bg1"/>
+            </a:solidFill>
+            <a:prstDash val="sysDot"/>
+          </a:ln>
+        </p:spPr>
+        <p:style>
+          <a:lnRef idx="1">
+            <a:schemeClr val="accent1"/>
+          </a:lnRef>
+          <a:fillRef idx="0">
+            <a:schemeClr val="accent1"/>
+          </a:fillRef>
+          <a:effectRef idx="0">
+            <a:schemeClr val="accent1"/>
+          </a:effectRef>
+          <a:fontRef idx="minor">
+            <a:schemeClr val="tx1"/>
+          </a:fontRef>
+        </p:style>
+      </p:cxnSp>
+      <p:sp>
+        <p:nvSpPr>
+          <p:cNvPr id="58" name="Caixa de texto 57">
+            <a:extLst>
+              <a:ext uri="{FF2B5EF4-FFF2-40B4-BE49-F238E27FC236}">
+                <a16:creationId xmlns:a16="http://schemas.microsoft.com/office/drawing/2014/main" id="{37D9CFA4-6CE5-456F-956D-26B46D6F1146}"/>
+              </a:ext>
+            </a:extLst>
+          </p:cNvPr>
+          <p:cNvSpPr txBox="1"/>
+          <p:nvPr/>
+        </p:nvSpPr>
+        <p:spPr>
+          <a:xfrm>
+            <a:off x="6617324" y="-258759"/>
+            <a:ext cx="3573228" cy="5324535"/>
+          </a:xfrm>
+          <a:prstGeom prst="rect">
+            <a:avLst/>
+          </a:prstGeom>
+          <a:noFill/>
+        </p:spPr>
+        <p:txBody>
+          <a:bodyPr wrap="square" rtlCol="0">
+            <a:spAutoFit/>
+          </a:bodyPr>
+          <a:lstStyle/>
+          <a:p>
+            <a:pPr rtl="0"/>
+            <a:r>
+              <a:rPr lang="pt-BR" sz="34000" b="1" dirty="0">
+                <a:ln w="38100">
+                  <a:solidFill>
+                    <a:schemeClr val="bg1"/>
+                  </a:solidFill>
+                </a:ln>
+                <a:noFill/>
+                <a:latin typeface="+mj-lt"/>
+              </a:rPr>
+              <a:t>z</a:t>
+            </a:r>
+            <a:endParaRPr lang="pt-BR" sz="34000" b="1" dirty="0">
+              <a:ln w="38100">
+                <a:solidFill>
+                  <a:schemeClr val="bg1"/>
+                </a:solidFill>
+              </a:ln>
+              <a:noFill/>
+              <a:effectLst/>
+              <a:latin typeface="+mj-lt"/>
+            </a:endParaRPr>
+          </a:p>
+        </p:txBody>
+      </p:sp>
+      <p:sp>
+        <p:nvSpPr>
+          <p:cNvPr id="60" name="Caixa de texto 59">
+            <a:extLst>
+              <a:ext uri="{FF2B5EF4-FFF2-40B4-BE49-F238E27FC236}">
+                <a16:creationId xmlns:a16="http://schemas.microsoft.com/office/drawing/2014/main" id="{97157405-31F2-4BD7-A2E5-0ADE1F9F0E8F}"/>
+              </a:ext>
+            </a:extLst>
+          </p:cNvPr>
+          <p:cNvSpPr txBox="1"/>
+          <p:nvPr/>
+        </p:nvSpPr>
+        <p:spPr>
+          <a:xfrm>
+            <a:off x="7908925" y="641101"/>
+            <a:ext cx="3352800" cy="5324535"/>
+          </a:xfrm>
+          <a:prstGeom prst="rect">
+            <a:avLst/>
+          </a:prstGeom>
+          <a:noFill/>
+        </p:spPr>
+        <p:txBody>
+          <a:bodyPr wrap="square" rtlCol="0">
+            <a:spAutoFit/>
+          </a:bodyPr>
+          <a:lstStyle/>
+          <a:p>
+            <a:pPr rtl="0"/>
+            <a:r>
+              <a:rPr lang="pt-BR" sz="34000" b="1" dirty="0">
+                <a:ln w="38100">
+                  <a:solidFill>
+                    <a:schemeClr val="bg1"/>
+                  </a:solidFill>
+                </a:ln>
+                <a:noFill/>
+                <a:latin typeface="+mj-lt"/>
+              </a:rPr>
+              <a:t>F</a:t>
+            </a:r>
+          </a:p>
+        </p:txBody>
+      </p:sp>
+      <p:sp>
+        <p:nvSpPr>
+          <p:cNvPr id="14" name="Retângulo 13">
+            <a:extLst>
+              <a:ext uri="{FF2B5EF4-FFF2-40B4-BE49-F238E27FC236}">
+                <a16:creationId xmlns:a16="http://schemas.microsoft.com/office/drawing/2014/main" id="{D69C1BC3-A82D-4C38-ABB5-326A082A0C31}"/>
+              </a:ext>
+            </a:extLst>
+          </p:cNvPr>
+          <p:cNvSpPr/>
+          <p:nvPr/>
+        </p:nvSpPr>
+        <p:spPr>
+          <a:xfrm>
+            <a:off x="0" y="0"/>
+            <a:ext cx="10058400" cy="1554480"/>
+          </a:xfrm>
+          <a:prstGeom prst="rect">
+            <a:avLst/>
+          </a:prstGeom>
+        </p:spPr>
+        <p:style>
+          <a:lnRef idx="2">
+            <a:schemeClr val="dk1">
+              <a:shade val="50000"/>
+            </a:schemeClr>
+          </a:lnRef>
+          <a:fillRef idx="1">
+            <a:schemeClr val="dk1"/>
+          </a:fillRef>
+          <a:effectRef idx="0">
+            <a:schemeClr val="dk1"/>
+          </a:effectRef>
+          <a:fontRef idx="minor">
+            <a:schemeClr val="lt1"/>
+          </a:fontRef>
+        </p:style>
+        <p:txBody>
+          <a:bodyPr rtlCol="0" anchor="ctr"/>
+          <a:lstStyle/>
+          <a:p>
+            <a:pPr algn="ctr"/>
+            <a:endParaRPr lang="pt-BR">
+              <a:latin typeface="+mj-lt"/>
+            </a:endParaRPr>
+          </a:p>
+        </p:txBody>
+      </p:sp>
+      <p:sp>
+        <p:nvSpPr>
+          <p:cNvPr id="15" name="Título 6">
+            <a:extLst>
+              <a:ext uri="{FF2B5EF4-FFF2-40B4-BE49-F238E27FC236}">
+                <a16:creationId xmlns:a16="http://schemas.microsoft.com/office/drawing/2014/main" id="{920795BC-BC02-463D-8615-FE5B0CCD0F29}"/>
+              </a:ext>
+            </a:extLst>
+          </p:cNvPr>
+          <p:cNvSpPr txBox="1">
+            <a:spLocks/>
+          </p:cNvSpPr>
+          <p:nvPr/>
+        </p:nvSpPr>
+        <p:spPr>
+          <a:xfrm>
+            <a:off x="2743200" y="637884"/>
+            <a:ext cx="4257135" cy="365760"/>
+          </a:xfrm>
+          <a:prstGeom prst="rect">
+            <a:avLst/>
+          </a:prstGeom>
+          <a:solidFill>
+            <a:schemeClr val="bg1"/>
+          </a:solidFill>
+          <a:ln>
+            <a:solidFill>
+              <a:schemeClr val="accent5"/>
+            </a:solidFill>
+          </a:ln>
+        </p:spPr>
+        <p:txBody>
+          <a:bodyPr vert="horz" lIns="0" tIns="45720" rIns="0" bIns="45720" rtlCol="0" anchor="ctr">
+            <a:noAutofit/>
+          </a:bodyPr>
+          <a:lstStyle>
+            <a:lvl1pPr algn="l" defTabSz="450430" rtl="0" eaLnBrk="1" latinLnBrk="0" hangingPunct="1">
+              <a:lnSpc>
+                <a:spcPct val="90000"/>
+              </a:lnSpc>
+              <a:spcBef>
+                <a:spcPct val="0"/>
+              </a:spcBef>
+              <a:buNone/>
+              <a:defRPr lang="en-US" sz="2000" b="1" i="0" kern="1200" cap="all" spc="0" baseline="0" dirty="0">
+                <a:solidFill>
+                  <a:schemeClr val="tx2"/>
+                </a:solidFill>
+                <a:latin typeface="+mj-lt"/>
+                <a:ea typeface="+mn-ea"/>
+                <a:cs typeface="+mn-cs"/>
+              </a:defRPr>
+            </a:lvl1pPr>
+          </a:lstStyle>
+          <a:p>
+            <a:r>
+              <a:rPr lang="pt-BR" sz="1600"/>
+              <a:t> </a:t>
+            </a:r>
+            <a:br>
+              <a:rPr lang="pt-BR" sz="1600"/>
+            </a:br>
+            <a:endParaRPr lang="pt-BR" sz="1600"/>
+          </a:p>
+        </p:txBody>
+      </p:sp>
+      <p:sp>
+        <p:nvSpPr>
+          <p:cNvPr id="16" name="Retângulo 15">
+            <a:hlinkClick r:id="rId5" action="ppaction://hlinksldjump"/>
+            <a:extLst>
+              <a:ext uri="{FF2B5EF4-FFF2-40B4-BE49-F238E27FC236}">
+                <a16:creationId xmlns:a16="http://schemas.microsoft.com/office/drawing/2014/main" id="{8F357472-6A69-49AC-B479-6EC6E18F912F}"/>
+              </a:ext>
+            </a:extLst>
+          </p:cNvPr>
+          <p:cNvSpPr/>
+          <p:nvPr/>
+        </p:nvSpPr>
+        <p:spPr>
+          <a:xfrm>
+            <a:off x="8529403" y="116559"/>
+            <a:ext cx="1078992" cy="498273"/>
+          </a:xfrm>
+          <a:prstGeom prst="rect">
+            <a:avLst/>
+          </a:prstGeom>
+          <a:ln>
+            <a:solidFill>
+              <a:schemeClr val="accent6">
+                <a:lumMod val="75000"/>
+                <a:lumOff val="25000"/>
+              </a:schemeClr>
+            </a:solidFill>
+          </a:ln>
+        </p:spPr>
+        <p:style>
+          <a:lnRef idx="2">
+            <a:schemeClr val="dk1">
+              <a:shade val="50000"/>
+            </a:schemeClr>
+          </a:lnRef>
+          <a:fillRef idx="1">
+            <a:schemeClr val="dk1"/>
+          </a:fillRef>
+          <a:effectRef idx="0">
+            <a:schemeClr val="dk1"/>
+          </a:effectRef>
+          <a:fontRef idx="minor">
+            <a:schemeClr val="lt1"/>
+          </a:fontRef>
+        </p:style>
+        <p:txBody>
+          <a:bodyPr rtlCol="0" anchor="ctr"/>
+          <a:lstStyle/>
+          <a:p>
+            <a:pPr algn="ctr"/>
+            <a:r>
+              <a:rPr lang="pt-BR" dirty="0">
+                <a:latin typeface="+mj-lt"/>
+              </a:rPr>
+              <a:t>Sair</a:t>
+            </a:r>
+          </a:p>
+        </p:txBody>
+      </p:sp>
+      <p:sp>
+        <p:nvSpPr>
+          <p:cNvPr id="17" name="Retângulo 16">
+            <a:hlinkClick r:id="rId6" action="ppaction://hlinksldjump"/>
+            <a:extLst>
+              <a:ext uri="{FF2B5EF4-FFF2-40B4-BE49-F238E27FC236}">
+                <a16:creationId xmlns:a16="http://schemas.microsoft.com/office/drawing/2014/main" id="{3682061C-6DDB-484F-AB0C-AC0A0421120B}"/>
+              </a:ext>
+            </a:extLst>
+          </p:cNvPr>
+          <p:cNvSpPr/>
+          <p:nvPr/>
+        </p:nvSpPr>
+        <p:spPr>
+          <a:xfrm>
+            <a:off x="7275963" y="116559"/>
+            <a:ext cx="1078992" cy="498273"/>
+          </a:xfrm>
+          <a:prstGeom prst="rect">
+            <a:avLst/>
+          </a:prstGeom>
+          <a:ln>
+            <a:solidFill>
+              <a:schemeClr val="accent6">
+                <a:lumMod val="75000"/>
+                <a:lumOff val="25000"/>
+              </a:schemeClr>
+            </a:solidFill>
+          </a:ln>
+        </p:spPr>
+        <p:style>
+          <a:lnRef idx="2">
+            <a:schemeClr val="dk1">
+              <a:shade val="50000"/>
+            </a:schemeClr>
+          </a:lnRef>
+          <a:fillRef idx="1">
+            <a:schemeClr val="dk1"/>
+          </a:fillRef>
+          <a:effectRef idx="0">
+            <a:schemeClr val="dk1"/>
+          </a:effectRef>
+          <a:fontRef idx="minor">
+            <a:schemeClr val="lt1"/>
+          </a:fontRef>
+        </p:style>
+        <p:txBody>
+          <a:bodyPr rtlCol="0" anchor="ctr"/>
+          <a:lstStyle/>
+          <a:p>
+            <a:pPr algn="ctr"/>
+            <a:r>
+              <a:rPr lang="pt-BR" dirty="0">
+                <a:latin typeface="+mj-lt"/>
+              </a:rPr>
+              <a:t>...</a:t>
+            </a:r>
+          </a:p>
+        </p:txBody>
+      </p:sp>
+      <p:sp>
+        <p:nvSpPr>
+          <p:cNvPr id="18" name="Retângulo 17">
+            <a:hlinkClick r:id="rId7" action="ppaction://hlinksldjump"/>
+            <a:extLst>
+              <a:ext uri="{FF2B5EF4-FFF2-40B4-BE49-F238E27FC236}">
+                <a16:creationId xmlns:a16="http://schemas.microsoft.com/office/drawing/2014/main" id="{AFE0FD0A-E004-4906-B4BD-D4299FD0DB40}"/>
+              </a:ext>
+            </a:extLst>
+          </p:cNvPr>
+          <p:cNvSpPr/>
+          <p:nvPr/>
+        </p:nvSpPr>
+        <p:spPr>
+          <a:xfrm>
+            <a:off x="61889" y="1105824"/>
+            <a:ext cx="1495136" cy="380002"/>
+          </a:xfrm>
+          <a:prstGeom prst="rect">
+            <a:avLst/>
+          </a:prstGeom>
+          <a:ln>
+            <a:solidFill>
+              <a:schemeClr val="accent6">
+                <a:lumMod val="75000"/>
+                <a:lumOff val="25000"/>
+              </a:schemeClr>
+            </a:solidFill>
+          </a:ln>
+        </p:spPr>
+        <p:style>
+          <a:lnRef idx="2">
+            <a:schemeClr val="accent6">
+              <a:shade val="50000"/>
+            </a:schemeClr>
+          </a:lnRef>
+          <a:fillRef idx="1">
+            <a:schemeClr val="accent6"/>
+          </a:fillRef>
+          <a:effectRef idx="0">
+            <a:schemeClr val="accent6"/>
+          </a:effectRef>
+          <a:fontRef idx="minor">
+            <a:schemeClr val="lt1"/>
+          </a:fontRef>
+        </p:style>
+        <p:txBody>
+          <a:bodyPr rtlCol="0" anchor="ctr"/>
+          <a:lstStyle/>
+          <a:p>
+            <a:pPr algn="ctr"/>
+            <a:r>
+              <a:rPr lang="pt-BR" sz="1600" dirty="0">
+                <a:latin typeface="+mj-lt"/>
+              </a:rPr>
+              <a:t>INÍCIO</a:t>
+            </a:r>
+          </a:p>
+        </p:txBody>
+      </p:sp>
+      <p:grpSp>
+        <p:nvGrpSpPr>
+          <p:cNvPr id="20" name="Agrupar 19">
+            <a:extLst>
+              <a:ext uri="{FF2B5EF4-FFF2-40B4-BE49-F238E27FC236}">
+                <a16:creationId xmlns:a16="http://schemas.microsoft.com/office/drawing/2014/main" id="{1C500B91-533F-4A8A-99E3-7C064EB724CF}"/>
+              </a:ext>
+            </a:extLst>
+          </p:cNvPr>
+          <p:cNvGrpSpPr/>
+          <p:nvPr/>
+        </p:nvGrpSpPr>
+        <p:grpSpPr>
+          <a:xfrm>
+            <a:off x="-523030" y="36181"/>
+            <a:ext cx="2816225" cy="960770"/>
+            <a:chOff x="-609355" y="-85428"/>
+            <a:chExt cx="2816225" cy="960770"/>
+          </a:xfrm>
+        </p:grpSpPr>
+        <p:pic>
+          <p:nvPicPr>
+            <p:cNvPr id="22" name="Picture 2" descr="Download Fitness Logo Vector Creative Download HD PNG HQ PNG Image |  FreePNGImg">
+              <a:extLst>
+                <a:ext uri="{FF2B5EF4-FFF2-40B4-BE49-F238E27FC236}">
+                  <a16:creationId xmlns:a16="http://schemas.microsoft.com/office/drawing/2014/main" id="{D503BD07-7B5E-4A75-AE41-97B256E9E2AF}"/>
+                </a:ext>
+              </a:extLst>
+            </p:cNvPr>
+            <p:cNvPicPr>
+              <a:picLocks noChangeAspect="1" noChangeArrowheads="1"/>
+            </p:cNvPicPr>
+            <p:nvPr/>
+          </p:nvPicPr>
+          <p:blipFill>
+            <a:blip r:embed="rId8">
+              <a:biLevel thresh="75000"/>
+              <a:extLst>
+                <a:ext uri="{28A0092B-C50C-407E-A947-70E740481C1C}">
+                  <a14:useLocalDpi xmlns:a14="http://schemas.microsoft.com/office/drawing/2010/main" val="0"/>
+                </a:ext>
+              </a:extLst>
+            </a:blip>
+            <a:srcRect/>
+            <a:stretch>
+              <a:fillRect/>
+            </a:stretch>
+          </p:blipFill>
+          <p:spPr bwMode="auto">
+            <a:xfrm>
+              <a:off x="126817" y="-6"/>
+              <a:ext cx="1343883" cy="875348"/>
+            </a:xfrm>
+            <a:prstGeom prst="rect">
+              <a:avLst/>
+            </a:prstGeom>
+            <a:noFill/>
+            <a:extLst>
+              <a:ext uri="{909E8E84-426E-40DD-AFC4-6F175D3DCCD1}">
+                <a14:hiddenFill xmlns:a14="http://schemas.microsoft.com/office/drawing/2010/main">
+                  <a:solidFill>
+                    <a:srgbClr val="FFFFFF"/>
+                  </a:solidFill>
+                </a14:hiddenFill>
+              </a:ext>
+            </a:extLst>
+          </p:spPr>
+        </p:pic>
+        <p:sp>
+          <p:nvSpPr>
+            <p:cNvPr id="23" name="Espaço Reservado para Texto 75">
+              <a:extLst>
+                <a:ext uri="{FF2B5EF4-FFF2-40B4-BE49-F238E27FC236}">
+                  <a16:creationId xmlns:a16="http://schemas.microsoft.com/office/drawing/2014/main" id="{1DA1EBA1-DE87-40FD-993C-672F5CF805B4}"/>
+                </a:ext>
+              </a:extLst>
+            </p:cNvPr>
+            <p:cNvSpPr txBox="1">
+              <a:spLocks/>
+            </p:cNvSpPr>
+            <p:nvPr/>
+          </p:nvSpPr>
+          <p:spPr>
+            <a:xfrm>
+              <a:off x="-609355" y="-85428"/>
+              <a:ext cx="2816225" cy="507417"/>
+            </a:xfrm>
+            <a:prstGeom prst="rect">
+              <a:avLst/>
+            </a:prstGeom>
+          </p:spPr>
+          <p:txBody>
+            <a:bodyPr vert="horz" lIns="91440" tIns="45720" rIns="91440" bIns="45720" rtlCol="0">
+              <a:noAutofit/>
+            </a:bodyPr>
+            <a:lstStyle>
+              <a:lvl1pPr marL="0" indent="0" algn="ctr" defTabSz="450430" rtl="0" eaLnBrk="1" latinLnBrk="0" hangingPunct="1">
+                <a:lnSpc>
+                  <a:spcPts val="5200"/>
+                </a:lnSpc>
+                <a:spcBef>
+                  <a:spcPts val="0"/>
+                </a:spcBef>
+                <a:buFont typeface="Arial" panose="020B0604020202020204" pitchFamily="34" charset="0"/>
+                <a:buNone/>
+                <a:defRPr lang="en-US" sz="4800" b="1" kern="1200" cap="all" baseline="0">
+                  <a:solidFill>
+                    <a:schemeClr val="bg1"/>
+                  </a:solidFill>
+                  <a:latin typeface="+mj-lt"/>
+                  <a:ea typeface="+mn-ea"/>
+                  <a:cs typeface="+mn-cs"/>
+                </a:defRPr>
+              </a:lvl1pPr>
+              <a:lvl2pPr marL="800100" indent="-342900" algn="l" defTabSz="450430" rtl="0" eaLnBrk="1" latinLnBrk="0" hangingPunct="1">
+                <a:lnSpc>
+                  <a:spcPct val="150000"/>
+                </a:lnSpc>
+                <a:spcBef>
+                  <a:spcPts val="0"/>
+                </a:spcBef>
+                <a:buFont typeface="Arial" panose="020B0604020202020204" pitchFamily="34" charset="0"/>
+                <a:buChar char="•"/>
+                <a:defRPr lang="en-US" sz="2400" kern="1200" dirty="0" smtClean="0">
+                  <a:solidFill>
+                    <a:schemeClr val="tx1">
+                      <a:lumMod val="75000"/>
+                      <a:lumOff val="25000"/>
+                    </a:schemeClr>
+                  </a:solidFill>
+                  <a:latin typeface="+mn-lt"/>
+                  <a:ea typeface="+mn-ea"/>
+                  <a:cs typeface="+mn-cs"/>
+                </a:defRPr>
+              </a:lvl2pPr>
+              <a:lvl3pPr marL="1257300" indent="-342900" algn="l" defTabSz="450430" rtl="0" eaLnBrk="1" latinLnBrk="0" hangingPunct="1">
+                <a:lnSpc>
+                  <a:spcPct val="150000"/>
+                </a:lnSpc>
+                <a:spcBef>
+                  <a:spcPts val="0"/>
+                </a:spcBef>
+                <a:buFont typeface="Arial" panose="020B0604020202020204" pitchFamily="34" charset="0"/>
+                <a:buChar char="•"/>
+                <a:defRPr lang="en-US" sz="2000" kern="1200" dirty="0" smtClean="0">
+                  <a:solidFill>
+                    <a:schemeClr val="tx1">
+                      <a:lumMod val="75000"/>
+                      <a:lumOff val="25000"/>
+                    </a:schemeClr>
+                  </a:solidFill>
+                  <a:latin typeface="+mn-lt"/>
+                  <a:ea typeface="+mn-ea"/>
+                  <a:cs typeface="+mn-cs"/>
+                </a:defRPr>
+              </a:lvl3pPr>
+              <a:lvl4pPr marL="1657350" indent="-285750" algn="l" defTabSz="450430" rtl="0" eaLnBrk="1" latinLnBrk="0" hangingPunct="1">
+                <a:lnSpc>
+                  <a:spcPct val="150000"/>
+                </a:lnSpc>
+                <a:spcBef>
+                  <a:spcPts val="0"/>
+                </a:spcBef>
+                <a:buFont typeface="Arial" panose="020B0604020202020204" pitchFamily="34" charset="0"/>
+                <a:buChar char="•"/>
+                <a:defRPr lang="en-US" sz="1800" kern="1200" dirty="0" smtClean="0">
+                  <a:solidFill>
+                    <a:schemeClr val="tx1">
+                      <a:lumMod val="75000"/>
+                      <a:lumOff val="25000"/>
+                    </a:schemeClr>
+                  </a:solidFill>
+                  <a:latin typeface="+mn-lt"/>
+                  <a:ea typeface="+mn-ea"/>
+                  <a:cs typeface="+mn-cs"/>
+                </a:defRPr>
+              </a:lvl4pPr>
+              <a:lvl5pPr marL="2114550" indent="-285750" algn="l" defTabSz="450430" rtl="0" eaLnBrk="1" latinLnBrk="0" hangingPunct="1">
+                <a:lnSpc>
+                  <a:spcPct val="150000"/>
+                </a:lnSpc>
+                <a:spcBef>
+                  <a:spcPts val="0"/>
+                </a:spcBef>
+                <a:buFont typeface="Arial" panose="020B0604020202020204" pitchFamily="34" charset="0"/>
+                <a:buChar char="•"/>
+                <a:defRPr lang="en-US" sz="1800" kern="1200" dirty="0">
+                  <a:solidFill>
+                    <a:schemeClr val="tx1">
+                      <a:lumMod val="75000"/>
+                      <a:lumOff val="25000"/>
+                    </a:schemeClr>
+                  </a:solidFill>
+                  <a:latin typeface="+mn-lt"/>
+                  <a:ea typeface="+mn-ea"/>
+                  <a:cs typeface="+mn-cs"/>
+                </a:defRPr>
+              </a:lvl5pPr>
+              <a:lvl6pPr marL="1238683" indent="-112608" algn="l" defTabSz="450430" rtl="0" eaLnBrk="1" latinLnBrk="0" hangingPunct="1">
+                <a:lnSpc>
+                  <a:spcPct val="90000"/>
+                </a:lnSpc>
+                <a:spcBef>
+                  <a:spcPts val="246"/>
+                </a:spcBef>
+                <a:buFont typeface="Arial" panose="020B0604020202020204" pitchFamily="34" charset="0"/>
+                <a:buChar char="•"/>
+                <a:defRPr sz="887" kern="1200">
+                  <a:solidFill>
+                    <a:schemeClr val="tx1"/>
+                  </a:solidFill>
+                  <a:latin typeface="+mn-lt"/>
+                  <a:ea typeface="+mn-ea"/>
+                  <a:cs typeface="+mn-cs"/>
+                </a:defRPr>
+              </a:lvl6pPr>
+              <a:lvl7pPr marL="1463898" indent="-112608" algn="l" defTabSz="450430" rtl="0" eaLnBrk="1" latinLnBrk="0" hangingPunct="1">
+                <a:lnSpc>
+                  <a:spcPct val="90000"/>
+                </a:lnSpc>
+                <a:spcBef>
+                  <a:spcPts val="246"/>
+                </a:spcBef>
+                <a:buFont typeface="Arial" panose="020B0604020202020204" pitchFamily="34" charset="0"/>
+                <a:buChar char="•"/>
+                <a:defRPr sz="887" kern="1200">
+                  <a:solidFill>
+                    <a:schemeClr val="tx1"/>
+                  </a:solidFill>
+                  <a:latin typeface="+mn-lt"/>
+                  <a:ea typeface="+mn-ea"/>
+                  <a:cs typeface="+mn-cs"/>
+                </a:defRPr>
+              </a:lvl7pPr>
+              <a:lvl8pPr marL="1689113" indent="-112608" algn="l" defTabSz="450430" rtl="0" eaLnBrk="1" latinLnBrk="0" hangingPunct="1">
+                <a:lnSpc>
+                  <a:spcPct val="90000"/>
+                </a:lnSpc>
+                <a:spcBef>
+                  <a:spcPts val="246"/>
+                </a:spcBef>
+                <a:buFont typeface="Arial" panose="020B0604020202020204" pitchFamily="34" charset="0"/>
+                <a:buChar char="•"/>
+                <a:defRPr sz="887" kern="1200">
+                  <a:solidFill>
+                    <a:schemeClr val="tx1"/>
+                  </a:solidFill>
+                  <a:latin typeface="+mn-lt"/>
+                  <a:ea typeface="+mn-ea"/>
+                  <a:cs typeface="+mn-cs"/>
+                </a:defRPr>
+              </a:lvl8pPr>
+              <a:lvl9pPr marL="1914328" indent="-112608" algn="l" defTabSz="450430" rtl="0" eaLnBrk="1" latinLnBrk="0" hangingPunct="1">
+                <a:lnSpc>
+                  <a:spcPct val="90000"/>
+                </a:lnSpc>
+                <a:spcBef>
+                  <a:spcPts val="246"/>
+                </a:spcBef>
+                <a:buFont typeface="Arial" panose="020B0604020202020204" pitchFamily="34" charset="0"/>
+                <a:buChar char="•"/>
+                <a:defRPr sz="887" kern="1200">
+                  <a:solidFill>
+                    <a:schemeClr val="tx1"/>
+                  </a:solidFill>
+                  <a:latin typeface="+mn-lt"/>
+                  <a:ea typeface="+mn-ea"/>
+                  <a:cs typeface="+mn-cs"/>
+                </a:defRPr>
+              </a:lvl9pPr>
+            </a:lstStyle>
+            <a:p>
+              <a:r>
+                <a:rPr lang="pt-BR" sz="2400" b="0" dirty="0"/>
+                <a:t>ZEN</a:t>
+              </a:r>
+            </a:p>
+          </p:txBody>
+        </p:sp>
+      </p:grpSp>
+      <p:sp>
+        <p:nvSpPr>
+          <p:cNvPr id="24" name="Retângulo 23">
+            <a:extLst>
+              <a:ext uri="{FF2B5EF4-FFF2-40B4-BE49-F238E27FC236}">
+                <a16:creationId xmlns:a16="http://schemas.microsoft.com/office/drawing/2014/main" id="{5417AFE1-34A6-4B00-B841-B6B259FF2A51}"/>
+              </a:ext>
+            </a:extLst>
+          </p:cNvPr>
+          <p:cNvSpPr/>
+          <p:nvPr/>
+        </p:nvSpPr>
+        <p:spPr>
+          <a:xfrm>
+            <a:off x="1654461" y="1105824"/>
+            <a:ext cx="1495135" cy="386048"/>
+          </a:xfrm>
+          <a:prstGeom prst="rect">
+            <a:avLst/>
+          </a:prstGeom>
+          <a:ln>
+            <a:solidFill>
+              <a:schemeClr val="accent6">
+                <a:lumMod val="75000"/>
+                <a:lumOff val="25000"/>
+              </a:schemeClr>
+            </a:solidFill>
+          </a:ln>
+        </p:spPr>
+        <p:style>
+          <a:lnRef idx="2">
+            <a:schemeClr val="accent6">
+              <a:shade val="50000"/>
+            </a:schemeClr>
+          </a:lnRef>
+          <a:fillRef idx="1">
+            <a:schemeClr val="accent6"/>
+          </a:fillRef>
+          <a:effectRef idx="0">
+            <a:schemeClr val="accent6"/>
+          </a:effectRef>
+          <a:fontRef idx="minor">
+            <a:schemeClr val="lt1"/>
+          </a:fontRef>
+        </p:style>
+        <p:txBody>
+          <a:bodyPr rtlCol="0" anchor="ctr"/>
+          <a:lstStyle/>
+          <a:p>
+            <a:pPr algn="ctr"/>
+            <a:r>
+              <a:rPr lang="pt-BR" sz="1600" dirty="0">
+                <a:latin typeface="+mj-lt"/>
+              </a:rPr>
+              <a:t>Novidades</a:t>
+            </a:r>
+          </a:p>
+        </p:txBody>
+      </p:sp>
+      <p:sp>
+        <p:nvSpPr>
+          <p:cNvPr id="6" name="Retângulo 5">
+            <a:extLst>
+              <a:ext uri="{FF2B5EF4-FFF2-40B4-BE49-F238E27FC236}">
+                <a16:creationId xmlns:a16="http://schemas.microsoft.com/office/drawing/2014/main" id="{1F88ED9C-8CBF-47E7-AE23-42AE06CE162A}"/>
+              </a:ext>
+            </a:extLst>
+          </p:cNvPr>
+          <p:cNvSpPr/>
+          <p:nvPr/>
+        </p:nvSpPr>
+        <p:spPr>
+          <a:xfrm>
+            <a:off x="2413416" y="1554480"/>
+            <a:ext cx="5193757" cy="6217901"/>
+          </a:xfrm>
+          <a:prstGeom prst="rect">
+            <a:avLst/>
+          </a:prstGeom>
+        </p:spPr>
+        <p:style>
+          <a:lnRef idx="2">
+            <a:schemeClr val="accent6"/>
+          </a:lnRef>
+          <a:fillRef idx="1">
+            <a:schemeClr val="lt1"/>
+          </a:fillRef>
+          <a:effectRef idx="0">
+            <a:schemeClr val="accent6"/>
+          </a:effectRef>
+          <a:fontRef idx="minor">
+            <a:schemeClr val="dk1"/>
+          </a:fontRef>
+        </p:style>
+        <p:txBody>
+          <a:bodyPr rtlCol="0" anchor="ctr"/>
+          <a:lstStyle/>
+          <a:p>
+            <a:pPr algn="ctr"/>
+            <a:endParaRPr lang="pt-BR" dirty="0"/>
+          </a:p>
+        </p:txBody>
+      </p:sp>
+      <p:sp>
+        <p:nvSpPr>
+          <p:cNvPr id="8" name="Retângulo: Cantos Arredondados 7">
+            <a:extLst>
+              <a:ext uri="{FF2B5EF4-FFF2-40B4-BE49-F238E27FC236}">
+                <a16:creationId xmlns:a16="http://schemas.microsoft.com/office/drawing/2014/main" id="{31BB1922-4618-4156-BB55-C89905C0F610}"/>
+              </a:ext>
+            </a:extLst>
+          </p:cNvPr>
+          <p:cNvSpPr/>
+          <p:nvPr/>
+        </p:nvSpPr>
+        <p:spPr>
+          <a:xfrm>
+            <a:off x="2511193" y="2190023"/>
+            <a:ext cx="5017091" cy="663352"/>
+          </a:xfrm>
+          <a:prstGeom prst="roundRect">
+            <a:avLst/>
+          </a:prstGeom>
+        </p:spPr>
+        <p:style>
+          <a:lnRef idx="2">
+            <a:schemeClr val="accent1"/>
+          </a:lnRef>
+          <a:fillRef idx="1">
+            <a:schemeClr val="lt1"/>
+          </a:fillRef>
+          <a:effectRef idx="0">
+            <a:schemeClr val="accent1"/>
+          </a:effectRef>
+          <a:fontRef idx="minor">
+            <a:schemeClr val="dk1"/>
+          </a:fontRef>
+        </p:style>
+        <p:txBody>
+          <a:bodyPr rtlCol="0" anchor="ctr"/>
+          <a:lstStyle/>
+          <a:p>
+            <a:r>
+              <a:rPr lang="pt-BR" dirty="0">
+                <a:latin typeface="+mj-lt"/>
+              </a:rPr>
+              <a:t>Dia 01</a:t>
+            </a:r>
+          </a:p>
+        </p:txBody>
+      </p:sp>
+      <p:sp>
+        <p:nvSpPr>
+          <p:cNvPr id="9" name="Retângulo: Cantos Arredondados 8">
+            <a:extLst>
+              <a:ext uri="{FF2B5EF4-FFF2-40B4-BE49-F238E27FC236}">
+                <a16:creationId xmlns:a16="http://schemas.microsoft.com/office/drawing/2014/main" id="{C574B455-7075-4696-8301-40B186997B99}"/>
+              </a:ext>
+            </a:extLst>
+          </p:cNvPr>
+          <p:cNvSpPr/>
+          <p:nvPr/>
+        </p:nvSpPr>
+        <p:spPr>
+          <a:xfrm>
+            <a:off x="2506755" y="2986899"/>
+            <a:ext cx="5017091" cy="663352"/>
+          </a:xfrm>
+          <a:prstGeom prst="roundRect">
+            <a:avLst/>
+          </a:prstGeom>
+        </p:spPr>
+        <p:style>
+          <a:lnRef idx="2">
+            <a:schemeClr val="accent1"/>
+          </a:lnRef>
+          <a:fillRef idx="1">
+            <a:schemeClr val="lt1"/>
+          </a:fillRef>
+          <a:effectRef idx="0">
+            <a:schemeClr val="accent1"/>
+          </a:effectRef>
+          <a:fontRef idx="minor">
+            <a:schemeClr val="dk1"/>
+          </a:fontRef>
+        </p:style>
+        <p:txBody>
+          <a:bodyPr rtlCol="0" anchor="ctr"/>
+          <a:lstStyle/>
+          <a:p>
+            <a:r>
+              <a:rPr lang="pt-BR" dirty="0">
+                <a:latin typeface="+mj-lt"/>
+              </a:rPr>
+              <a:t>Dia 2</a:t>
+            </a:r>
+          </a:p>
+        </p:txBody>
+      </p:sp>
+      <p:sp>
+        <p:nvSpPr>
+          <p:cNvPr id="10" name="Retângulo: Cantos Arredondados 9">
+            <a:extLst>
+              <a:ext uri="{FF2B5EF4-FFF2-40B4-BE49-F238E27FC236}">
+                <a16:creationId xmlns:a16="http://schemas.microsoft.com/office/drawing/2014/main" id="{5A8666E2-2EF8-4FF5-9730-C39261B14D98}"/>
+              </a:ext>
+            </a:extLst>
+          </p:cNvPr>
+          <p:cNvSpPr/>
+          <p:nvPr/>
+        </p:nvSpPr>
+        <p:spPr>
+          <a:xfrm>
+            <a:off x="2530329" y="3786527"/>
+            <a:ext cx="5017091" cy="663352"/>
+          </a:xfrm>
+          <a:prstGeom prst="roundRect">
+            <a:avLst/>
+          </a:prstGeom>
+        </p:spPr>
+        <p:style>
+          <a:lnRef idx="2">
+            <a:schemeClr val="accent1"/>
+          </a:lnRef>
+          <a:fillRef idx="1">
+            <a:schemeClr val="lt1"/>
+          </a:fillRef>
+          <a:effectRef idx="0">
+            <a:schemeClr val="accent1"/>
+          </a:effectRef>
+          <a:fontRef idx="minor">
+            <a:schemeClr val="dk1"/>
+          </a:fontRef>
+        </p:style>
+        <p:txBody>
+          <a:bodyPr rtlCol="0" anchor="ctr"/>
+          <a:lstStyle/>
+          <a:p>
+            <a:r>
+              <a:rPr lang="pt-BR" dirty="0">
+                <a:latin typeface="+mj-lt"/>
+              </a:rPr>
+              <a:t>Dia 3</a:t>
+            </a:r>
+          </a:p>
+        </p:txBody>
+      </p:sp>
+      <p:sp>
+        <p:nvSpPr>
+          <p:cNvPr id="11" name="Retângulo: Cantos Arredondados 10">
+            <a:extLst>
+              <a:ext uri="{FF2B5EF4-FFF2-40B4-BE49-F238E27FC236}">
+                <a16:creationId xmlns:a16="http://schemas.microsoft.com/office/drawing/2014/main" id="{0266E885-D01C-412A-A6BB-571EF5FD311D}"/>
+              </a:ext>
+            </a:extLst>
+          </p:cNvPr>
+          <p:cNvSpPr/>
+          <p:nvPr/>
+        </p:nvSpPr>
+        <p:spPr>
+          <a:xfrm>
+            <a:off x="2539473" y="4589899"/>
+            <a:ext cx="5017091" cy="663352"/>
+          </a:xfrm>
+          <a:prstGeom prst="roundRect">
+            <a:avLst/>
+          </a:prstGeom>
+        </p:spPr>
+        <p:style>
+          <a:lnRef idx="2">
+            <a:schemeClr val="accent1"/>
+          </a:lnRef>
+          <a:fillRef idx="1">
+            <a:schemeClr val="lt1"/>
+          </a:fillRef>
+          <a:effectRef idx="0">
+            <a:schemeClr val="accent1"/>
+          </a:effectRef>
+          <a:fontRef idx="minor">
+            <a:schemeClr val="dk1"/>
+          </a:fontRef>
+        </p:style>
+        <p:txBody>
+          <a:bodyPr rtlCol="0" anchor="ctr"/>
+          <a:lstStyle/>
+          <a:p>
+            <a:r>
+              <a:rPr lang="pt-BR" dirty="0">
+                <a:latin typeface="+mj-lt"/>
+              </a:rPr>
+              <a:t>Dia 4</a:t>
+            </a:r>
+          </a:p>
+        </p:txBody>
+      </p:sp>
+      <p:sp>
+        <p:nvSpPr>
+          <p:cNvPr id="12" name="Retângulo: Cantos Arredondados 11">
+            <a:extLst>
+              <a:ext uri="{FF2B5EF4-FFF2-40B4-BE49-F238E27FC236}">
+                <a16:creationId xmlns:a16="http://schemas.microsoft.com/office/drawing/2014/main" id="{F1ECC345-B320-4715-96D1-AED62DBA88D9}"/>
+              </a:ext>
+            </a:extLst>
+          </p:cNvPr>
+          <p:cNvSpPr/>
+          <p:nvPr/>
+        </p:nvSpPr>
+        <p:spPr>
+          <a:xfrm>
+            <a:off x="2530328" y="5400979"/>
+            <a:ext cx="5017091" cy="663352"/>
+          </a:xfrm>
+          <a:prstGeom prst="roundRect">
+            <a:avLst/>
+          </a:prstGeom>
+        </p:spPr>
+        <p:style>
+          <a:lnRef idx="2">
+            <a:schemeClr val="accent1"/>
+          </a:lnRef>
+          <a:fillRef idx="1">
+            <a:schemeClr val="lt1"/>
+          </a:fillRef>
+          <a:effectRef idx="0">
+            <a:schemeClr val="accent1"/>
+          </a:effectRef>
+          <a:fontRef idx="minor">
+            <a:schemeClr val="dk1"/>
+          </a:fontRef>
+        </p:style>
+        <p:txBody>
+          <a:bodyPr rtlCol="0" anchor="ctr"/>
+          <a:lstStyle/>
+          <a:p>
+            <a:r>
+              <a:rPr lang="pt-BR" dirty="0">
+                <a:latin typeface="+mj-lt"/>
+              </a:rPr>
+              <a:t>Dia 5</a:t>
+            </a:r>
+          </a:p>
+        </p:txBody>
+      </p:sp>
+      <p:sp>
+        <p:nvSpPr>
+          <p:cNvPr id="13" name="Retângulo: Cantos Arredondados 12">
+            <a:extLst>
+              <a:ext uri="{FF2B5EF4-FFF2-40B4-BE49-F238E27FC236}">
+                <a16:creationId xmlns:a16="http://schemas.microsoft.com/office/drawing/2014/main" id="{BC49C743-6A62-40E8-B241-4DBD54CFC6C1}"/>
+              </a:ext>
+            </a:extLst>
+          </p:cNvPr>
+          <p:cNvSpPr/>
+          <p:nvPr/>
+        </p:nvSpPr>
+        <p:spPr>
+          <a:xfrm>
+            <a:off x="2539473" y="6197193"/>
+            <a:ext cx="5017091" cy="663352"/>
+          </a:xfrm>
+          <a:prstGeom prst="roundRect">
+            <a:avLst/>
+          </a:prstGeom>
+        </p:spPr>
+        <p:style>
+          <a:lnRef idx="2">
+            <a:schemeClr val="accent1"/>
+          </a:lnRef>
+          <a:fillRef idx="1">
+            <a:schemeClr val="lt1"/>
+          </a:fillRef>
+          <a:effectRef idx="0">
+            <a:schemeClr val="accent1"/>
+          </a:effectRef>
+          <a:fontRef idx="minor">
+            <a:schemeClr val="dk1"/>
+          </a:fontRef>
+        </p:style>
+        <p:txBody>
+          <a:bodyPr rtlCol="0" anchor="ctr"/>
+          <a:lstStyle/>
+          <a:p>
+            <a:r>
+              <a:rPr lang="pt-BR" dirty="0">
+                <a:latin typeface="+mj-lt"/>
+              </a:rPr>
+              <a:t>Dia 6</a:t>
+            </a:r>
+          </a:p>
+        </p:txBody>
+      </p:sp>
+      <p:sp>
+        <p:nvSpPr>
+          <p:cNvPr id="25" name="Retângulo: Cantos Arredondados 24">
+            <a:extLst>
+              <a:ext uri="{FF2B5EF4-FFF2-40B4-BE49-F238E27FC236}">
+                <a16:creationId xmlns:a16="http://schemas.microsoft.com/office/drawing/2014/main" id="{D88A257E-C706-4C75-B6FC-D417E9CBA372}"/>
+              </a:ext>
+            </a:extLst>
+          </p:cNvPr>
+          <p:cNvSpPr/>
+          <p:nvPr/>
+        </p:nvSpPr>
+        <p:spPr>
+          <a:xfrm>
+            <a:off x="2515995" y="7026246"/>
+            <a:ext cx="5017091" cy="663352"/>
+          </a:xfrm>
+          <a:prstGeom prst="roundRect">
+            <a:avLst/>
+          </a:prstGeom>
+        </p:spPr>
+        <p:style>
+          <a:lnRef idx="2">
+            <a:schemeClr val="accent1"/>
+          </a:lnRef>
+          <a:fillRef idx="1">
+            <a:schemeClr val="lt1"/>
+          </a:fillRef>
+          <a:effectRef idx="0">
+            <a:schemeClr val="accent1"/>
+          </a:effectRef>
+          <a:fontRef idx="minor">
+            <a:schemeClr val="dk1"/>
+          </a:fontRef>
+        </p:style>
+        <p:txBody>
+          <a:bodyPr rtlCol="0" anchor="ctr"/>
+          <a:lstStyle/>
+          <a:p>
+            <a:r>
+              <a:rPr lang="pt-BR" dirty="0">
+                <a:latin typeface="+mj-lt"/>
+              </a:rPr>
+              <a:t>Dia 7</a:t>
+            </a:r>
+          </a:p>
+        </p:txBody>
+      </p:sp>
+      <p:pic>
+        <p:nvPicPr>
+          <p:cNvPr id="2050" name="Picture 2" descr="Visto App | LinkedIn">
+            <a:extLst>
+              <a:ext uri="{FF2B5EF4-FFF2-40B4-BE49-F238E27FC236}">
+                <a16:creationId xmlns:a16="http://schemas.microsoft.com/office/drawing/2014/main" id="{CF650A0C-399D-4C97-A3C5-CA736482CFAF}"/>
+              </a:ext>
+            </a:extLst>
+          </p:cNvPr>
+          <p:cNvPicPr>
+            <a:picLocks noChangeAspect="1" noChangeArrowheads="1"/>
+          </p:cNvPicPr>
+          <p:nvPr/>
+        </p:nvPicPr>
+        <p:blipFill>
+          <a:blip r:embed="rId9">
+            <a:extLst>
+              <a:ext uri="{28A0092B-C50C-407E-A947-70E740481C1C}">
+                <a14:useLocalDpi xmlns:a14="http://schemas.microsoft.com/office/drawing/2010/main" val="0"/>
+              </a:ext>
+            </a:extLst>
+          </a:blip>
+          <a:srcRect/>
+          <a:stretch>
+            <a:fillRect/>
+          </a:stretch>
+        </p:blipFill>
+        <p:spPr bwMode="auto">
+          <a:xfrm>
+            <a:off x="6867135" y="2249169"/>
+            <a:ext cx="555218" cy="555218"/>
+          </a:xfrm>
+          <a:prstGeom prst="rect">
+            <a:avLst/>
+          </a:prstGeom>
+          <a:noFill/>
+          <a:extLst>
+            <a:ext uri="{909E8E84-426E-40DD-AFC4-6F175D3DCCD1}">
+              <a14:hiddenFill xmlns:a14="http://schemas.microsoft.com/office/drawing/2010/main">
+                <a:solidFill>
+                  <a:srgbClr val="FFFFFF"/>
+                </a:solidFill>
+              </a14:hiddenFill>
+            </a:ext>
+          </a:extLst>
+        </p:spPr>
+      </p:pic>
+      <p:pic>
+        <p:nvPicPr>
+          <p:cNvPr id="7" name="Picture 2" descr="Visto App | LinkedIn">
+            <a:extLst>
+              <a:ext uri="{FF2B5EF4-FFF2-40B4-BE49-F238E27FC236}">
+                <a16:creationId xmlns:a16="http://schemas.microsoft.com/office/drawing/2014/main" id="{C139BDE6-DA93-4A2D-8A19-054A782401D6}"/>
+              </a:ext>
+            </a:extLst>
+          </p:cNvPr>
+          <p:cNvPicPr>
+            <a:picLocks noChangeAspect="1" noChangeArrowheads="1"/>
+          </p:cNvPicPr>
+          <p:nvPr/>
+        </p:nvPicPr>
+        <p:blipFill>
+          <a:blip r:embed="rId9">
+            <a:extLst>
+              <a:ext uri="{28A0092B-C50C-407E-A947-70E740481C1C}">
+                <a14:useLocalDpi xmlns:a14="http://schemas.microsoft.com/office/drawing/2010/main" val="0"/>
+              </a:ext>
+            </a:extLst>
+          </a:blip>
+          <a:srcRect/>
+          <a:stretch>
+            <a:fillRect/>
+          </a:stretch>
+        </p:blipFill>
+        <p:spPr bwMode="auto">
+          <a:xfrm>
+            <a:off x="6887625" y="3047737"/>
+            <a:ext cx="555218" cy="555218"/>
+          </a:xfrm>
+          <a:prstGeom prst="rect">
+            <a:avLst/>
+          </a:prstGeom>
+          <a:noFill/>
+          <a:extLst>
+            <a:ext uri="{909E8E84-426E-40DD-AFC4-6F175D3DCCD1}">
+              <a14:hiddenFill xmlns:a14="http://schemas.microsoft.com/office/drawing/2010/main">
+                <a:solidFill>
+                  <a:srgbClr val="FFFFFF"/>
+                </a:solidFill>
+              </a14:hiddenFill>
+            </a:ext>
+          </a:extLst>
+        </p:spPr>
+      </p:pic>
+      <p:pic>
+        <p:nvPicPr>
+          <p:cNvPr id="26" name="Picture 2" descr="Visto App | LinkedIn">
+            <a:extLst>
+              <a:ext uri="{FF2B5EF4-FFF2-40B4-BE49-F238E27FC236}">
+                <a16:creationId xmlns:a16="http://schemas.microsoft.com/office/drawing/2014/main" id="{D053F477-167B-4D87-9455-CAD2E25725B1}"/>
+              </a:ext>
+            </a:extLst>
+          </p:cNvPr>
+          <p:cNvPicPr>
+            <a:picLocks noChangeAspect="1" noChangeArrowheads="1"/>
+          </p:cNvPicPr>
+          <p:nvPr/>
+        </p:nvPicPr>
+        <p:blipFill>
+          <a:blip r:embed="rId9">
+            <a:extLst>
+              <a:ext uri="{28A0092B-C50C-407E-A947-70E740481C1C}">
+                <a14:useLocalDpi xmlns:a14="http://schemas.microsoft.com/office/drawing/2010/main" val="0"/>
+              </a:ext>
+            </a:extLst>
+          </a:blip>
+          <a:srcRect/>
+          <a:stretch>
+            <a:fillRect/>
+          </a:stretch>
+        </p:blipFill>
+        <p:spPr bwMode="auto">
+          <a:xfrm>
+            <a:off x="6899412" y="3871293"/>
+            <a:ext cx="555218" cy="555218"/>
+          </a:xfrm>
+          <a:prstGeom prst="rect">
+            <a:avLst/>
+          </a:prstGeom>
+          <a:noFill/>
+          <a:extLst>
+            <a:ext uri="{909E8E84-426E-40DD-AFC4-6F175D3DCCD1}">
+              <a14:hiddenFill xmlns:a14="http://schemas.microsoft.com/office/drawing/2010/main">
+                <a:solidFill>
+                  <a:srgbClr val="FFFFFF"/>
+                </a:solidFill>
+              </a14:hiddenFill>
+            </a:ext>
+          </a:extLst>
+        </p:spPr>
+      </p:pic>
+      <p:sp>
+        <p:nvSpPr>
+          <p:cNvPr id="28" name="Retângulo 27">
+            <a:extLst>
+              <a:ext uri="{FF2B5EF4-FFF2-40B4-BE49-F238E27FC236}">
+                <a16:creationId xmlns:a16="http://schemas.microsoft.com/office/drawing/2014/main" id="{75F34D95-0266-4F5C-B9C3-A9F1182B6F73}"/>
+              </a:ext>
+            </a:extLst>
+          </p:cNvPr>
+          <p:cNvSpPr/>
+          <p:nvPr/>
+        </p:nvSpPr>
+        <p:spPr>
+          <a:xfrm>
+            <a:off x="2539473" y="1638037"/>
+            <a:ext cx="4882880" cy="432428"/>
+          </a:xfrm>
+          <a:prstGeom prst="rect">
+            <a:avLst/>
+          </a:prstGeom>
+        </p:spPr>
+        <p:style>
+          <a:lnRef idx="2">
+            <a:schemeClr val="dk1">
+              <a:shade val="50000"/>
+            </a:schemeClr>
+          </a:lnRef>
+          <a:fillRef idx="1">
+            <a:schemeClr val="dk1"/>
+          </a:fillRef>
+          <a:effectRef idx="0">
+            <a:schemeClr val="dk1"/>
+          </a:effectRef>
+          <a:fontRef idx="minor">
+            <a:schemeClr val="lt1"/>
+          </a:fontRef>
+        </p:style>
+        <p:txBody>
+          <a:bodyPr rtlCol="0" anchor="ctr"/>
+          <a:lstStyle/>
+          <a:p>
+            <a:pPr algn="ctr"/>
+            <a:r>
+              <a:rPr lang="pt-BR" sz="2000" dirty="0">
+                <a:latin typeface="+mj-lt"/>
+              </a:rPr>
+              <a:t>Cardápio</a:t>
+            </a:r>
+            <a:endParaRPr lang="pt-BR" dirty="0">
+              <a:latin typeface="+mj-lt"/>
+            </a:endParaRPr>
+          </a:p>
+        </p:txBody>
+      </p:sp>
+      <p:pic>
+        <p:nvPicPr>
+          <p:cNvPr id="29" name="Picture 2" descr="Visto App | LinkedIn">
+            <a:extLst>
+              <a:ext uri="{FF2B5EF4-FFF2-40B4-BE49-F238E27FC236}">
+                <a16:creationId xmlns:a16="http://schemas.microsoft.com/office/drawing/2014/main" id="{7398240F-CCA3-4D09-996A-15D3313A27D8}"/>
+              </a:ext>
+            </a:extLst>
+          </p:cNvPr>
+          <p:cNvPicPr>
+            <a:picLocks noChangeAspect="1" noChangeArrowheads="1"/>
+          </p:cNvPicPr>
+          <p:nvPr/>
+        </p:nvPicPr>
+        <p:blipFill>
+          <a:blip r:embed="rId9">
+            <a:extLst>
+              <a:ext uri="{28A0092B-C50C-407E-A947-70E740481C1C}">
+                <a14:useLocalDpi xmlns:a14="http://schemas.microsoft.com/office/drawing/2010/main" val="0"/>
+              </a:ext>
+            </a:extLst>
+          </a:blip>
+          <a:srcRect/>
+          <a:stretch>
+            <a:fillRect/>
+          </a:stretch>
+        </p:blipFill>
+        <p:spPr bwMode="auto">
+          <a:xfrm>
+            <a:off x="6925111" y="4638736"/>
+            <a:ext cx="555218" cy="555218"/>
+          </a:xfrm>
+          <a:prstGeom prst="rect">
+            <a:avLst/>
+          </a:prstGeom>
+          <a:noFill/>
+          <a:extLst>
+            <a:ext uri="{909E8E84-426E-40DD-AFC4-6F175D3DCCD1}">
+              <a14:hiddenFill xmlns:a14="http://schemas.microsoft.com/office/drawing/2010/main">
+                <a:solidFill>
+                  <a:srgbClr val="FFFFFF"/>
+                </a:solidFill>
+              </a14:hiddenFill>
+            </a:ext>
+          </a:extLst>
+        </p:spPr>
+      </p:pic>
+    </p:spTree>
+    <p:extLst>
+      <p:ext uri="{BB962C8B-B14F-4D97-AF65-F5344CB8AC3E}">
+        <p14:creationId xmlns:p14="http://schemas.microsoft.com/office/powerpoint/2010/main" val="2067420037"/>
+      </p:ext>
+    </p:extLst>
+  </p:cSld>
+  <p:clrMapOvr>
+    <a:masterClrMapping/>
+  </p:clrMapOvr>
+</p:sld>
+</file>
+
+<file path=ppt/slides/slide8.xml><?xml version="1.0" encoding="utf-8"?>
+<p:sld xmlns:a="http://schemas.openxmlformats.org/drawingml/2006/main" xmlns:r="http://schemas.openxmlformats.org/officeDocument/2006/relationships" xmlns:p="http://schemas.openxmlformats.org/presentationml/2006/main">
+  <p:cSld>
+    <p:spTree>
+      <p:nvGrpSpPr>
+        <p:cNvPr id="1" name=""/>
+        <p:cNvGrpSpPr/>
+        <p:nvPr/>
+      </p:nvGrpSpPr>
+      <p:grpSpPr>
+        <a:xfrm>
+          <a:off x="0" y="0"/>
+          <a:ext cx="0" cy="0"/>
+          <a:chOff x="0" y="0"/>
+          <a:chExt cx="0" cy="0"/>
+        </a:xfrm>
+      </p:grpSpPr>
+      <p:sp>
+        <p:nvSpPr>
+          <p:cNvPr id="2" name="Título 1">
+            <a:extLst>
+              <a:ext uri="{FF2B5EF4-FFF2-40B4-BE49-F238E27FC236}">
                 <a16:creationId xmlns:a16="http://schemas.microsoft.com/office/drawing/2014/main" id="{4C7D3057-435A-4E3E-B809-5A528F7BAC97}"/>
               </a:ext>
             </a:extLst>
@@ -9623,7 +15882,7 @@
 </p:sld>
 </file>
 
-<file path=ppt/slides/slide6.xml><?xml version="1.0" encoding="utf-8"?>
+<file path=ppt/slides/slide9.xml><?xml version="1.0" encoding="utf-8"?>
 <p:sld xmlns:a="http://schemas.openxmlformats.org/drawingml/2006/main" xmlns:r="http://schemas.openxmlformats.org/officeDocument/2006/relationships" xmlns:p="http://schemas.openxmlformats.org/presentationml/2006/main">
   <p:cSld>
     <p:spTree>
@@ -10696,6 +16955,24 @@
 </file>
 
 <file path=customXml/item1.xml><?xml version="1.0" encoding="utf-8"?>
+<p:properties xmlns:p="http://schemas.microsoft.com/office/2006/metadata/properties" xmlns:xsi="http://www.w3.org/2001/XMLSchema-instance" xmlns:pc="http://schemas.microsoft.com/office/infopath/2007/PartnerControls">
+  <documentManagement>
+    <Status xmlns="71af3243-3dd4-4a8d-8c0d-dd76da1f02a5">Not started</Status>
+    <MediaServiceKeyPoints xmlns="71af3243-3dd4-4a8d-8c0d-dd76da1f02a5" xsi:nil="true"/>
+  </documentManagement>
+</p:properties>
+</file>
+
+<file path=customXml/item2.xml><?xml version="1.0" encoding="utf-8"?>
+<?mso-contentType ?>
+<FormTemplates xmlns="http://schemas.microsoft.com/sharepoint/v3/contenttype/forms">
+  <Display>DocumentLibraryForm</Display>
+  <Edit>DocumentLibraryForm</Edit>
+  <New>DocumentLibraryForm</New>
+</FormTemplates>
+</file>
+
+<file path=customXml/item3.xml><?xml version="1.0" encoding="utf-8"?>
 <ct:contentTypeSchema xmlns:ct="http://schemas.microsoft.com/office/2006/metadata/contentType" xmlns:ma="http://schemas.microsoft.com/office/2006/metadata/properties/metaAttributes" ct:_="" ma:_="" ma:contentTypeName="Document" ma:contentTypeID="0x01010079F111ED35F8CC479449609E8A0923A6" ma:contentTypeVersion="12" ma:contentTypeDescription="Create a new document." ma:contentTypeScope="" ma:versionID="426e97fa315356fffbdcd9876fe988c2">
   <xsd:schema xmlns:xsd="http://www.w3.org/2001/XMLSchema" xmlns:xs="http://www.w3.org/2001/XMLSchema" xmlns:p="http://schemas.microsoft.com/office/2006/metadata/properties" xmlns:ns2="71af3243-3dd4-4a8d-8c0d-dd76da1f02a5" xmlns:ns3="16c05727-aa75-4e4a-9b5f-8a80a1165891" targetNamespace="http://schemas.microsoft.com/office/2006/metadata/properties" ma:root="true" ma:fieldsID="14b8f0def80e6d70ce3def20c90759ae" ns2:_="" ns3:_="">
     <xsd:import namespace="71af3243-3dd4-4a8d-8c0d-dd76da1f02a5"/>
@@ -10916,25 +17193,25 @@
 </ct:contentTypeSchema>
 </file>
 
-<file path=customXml/item2.xml><?xml version="1.0" encoding="utf-8"?>
-<?mso-contentType ?>
-<FormTemplates xmlns="http://schemas.microsoft.com/sharepoint/v3/contenttype/forms">
-  <Display>DocumentLibraryForm</Display>
-  <Edit>DocumentLibraryForm</Edit>
-  <New>DocumentLibraryForm</New>
-</FormTemplates>
+<file path=customXml/itemProps1.xml><?xml version="1.0" encoding="utf-8"?>
+<ds:datastoreItem xmlns:ds="http://schemas.openxmlformats.org/officeDocument/2006/customXml" ds:itemID="{08E38CB4-BE3E-4DC5-B38A-B0E5A3837185}">
+  <ds:schemaRefs>
+    <ds:schemaRef ds:uri="http://schemas.microsoft.com/office/2006/metadata/properties"/>
+    <ds:schemaRef ds:uri="http://schemas.microsoft.com/office/infopath/2007/PartnerControls"/>
+    <ds:schemaRef ds:uri="71af3243-3dd4-4a8d-8c0d-dd76da1f02a5"/>
+  </ds:schemaRefs>
+</ds:datastoreItem>
 </file>
 
-<file path=customXml/item3.xml><?xml version="1.0" encoding="utf-8"?>
-<p:properties xmlns:p="http://schemas.microsoft.com/office/2006/metadata/properties" xmlns:xsi="http://www.w3.org/2001/XMLSchema-instance" xmlns:pc="http://schemas.microsoft.com/office/infopath/2007/PartnerControls">
-  <documentManagement>
-    <Status xmlns="71af3243-3dd4-4a8d-8c0d-dd76da1f02a5">Not started</Status>
-    <MediaServiceKeyPoints xmlns="71af3243-3dd4-4a8d-8c0d-dd76da1f02a5" xsi:nil="true"/>
-  </documentManagement>
-</p:properties>
+<file path=customXml/itemProps2.xml><?xml version="1.0" encoding="utf-8"?>
+<ds:datastoreItem xmlns:ds="http://schemas.openxmlformats.org/officeDocument/2006/customXml" ds:itemID="{8E7951BC-B19A-41FE-AE32-531CF9C6CE62}">
+  <ds:schemaRefs>
+    <ds:schemaRef ds:uri="http://schemas.microsoft.com/sharepoint/v3/contenttype/forms"/>
+  </ds:schemaRefs>
+</ds:datastoreItem>
 </file>
 
-<file path=customXml/itemProps1.xml><?xml version="1.0" encoding="utf-8"?>
+<file path=customXml/itemProps3.xml><?xml version="1.0" encoding="utf-8"?>
 <ds:datastoreItem xmlns:ds="http://schemas.openxmlformats.org/officeDocument/2006/customXml" ds:itemID="{F8AE0D39-5C99-4AE5-9A32-43072F55B1DD}">
   <ds:schemaRefs>
     <ds:schemaRef ds:uri="http://schemas.microsoft.com/office/2006/metadata/contentType"/>
@@ -10951,22 +17228,4 @@
     <ds:schemaRef ds:uri="http://schemas.microsoft.com/internal/obd"/>
   </ds:schemaRefs>
 </ds:datastoreItem>
-</file>
-
-<file path=customXml/itemProps2.xml><?xml version="1.0" encoding="utf-8"?>
-<ds:datastoreItem xmlns:ds="http://schemas.openxmlformats.org/officeDocument/2006/customXml" ds:itemID="{8E7951BC-B19A-41FE-AE32-531CF9C6CE62}">
-  <ds:schemaRefs>
-    <ds:schemaRef ds:uri="http://schemas.microsoft.com/sharepoint/v3/contenttype/forms"/>
-  </ds:schemaRefs>
-</ds:datastoreItem>
-</file>
-
-<file path=customXml/itemProps3.xml><?xml version="1.0" encoding="utf-8"?>
-<ds:datastoreItem xmlns:ds="http://schemas.openxmlformats.org/officeDocument/2006/customXml" ds:itemID="{08E38CB4-BE3E-4DC5-B38A-B0E5A3837185}">
-  <ds:schemaRefs>
-    <ds:schemaRef ds:uri="http://schemas.microsoft.com/office/2006/metadata/properties"/>
-    <ds:schemaRef ds:uri="http://schemas.microsoft.com/office/infopath/2007/PartnerControls"/>
-    <ds:schemaRef ds:uri="71af3243-3dd4-4a8d-8c0d-dd76da1f02a5"/>
-  </ds:schemaRefs>
-</ds:datastoreItem>
 </file>